--- a/Adventure Day.pptx
+++ b/Adventure Day.pptx
@@ -5,7 +5,7 @@
     <p:sldMasterId id="2147483648" r:id="rId1"/>
   </p:sldMasterIdLst>
   <p:notesMasterIdLst>
-    <p:notesMasterId r:id="rId7"/>
+    <p:notesMasterId r:id="rId8"/>
   </p:notesMasterIdLst>
   <p:sldIdLst>
     <p:sldId id="256" r:id="rId2"/>
@@ -13,9 +13,10 @@
     <p:sldId id="259" r:id="rId4"/>
     <p:sldId id="258" r:id="rId5"/>
     <p:sldId id="260" r:id="rId6"/>
+    <p:sldId id="261" r:id="rId7"/>
   </p:sldIdLst>
   <p:sldSz cx="12192000" cy="6858000"/>
-  <p:notesSz cx="6858000" cy="9144000"/>
+  <p:notesSz cx="7315200" cy="9601200"/>
   <p:defaultTextStyle>
     <a:defPPr>
       <a:defRPr lang="en-US"/>
@@ -119,6 +120,14 @@
 </p:presentation>
 </file>
 
+<file path=ppt/revisionInfo.xml><?xml version="1.0" encoding="utf-8"?>
+<p1510:revInfo xmlns:a="http://schemas.openxmlformats.org/drawingml/2006/main" xmlns:r="http://schemas.openxmlformats.org/officeDocument/2006/relationships" xmlns:p1510="http://schemas.microsoft.com/office/powerpoint/2015/10/main">
+  <p1510:revLst>
+    <p1510:client id="{6C9F86AD-0E74-4377-8EBC-E1138F037E28}" v="368" dt="2018-11-30T12:47:14.722"/>
+  </p1510:revLst>
+</p1510:revInfo>
+</file>
+
 <file path=ppt/changesInfos/changesInfo1.xml><?xml version="1.0" encoding="utf-8"?>
 <pc:chgInfo xmlns:a="http://schemas.openxmlformats.org/drawingml/2006/main" xmlns:r="http://schemas.openxmlformats.org/officeDocument/2006/relationships" xmlns:ac="http://schemas.microsoft.com/office/drawing/2013/main/command" xmlns:pc="http://schemas.microsoft.com/office/powerpoint/2013/main/command">
   <pc:docChgLst>
@@ -3783,109 +3792,1096 @@
   </pc:docChgLst>
   <pc:docChgLst>
     <pc:chgData name="Ryan Solnik" userId="0d9893ddda5f1b71" providerId="LiveId" clId="{6C9F86AD-0E74-4377-8EBC-E1138F037E28}"/>
-    <pc:docChg chg="undo modSld">
-      <pc:chgData name="Ryan Solnik" userId="0d9893ddda5f1b71" providerId="LiveId" clId="{6C9F86AD-0E74-4377-8EBC-E1138F037E28}" dt="2018-11-16T17:46:14.612" v="5" actId="1076"/>
+    <pc:docChg chg="undo custSel addSld delSld modSld sldOrd">
+      <pc:chgData name="Ryan Solnik" userId="0d9893ddda5f1b71" providerId="LiveId" clId="{6C9F86AD-0E74-4377-8EBC-E1138F037E28}" dt="2018-11-28T05:29:22.698" v="4920" actId="478"/>
       <pc:docMkLst>
         <pc:docMk/>
       </pc:docMkLst>
-      <pc:sldChg chg="modSp">
-        <pc:chgData name="Ryan Solnik" userId="0d9893ddda5f1b71" providerId="LiveId" clId="{6C9F86AD-0E74-4377-8EBC-E1138F037E28}" dt="2018-11-16T17:46:14.612" v="5" actId="1076"/>
+      <pc:sldChg chg="addSp delSp modSp">
+        <pc:chgData name="Ryan Solnik" userId="0d9893ddda5f1b71" providerId="LiveId" clId="{6C9F86AD-0E74-4377-8EBC-E1138F037E28}" dt="2018-11-28T05:16:49.941" v="4470" actId="478"/>
+        <pc:sldMkLst>
+          <pc:docMk/>
+          <pc:sldMk cId="1063513300" sldId="258"/>
+        </pc:sldMkLst>
+        <pc:grpChg chg="add del">
+          <ac:chgData name="Ryan Solnik" userId="0d9893ddda5f1b71" providerId="LiveId" clId="{6C9F86AD-0E74-4377-8EBC-E1138F037E28}" dt="2018-11-28T05:16:49.810" v="4469" actId="478"/>
+          <ac:grpSpMkLst>
+            <pc:docMk/>
+            <pc:sldMk cId="1063513300" sldId="258"/>
+            <ac:grpSpMk id="8" creationId="{C477D6A5-F56D-4808-8263-669016F01BC2}"/>
+          </ac:grpSpMkLst>
+        </pc:grpChg>
+        <pc:picChg chg="add del mod">
+          <ac:chgData name="Ryan Solnik" userId="0d9893ddda5f1b71" providerId="LiveId" clId="{6C9F86AD-0E74-4377-8EBC-E1138F037E28}" dt="2018-11-28T05:14:31.607" v="4332"/>
+          <ac:picMkLst>
+            <pc:docMk/>
+            <pc:sldMk cId="1063513300" sldId="258"/>
+            <ac:picMk id="14" creationId="{C5DCAC3C-7891-4831-93A9-75ABAC1CA5B9}"/>
+          </ac:picMkLst>
+        </pc:picChg>
+        <pc:picChg chg="add del mod">
+          <ac:chgData name="Ryan Solnik" userId="0d9893ddda5f1b71" providerId="LiveId" clId="{6C9F86AD-0E74-4377-8EBC-E1138F037E28}" dt="2018-11-28T05:14:30.610" v="4330"/>
+          <ac:picMkLst>
+            <pc:docMk/>
+            <pc:sldMk cId="1063513300" sldId="258"/>
+            <ac:picMk id="15" creationId="{9150BBB7-091A-4BE0-9292-BA391FA44424}"/>
+          </ac:picMkLst>
+        </pc:picChg>
+        <pc:picChg chg="add del">
+          <ac:chgData name="Ryan Solnik" userId="0d9893ddda5f1b71" providerId="LiveId" clId="{6C9F86AD-0E74-4377-8EBC-E1138F037E28}" dt="2018-11-28T05:16:49.941" v="4470" actId="478"/>
+          <ac:picMkLst>
+            <pc:docMk/>
+            <pc:sldMk cId="1063513300" sldId="258"/>
+            <ac:picMk id="16" creationId="{120E9AE3-8C30-4D8D-B44C-1E790174A000}"/>
+          </ac:picMkLst>
+        </pc:picChg>
+        <pc:picChg chg="add del mod">
+          <ac:chgData name="Ryan Solnik" userId="0d9893ddda5f1b71" providerId="LiveId" clId="{6C9F86AD-0E74-4377-8EBC-E1138F037E28}" dt="2018-11-28T05:16:48.943" v="4468" actId="478"/>
+          <ac:picMkLst>
+            <pc:docMk/>
+            <pc:sldMk cId="1063513300" sldId="258"/>
+            <ac:picMk id="17" creationId="{FAFC308A-385C-48C0-84D1-0185A0008F7E}"/>
+          </ac:picMkLst>
+        </pc:picChg>
+        <pc:picChg chg="add del">
+          <ac:chgData name="Ryan Solnik" userId="0d9893ddda5f1b71" providerId="LiveId" clId="{6C9F86AD-0E74-4377-8EBC-E1138F037E28}" dt="2018-11-28T05:14:28.066" v="4325"/>
+          <ac:picMkLst>
+            <pc:docMk/>
+            <pc:sldMk cId="1063513300" sldId="258"/>
+            <ac:picMk id="18" creationId="{585581B8-A44A-4646-9107-4AA84D994143}"/>
+          </ac:picMkLst>
+        </pc:picChg>
+        <pc:picChg chg="add del">
+          <ac:chgData name="Ryan Solnik" userId="0d9893ddda5f1b71" providerId="LiveId" clId="{6C9F86AD-0E74-4377-8EBC-E1138F037E28}" dt="2018-11-28T05:16:48.939" v="4467"/>
+          <ac:picMkLst>
+            <pc:docMk/>
+            <pc:sldMk cId="1063513300" sldId="258"/>
+            <ac:picMk id="19" creationId="{9D67476D-1E93-4B9C-9CBB-A89C443E6F72}"/>
+          </ac:picMkLst>
+        </pc:picChg>
+        <pc:picChg chg="add del mod">
+          <ac:chgData name="Ryan Solnik" userId="0d9893ddda5f1b71" providerId="LiveId" clId="{6C9F86AD-0E74-4377-8EBC-E1138F037E28}" dt="2018-11-28T05:15:17.087" v="4355"/>
+          <ac:picMkLst>
+            <pc:docMk/>
+            <pc:sldMk cId="1063513300" sldId="258"/>
+            <ac:picMk id="20" creationId="{4C65D68E-B353-42A8-AF2A-7C031488FD74}"/>
+          </ac:picMkLst>
+        </pc:picChg>
+        <pc:picChg chg="add del mod">
+          <ac:chgData name="Ryan Solnik" userId="0d9893ddda5f1b71" providerId="LiveId" clId="{6C9F86AD-0E74-4377-8EBC-E1138F037E28}" dt="2018-11-28T05:15:15.824" v="4353"/>
+          <ac:picMkLst>
+            <pc:docMk/>
+            <pc:sldMk cId="1063513300" sldId="258"/>
+            <ac:picMk id="22" creationId="{270CE99C-8E57-4547-BE33-E3B47D7C617D}"/>
+          </ac:picMkLst>
+        </pc:picChg>
+        <pc:picChg chg="add del">
+          <ac:chgData name="Ryan Solnik" userId="0d9893ddda5f1b71" providerId="LiveId" clId="{6C9F86AD-0E74-4377-8EBC-E1138F037E28}" dt="2018-11-28T05:15:15.393" v="4351"/>
+          <ac:picMkLst>
+            <pc:docMk/>
+            <pc:sldMk cId="1063513300" sldId="258"/>
+            <ac:picMk id="23" creationId="{4D77FF31-A6A6-4EF0-A849-E8ED6874BE29}"/>
+          </ac:picMkLst>
+        </pc:picChg>
+        <pc:picChg chg="add del mod modCrop">
+          <ac:chgData name="Ryan Solnik" userId="0d9893ddda5f1b71" providerId="LiveId" clId="{6C9F86AD-0E74-4377-8EBC-E1138F037E28}" dt="2018-11-28T05:16:48.302" v="4466"/>
+          <ac:picMkLst>
+            <pc:docMk/>
+            <pc:sldMk cId="1063513300" sldId="258"/>
+            <ac:picMk id="24" creationId="{FB6F1D15-83CF-4750-ABB6-9FD537EC2A3C}"/>
+          </ac:picMkLst>
+        </pc:picChg>
+      </pc:sldChg>
+      <pc:sldChg chg="addSp delSp">
+        <pc:chgData name="Ryan Solnik" userId="0d9893ddda5f1b71" providerId="LiveId" clId="{6C9F86AD-0E74-4377-8EBC-E1138F037E28}" dt="2018-11-28T05:14:28.684" v="4326"/>
+        <pc:sldMkLst>
+          <pc:docMk/>
+          <pc:sldMk cId="1375454645" sldId="259"/>
+        </pc:sldMkLst>
+        <pc:picChg chg="add del">
+          <ac:chgData name="Ryan Solnik" userId="0d9893ddda5f1b71" providerId="LiveId" clId="{6C9F86AD-0E74-4377-8EBC-E1138F037E28}" dt="2018-11-28T05:14:28.684" v="4326"/>
+          <ac:picMkLst>
+            <pc:docMk/>
+            <pc:sldMk cId="1375454645" sldId="259"/>
+            <ac:picMk id="10" creationId="{2875424C-21C6-4590-B4E8-A2A23E356D03}"/>
+          </ac:picMkLst>
+        </pc:picChg>
+      </pc:sldChg>
+      <pc:sldChg chg="addSp delSp modSp setBg">
+        <pc:chgData name="Ryan Solnik" userId="0d9893ddda5f1b71" providerId="LiveId" clId="{6C9F86AD-0E74-4377-8EBC-E1138F037E28}" dt="2018-11-28T05:29:22.698" v="4920" actId="478"/>
         <pc:sldMkLst>
           <pc:docMk/>
           <pc:sldMk cId="1102942387" sldId="260"/>
         </pc:sldMkLst>
+        <pc:spChg chg="add del mod">
+          <ac:chgData name="Ryan Solnik" userId="0d9893ddda5f1b71" providerId="LiveId" clId="{6C9F86AD-0E74-4377-8EBC-E1138F037E28}" dt="2018-11-28T01:02:00.974" v="208" actId="478"/>
+          <ac:spMkLst>
+            <pc:docMk/>
+            <pc:sldMk cId="1102942387" sldId="260"/>
+            <ac:spMk id="2" creationId="{5015A4F8-7231-423B-840A-9E6191CEEBD3}"/>
+          </ac:spMkLst>
+        </pc:spChg>
+        <pc:spChg chg="mod ord">
+          <ac:chgData name="Ryan Solnik" userId="0d9893ddda5f1b71" providerId="LiveId" clId="{6C9F86AD-0E74-4377-8EBC-E1138F037E28}" dt="2018-11-28T05:28:42.014" v="4915" actId="14100"/>
+          <ac:spMkLst>
+            <pc:docMk/>
+            <pc:sldMk cId="1102942387" sldId="260"/>
+            <ac:spMk id="3" creationId="{2F8B9F84-3FE0-465A-A4C1-A609F15C71D7}"/>
+          </ac:spMkLst>
+        </pc:spChg>
         <pc:spChg chg="mod">
-          <ac:chgData name="Ryan Solnik" userId="0d9893ddda5f1b71" providerId="LiveId" clId="{6C9F86AD-0E74-4377-8EBC-E1138F037E28}" dt="2018-11-16T17:46:06.278" v="2" actId="1076"/>
-          <ac:spMkLst>
-            <pc:docMk/>
-            <pc:sldMk cId="1102942387" sldId="260"/>
-            <ac:spMk id="3" creationId="{2F8B9F84-3FE0-465A-A4C1-A609F15C71D7}"/>
+          <ac:chgData name="Ryan Solnik" userId="0d9893ddda5f1b71" providerId="LiveId" clId="{6C9F86AD-0E74-4377-8EBC-E1138F037E28}" dt="2018-11-28T01:23:13.527" v="353" actId="14100"/>
+          <ac:spMkLst>
+            <pc:docMk/>
+            <pc:sldMk cId="1102942387" sldId="260"/>
+            <ac:spMk id="4" creationId="{34848D5B-ED66-4B9B-A2DA-C5C4F8EC6FD6}"/>
+          </ac:spMkLst>
+        </pc:spChg>
+        <pc:spChg chg="del mod">
+          <ac:chgData name="Ryan Solnik" userId="0d9893ddda5f1b71" providerId="LiveId" clId="{6C9F86AD-0E74-4377-8EBC-E1138F037E28}" dt="2018-11-28T04:41:38.061" v="4197" actId="478"/>
+          <ac:spMkLst>
+            <pc:docMk/>
+            <pc:sldMk cId="1102942387" sldId="260"/>
+            <ac:spMk id="5" creationId="{D229FDF8-01AB-484E-B1C4-C2298915FBFA}"/>
           </ac:spMkLst>
         </pc:spChg>
         <pc:spChg chg="mod">
-          <ac:chgData name="Ryan Solnik" userId="0d9893ddda5f1b71" providerId="LiveId" clId="{6C9F86AD-0E74-4377-8EBC-E1138F037E28}" dt="2018-11-16T17:46:06.278" v="2" actId="1076"/>
-          <ac:spMkLst>
-            <pc:docMk/>
-            <pc:sldMk cId="1102942387" sldId="260"/>
-            <ac:spMk id="5" creationId="{D229FDF8-01AB-484E-B1C4-C2298915FBFA}"/>
+          <ac:chgData name="Ryan Solnik" userId="0d9893ddda5f1b71" providerId="LiveId" clId="{6C9F86AD-0E74-4377-8EBC-E1138F037E28}" dt="2018-11-28T01:26:16.966" v="454" actId="1076"/>
+          <ac:spMkLst>
+            <pc:docMk/>
+            <pc:sldMk cId="1102942387" sldId="260"/>
+            <ac:spMk id="7" creationId="{2BEAC9B4-96DE-4806-8427-80BD9DDE3F5F}"/>
           </ac:spMkLst>
         </pc:spChg>
         <pc:spChg chg="mod">
-          <ac:chgData name="Ryan Solnik" userId="0d9893ddda5f1b71" providerId="LiveId" clId="{6C9F86AD-0E74-4377-8EBC-E1138F037E28}" dt="2018-11-16T17:46:14.612" v="5" actId="1076"/>
+          <ac:chgData name="Ryan Solnik" userId="0d9893ddda5f1b71" providerId="LiveId" clId="{6C9F86AD-0E74-4377-8EBC-E1138F037E28}" dt="2018-11-28T04:38:55.146" v="4048" actId="20577"/>
+          <ac:spMkLst>
+            <pc:docMk/>
+            <pc:sldMk cId="1102942387" sldId="260"/>
+            <ac:spMk id="8" creationId="{6B419581-5AEE-4051-BAF0-2C36C3245E74}"/>
+          </ac:spMkLst>
+        </pc:spChg>
+        <pc:spChg chg="mod">
+          <ac:chgData name="Ryan Solnik" userId="0d9893ddda5f1b71" providerId="LiveId" clId="{6C9F86AD-0E74-4377-8EBC-E1138F037E28}" dt="2018-11-28T04:17:21.622" v="3135" actId="14100"/>
+          <ac:spMkLst>
+            <pc:docMk/>
+            <pc:sldMk cId="1102942387" sldId="260"/>
+            <ac:spMk id="10" creationId="{76FEAEEF-98AA-464A-B9B8-2A8A6C8F1375}"/>
+          </ac:spMkLst>
+        </pc:spChg>
+        <pc:spChg chg="mod">
+          <ac:chgData name="Ryan Solnik" userId="0d9893ddda5f1b71" providerId="LiveId" clId="{6C9F86AD-0E74-4377-8EBC-E1138F037E28}" dt="2018-11-28T00:58:39.115" v="185" actId="1076"/>
+          <ac:spMkLst>
+            <pc:docMk/>
+            <pc:sldMk cId="1102942387" sldId="260"/>
+            <ac:spMk id="12" creationId="{BCBAA606-DFCC-406A-8E58-43045C1FD6B2}"/>
+          </ac:spMkLst>
+        </pc:spChg>
+        <pc:spChg chg="add mod">
+          <ac:chgData name="Ryan Solnik" userId="0d9893ddda5f1b71" providerId="LiveId" clId="{6C9F86AD-0E74-4377-8EBC-E1138F037E28}" dt="2018-11-28T01:51:00.388" v="1183" actId="692"/>
+          <ac:spMkLst>
+            <pc:docMk/>
+            <pc:sldMk cId="1102942387" sldId="260"/>
+            <ac:spMk id="15" creationId="{62DC6344-27EE-49FD-B919-01440C8DAE40}"/>
+          </ac:spMkLst>
+        </pc:spChg>
+        <pc:spChg chg="del mod">
+          <ac:chgData name="Ryan Solnik" userId="0d9893ddda5f1b71" providerId="LiveId" clId="{6C9F86AD-0E74-4377-8EBC-E1138F037E28}" dt="2018-11-28T01:04:38.920" v="238" actId="478"/>
+          <ac:spMkLst>
+            <pc:docMk/>
+            <pc:sldMk cId="1102942387" sldId="260"/>
+            <ac:spMk id="16" creationId="{58E946BC-C19D-40C3-B243-23F8FB443033}"/>
+          </ac:spMkLst>
+        </pc:spChg>
+        <pc:spChg chg="del mod">
+          <ac:chgData name="Ryan Solnik" userId="0d9893ddda5f1b71" providerId="LiveId" clId="{6C9F86AD-0E74-4377-8EBC-E1138F037E28}" dt="2018-11-28T05:21:51.115" v="4808"/>
           <ac:spMkLst>
             <pc:docMk/>
             <pc:sldMk cId="1102942387" sldId="260"/>
             <ac:spMk id="21" creationId="{6B77134F-65BB-4DE3-A844-AC01F71465CE}"/>
           </ac:spMkLst>
         </pc:spChg>
+        <pc:spChg chg="del mod">
+          <ac:chgData name="Ryan Solnik" userId="0d9893ddda5f1b71" providerId="LiveId" clId="{6C9F86AD-0E74-4377-8EBC-E1138F037E28}" dt="2018-11-28T04:41:36.468" v="4196" actId="478"/>
+          <ac:spMkLst>
+            <pc:docMk/>
+            <pc:sldMk cId="1102942387" sldId="260"/>
+            <ac:spMk id="22" creationId="{859603F2-6D2B-46D1-BE49-E096C03D0316}"/>
+          </ac:spMkLst>
+        </pc:spChg>
+        <pc:spChg chg="add mod ord">
+          <ac:chgData name="Ryan Solnik" userId="0d9893ddda5f1b71" providerId="LiveId" clId="{6C9F86AD-0E74-4377-8EBC-E1138F037E28}" dt="2018-11-28T04:31:18.318" v="3945" actId="6549"/>
+          <ac:spMkLst>
+            <pc:docMk/>
+            <pc:sldMk cId="1102942387" sldId="260"/>
+            <ac:spMk id="23" creationId="{CB497579-54DA-4C6B-B777-9204A1B2038E}"/>
+          </ac:spMkLst>
+        </pc:spChg>
+        <pc:spChg chg="del mod">
+          <ac:chgData name="Ryan Solnik" userId="0d9893ddda5f1b71" providerId="LiveId" clId="{6C9F86AD-0E74-4377-8EBC-E1138F037E28}" dt="2018-11-28T04:01:45.187" v="2626" actId="478"/>
+          <ac:spMkLst>
+            <pc:docMk/>
+            <pc:sldMk cId="1102942387" sldId="260"/>
+            <ac:spMk id="24" creationId="{EC753DB4-5250-4655-9B8D-97F4C7E4C434}"/>
+          </ac:spMkLst>
+        </pc:spChg>
         <pc:spChg chg="mod">
-          <ac:chgData name="Ryan Solnik" userId="0d9893ddda5f1b71" providerId="LiveId" clId="{6C9F86AD-0E74-4377-8EBC-E1138F037E28}" dt="2018-11-16T17:46:06.278" v="2" actId="1076"/>
-          <ac:spMkLst>
-            <pc:docMk/>
-            <pc:sldMk cId="1102942387" sldId="260"/>
-            <ac:spMk id="22" creationId="{859603F2-6D2B-46D1-BE49-E096C03D0316}"/>
+          <ac:chgData name="Ryan Solnik" userId="0d9893ddda5f1b71" providerId="LiveId" clId="{6C9F86AD-0E74-4377-8EBC-E1138F037E28}" dt="2018-11-28T01:38:20.419" v="741" actId="20577"/>
+          <ac:spMkLst>
+            <pc:docMk/>
+            <pc:sldMk cId="1102942387" sldId="260"/>
+            <ac:spMk id="25" creationId="{23B1ECCB-D87C-4136-86B3-DA147DB9F9CE}"/>
+          </ac:spMkLst>
+        </pc:spChg>
+        <pc:spChg chg="add mod">
+          <ac:chgData name="Ryan Solnik" userId="0d9893ddda5f1b71" providerId="LiveId" clId="{6C9F86AD-0E74-4377-8EBC-E1138F037E28}" dt="2018-11-28T04:14:17.428" v="2979" actId="1076"/>
+          <ac:spMkLst>
+            <pc:docMk/>
+            <pc:sldMk cId="1102942387" sldId="260"/>
+            <ac:spMk id="28" creationId="{8F8BFB2F-3107-4F82-9E98-6E8FD08A9E9A}"/>
+          </ac:spMkLst>
+        </pc:spChg>
+        <pc:spChg chg="add mod">
+          <ac:chgData name="Ryan Solnik" userId="0d9893ddda5f1b71" providerId="LiveId" clId="{6C9F86AD-0E74-4377-8EBC-E1138F037E28}" dt="2018-11-28T04:18:35.067" v="3149" actId="1076"/>
+          <ac:spMkLst>
+            <pc:docMk/>
+            <pc:sldMk cId="1102942387" sldId="260"/>
+            <ac:spMk id="30" creationId="{7F2BD8B4-AFF3-4D37-9BF6-73D8DDFE6AF6}"/>
+          </ac:spMkLst>
+        </pc:spChg>
+        <pc:spChg chg="del mod">
+          <ac:chgData name="Ryan Solnik" userId="0d9893ddda5f1b71" providerId="LiveId" clId="{6C9F86AD-0E74-4377-8EBC-E1138F037E28}" dt="2018-11-28T04:41:34.126" v="4195" actId="478"/>
+          <ac:spMkLst>
+            <pc:docMk/>
+            <pc:sldMk cId="1102942387" sldId="260"/>
+            <ac:spMk id="31" creationId="{F41EB35A-3C28-4F83-AEA9-10FF938460BA}"/>
           </ac:spMkLst>
         </pc:spChg>
         <pc:spChg chg="mod">
-          <ac:chgData name="Ryan Solnik" userId="0d9893ddda5f1b71" providerId="LiveId" clId="{6C9F86AD-0E74-4377-8EBC-E1138F037E28}" dt="2018-11-16T17:46:06.278" v="2" actId="1076"/>
-          <ac:spMkLst>
-            <pc:docMk/>
-            <pc:sldMk cId="1102942387" sldId="260"/>
-            <ac:spMk id="31" creationId="{F41EB35A-3C28-4F83-AEA9-10FF938460BA}"/>
+          <ac:chgData name="Ryan Solnik" userId="0d9893ddda5f1b71" providerId="LiveId" clId="{6C9F86AD-0E74-4377-8EBC-E1138F037E28}" dt="2018-11-28T04:06:22.110" v="2662" actId="14100"/>
+          <ac:spMkLst>
+            <pc:docMk/>
+            <pc:sldMk cId="1102942387" sldId="260"/>
+            <ac:spMk id="32" creationId="{0532CC50-0067-4B49-8C0D-BF44C1AD96D8}"/>
           </ac:spMkLst>
         </pc:spChg>
         <pc:spChg chg="mod">
-          <ac:chgData name="Ryan Solnik" userId="0d9893ddda5f1b71" providerId="LiveId" clId="{6C9F86AD-0E74-4377-8EBC-E1138F037E28}" dt="2018-11-16T17:46:06.278" v="2" actId="1076"/>
+          <ac:chgData name="Ryan Solnik" userId="0d9893ddda5f1b71" providerId="LiveId" clId="{6C9F86AD-0E74-4377-8EBC-E1138F037E28}" dt="2018-11-28T03:55:34.730" v="2235" actId="1076"/>
+          <ac:spMkLst>
+            <pc:docMk/>
+            <pc:sldMk cId="1102942387" sldId="260"/>
+            <ac:spMk id="33" creationId="{ED1142FC-4780-4536-872F-2A2386ACCB3D}"/>
+          </ac:spMkLst>
+        </pc:spChg>
+        <pc:spChg chg="mod ord">
+          <ac:chgData name="Ryan Solnik" userId="0d9893ddda5f1b71" providerId="LiveId" clId="{6C9F86AD-0E74-4377-8EBC-E1138F037E28}" dt="2018-11-28T05:09:13.121" v="4282" actId="1076"/>
+          <ac:spMkLst>
+            <pc:docMk/>
+            <pc:sldMk cId="1102942387" sldId="260"/>
+            <ac:spMk id="34" creationId="{DE4A31AC-ED32-48CB-9423-36B31956AE85}"/>
+          </ac:spMkLst>
+        </pc:spChg>
+        <pc:spChg chg="mod">
+          <ac:chgData name="Ryan Solnik" userId="0d9893ddda5f1b71" providerId="LiveId" clId="{6C9F86AD-0E74-4377-8EBC-E1138F037E28}" dt="2018-11-28T05:23:55.942" v="4854" actId="20577"/>
+          <ac:spMkLst>
+            <pc:docMk/>
+            <pc:sldMk cId="1102942387" sldId="260"/>
+            <ac:spMk id="35" creationId="{DF6AF6D8-269F-4E04-9944-2650B8BA332C}"/>
+          </ac:spMkLst>
+        </pc:spChg>
+        <pc:spChg chg="add mod">
+          <ac:chgData name="Ryan Solnik" userId="0d9893ddda5f1b71" providerId="LiveId" clId="{6C9F86AD-0E74-4377-8EBC-E1138F037E28}" dt="2018-11-28T00:57:56.752" v="176" actId="115"/>
+          <ac:spMkLst>
+            <pc:docMk/>
+            <pc:sldMk cId="1102942387" sldId="260"/>
+            <ac:spMk id="37" creationId="{4E6C59A2-29B1-4426-A7D8-E2ECC72AE1FD}"/>
+          </ac:spMkLst>
+        </pc:spChg>
+        <pc:spChg chg="add del mod">
+          <ac:chgData name="Ryan Solnik" userId="0d9893ddda5f1b71" providerId="LiveId" clId="{6C9F86AD-0E74-4377-8EBC-E1138F037E28}" dt="2018-11-28T01:03:16.967" v="225" actId="478"/>
+          <ac:spMkLst>
+            <pc:docMk/>
+            <pc:sldMk cId="1102942387" sldId="260"/>
+            <ac:spMk id="38" creationId="{4C67D434-4B7C-4792-B849-F2D00F91612F}"/>
+          </ac:spMkLst>
+        </pc:spChg>
+        <pc:spChg chg="add mod">
+          <ac:chgData name="Ryan Solnik" userId="0d9893ddda5f1b71" providerId="LiveId" clId="{6C9F86AD-0E74-4377-8EBC-E1138F037E28}" dt="2018-11-28T01:14:06.469" v="324" actId="14100"/>
+          <ac:spMkLst>
+            <pc:docMk/>
+            <pc:sldMk cId="1102942387" sldId="260"/>
+            <ac:spMk id="39" creationId="{1C731C3A-1B95-4655-A080-8199881C9432}"/>
+          </ac:spMkLst>
+        </pc:spChg>
+        <pc:spChg chg="add del mod">
+          <ac:chgData name="Ryan Solnik" userId="0d9893ddda5f1b71" providerId="LiveId" clId="{6C9F86AD-0E74-4377-8EBC-E1138F037E28}" dt="2018-11-28T01:02:50.830" v="220" actId="478"/>
+          <ac:spMkLst>
+            <pc:docMk/>
+            <pc:sldMk cId="1102942387" sldId="260"/>
+            <ac:spMk id="40" creationId="{0BC12783-C9AB-4DDB-B75C-26D0A56767B3}"/>
+          </ac:spMkLst>
+        </pc:spChg>
+        <pc:spChg chg="add del mod">
+          <ac:chgData name="Ryan Solnik" userId="0d9893ddda5f1b71" providerId="LiveId" clId="{6C9F86AD-0E74-4377-8EBC-E1138F037E28}" dt="2018-11-28T01:05:04.978" v="244" actId="478"/>
+          <ac:spMkLst>
+            <pc:docMk/>
+            <pc:sldMk cId="1102942387" sldId="260"/>
+            <ac:spMk id="41" creationId="{4A153945-6EB0-4373-A916-5DF2B417E9A3}"/>
+          </ac:spMkLst>
+        </pc:spChg>
+        <pc:spChg chg="add mod">
+          <ac:chgData name="Ryan Solnik" userId="0d9893ddda5f1b71" providerId="LiveId" clId="{6C9F86AD-0E74-4377-8EBC-E1138F037E28}" dt="2018-11-28T04:28:19.855" v="3892" actId="14100"/>
+          <ac:spMkLst>
+            <pc:docMk/>
+            <pc:sldMk cId="1102942387" sldId="260"/>
+            <ac:spMk id="42" creationId="{4ECD9337-F57E-4AE0-A3F2-90D3B1942F46}"/>
+          </ac:spMkLst>
+        </pc:spChg>
+        <pc:spChg chg="add del mod">
+          <ac:chgData name="Ryan Solnik" userId="0d9893ddda5f1b71" providerId="LiveId" clId="{6C9F86AD-0E74-4377-8EBC-E1138F037E28}" dt="2018-11-28T01:05:04.182" v="243" actId="478"/>
+          <ac:spMkLst>
+            <pc:docMk/>
+            <pc:sldMk cId="1102942387" sldId="260"/>
+            <ac:spMk id="43" creationId="{C2EA43BE-DEF9-4658-A012-E69C6A562D31}"/>
+          </ac:spMkLst>
+        </pc:spChg>
+        <pc:spChg chg="add del mod">
+          <ac:chgData name="Ryan Solnik" userId="0d9893ddda5f1b71" providerId="LiveId" clId="{6C9F86AD-0E74-4377-8EBC-E1138F037E28}" dt="2018-11-28T04:12:08.790" v="2935" actId="478"/>
+          <ac:spMkLst>
+            <pc:docMk/>
+            <pc:sldMk cId="1102942387" sldId="260"/>
+            <ac:spMk id="45" creationId="{5ABF651E-2A15-4163-9B57-8B6E94295724}"/>
+          </ac:spMkLst>
+        </pc:spChg>
+        <pc:spChg chg="add mod">
+          <ac:chgData name="Ryan Solnik" userId="0d9893ddda5f1b71" providerId="LiveId" clId="{6C9F86AD-0E74-4377-8EBC-E1138F037E28}" dt="2018-11-28T04:28:09.447" v="3891" actId="14100"/>
+          <ac:spMkLst>
+            <pc:docMk/>
+            <pc:sldMk cId="1102942387" sldId="260"/>
+            <ac:spMk id="46" creationId="{547D22C1-0CB5-49D1-8867-AA5D84A215DA}"/>
+          </ac:spMkLst>
+        </pc:spChg>
+        <pc:spChg chg="add mod">
+          <ac:chgData name="Ryan Solnik" userId="0d9893ddda5f1b71" providerId="LiveId" clId="{6C9F86AD-0E74-4377-8EBC-E1138F037E28}" dt="2018-11-28T04:31:53.461" v="4026" actId="692"/>
+          <ac:spMkLst>
+            <pc:docMk/>
+            <pc:sldMk cId="1102942387" sldId="260"/>
+            <ac:spMk id="51" creationId="{B00A8A95-B7C2-4613-ADED-4A18B3CDD300}"/>
+          </ac:spMkLst>
+        </pc:spChg>
+        <pc:spChg chg="add mod">
+          <ac:chgData name="Ryan Solnik" userId="0d9893ddda5f1b71" providerId="LiveId" clId="{6C9F86AD-0E74-4377-8EBC-E1138F037E28}" dt="2018-11-28T01:26:16.966" v="454" actId="1076"/>
+          <ac:spMkLst>
+            <pc:docMk/>
+            <pc:sldMk cId="1102942387" sldId="260"/>
+            <ac:spMk id="52" creationId="{BF99E321-733A-487A-8BE5-0F5109DABE08}"/>
+          </ac:spMkLst>
+        </pc:spChg>
+        <pc:spChg chg="add del mod">
+          <ac:chgData name="Ryan Solnik" userId="0d9893ddda5f1b71" providerId="LiveId" clId="{6C9F86AD-0E74-4377-8EBC-E1138F037E28}" dt="2018-11-28T04:01:46.129" v="2627" actId="478"/>
+          <ac:spMkLst>
+            <pc:docMk/>
+            <pc:sldMk cId="1102942387" sldId="260"/>
+            <ac:spMk id="53" creationId="{B00567F8-8D7A-44D1-969E-13B85C9BFEAF}"/>
+          </ac:spMkLst>
+        </pc:spChg>
+        <pc:spChg chg="add mod">
+          <ac:chgData name="Ryan Solnik" userId="0d9893ddda5f1b71" providerId="LiveId" clId="{6C9F86AD-0E74-4377-8EBC-E1138F037E28}" dt="2018-11-28T03:55:37.439" v="2236" actId="1076"/>
+          <ac:spMkLst>
+            <pc:docMk/>
+            <pc:sldMk cId="1102942387" sldId="260"/>
+            <ac:spMk id="54" creationId="{957842A3-44A4-4B87-B884-8521FC05D065}"/>
+          </ac:spMkLst>
+        </pc:spChg>
+        <pc:spChg chg="add del mod">
+          <ac:chgData name="Ryan Solnik" userId="0d9893ddda5f1b71" providerId="LiveId" clId="{6C9F86AD-0E74-4377-8EBC-E1138F037E28}" dt="2018-11-28T04:04:27.547" v="2646" actId="478"/>
+          <ac:spMkLst>
+            <pc:docMk/>
+            <pc:sldMk cId="1102942387" sldId="260"/>
+            <ac:spMk id="55" creationId="{5FEFB7C7-789F-4FE1-AF10-D119899222A0}"/>
+          </ac:spMkLst>
+        </pc:spChg>
+        <pc:spChg chg="add del mod">
+          <ac:chgData name="Ryan Solnik" userId="0d9893ddda5f1b71" providerId="LiveId" clId="{6C9F86AD-0E74-4377-8EBC-E1138F037E28}" dt="2018-11-28T04:12:05.331" v="2932" actId="478"/>
+          <ac:spMkLst>
+            <pc:docMk/>
+            <pc:sldMk cId="1102942387" sldId="260"/>
+            <ac:spMk id="56" creationId="{F5D4BA7F-894D-4B32-9D84-F21B7298B3C3}"/>
+          </ac:spMkLst>
+        </pc:spChg>
+        <pc:spChg chg="add del mod ord">
+          <ac:chgData name="Ryan Solnik" userId="0d9893ddda5f1b71" providerId="LiveId" clId="{6C9F86AD-0E74-4377-8EBC-E1138F037E28}" dt="2018-11-28T04:27:49.186" v="3889"/>
+          <ac:spMkLst>
+            <pc:docMk/>
+            <pc:sldMk cId="1102942387" sldId="260"/>
+            <ac:spMk id="57" creationId="{6899C3FD-E888-4019-A8B3-03488A43B961}"/>
+          </ac:spMkLst>
+        </pc:spChg>
+        <pc:spChg chg="add mod">
+          <ac:chgData name="Ryan Solnik" userId="0d9893ddda5f1b71" providerId="LiveId" clId="{6C9F86AD-0E74-4377-8EBC-E1138F037E28}" dt="2018-11-28T04:41:12.824" v="4193" actId="1076"/>
+          <ac:spMkLst>
+            <pc:docMk/>
+            <pc:sldMk cId="1102942387" sldId="260"/>
+            <ac:spMk id="59" creationId="{0D3F0558-099A-49A2-8EB8-9100D194B75A}"/>
+          </ac:spMkLst>
+        </pc:spChg>
+        <pc:spChg chg="add mod">
+          <ac:chgData name="Ryan Solnik" userId="0d9893ddda5f1b71" providerId="LiveId" clId="{6C9F86AD-0E74-4377-8EBC-E1138F037E28}" dt="2018-11-28T04:18:37.574" v="3150" actId="1076"/>
+          <ac:spMkLst>
+            <pc:docMk/>
+            <pc:sldMk cId="1102942387" sldId="260"/>
+            <ac:spMk id="60" creationId="{348F1E42-0917-412A-912E-E3ECA74C8575}"/>
+          </ac:spMkLst>
+        </pc:spChg>
+        <pc:spChg chg="add mod">
+          <ac:chgData name="Ryan Solnik" userId="0d9893ddda5f1b71" providerId="LiveId" clId="{6C9F86AD-0E74-4377-8EBC-E1138F037E28}" dt="2018-11-28T04:14:22.751" v="2980" actId="1076"/>
+          <ac:spMkLst>
+            <pc:docMk/>
+            <pc:sldMk cId="1102942387" sldId="260"/>
+            <ac:spMk id="61" creationId="{924524FA-8B6D-42EF-8786-20506E8DF235}"/>
+          </ac:spMkLst>
+        </pc:spChg>
+        <pc:spChg chg="add mod">
+          <ac:chgData name="Ryan Solnik" userId="0d9893ddda5f1b71" providerId="LiveId" clId="{6C9F86AD-0E74-4377-8EBC-E1138F037E28}" dt="2018-11-28T04:14:22.751" v="2980" actId="1076"/>
+          <ac:spMkLst>
+            <pc:docMk/>
+            <pc:sldMk cId="1102942387" sldId="260"/>
+            <ac:spMk id="62" creationId="{ECE4FA0D-E7BE-40ED-A553-E97FE7B12A30}"/>
+          </ac:spMkLst>
+        </pc:spChg>
+        <pc:spChg chg="add del mod">
+          <ac:chgData name="Ryan Solnik" userId="0d9893ddda5f1b71" providerId="LiveId" clId="{6C9F86AD-0E74-4377-8EBC-E1138F037E28}" dt="2018-11-28T05:20:51.213" v="4795" actId="478"/>
+          <ac:spMkLst>
+            <pc:docMk/>
+            <pc:sldMk cId="1102942387" sldId="260"/>
+            <ac:spMk id="65" creationId="{96AC9AF4-FF8A-447B-9FFD-3265D1BD2032}"/>
+          </ac:spMkLst>
+        </pc:spChg>
+        <pc:spChg chg="add mod">
+          <ac:chgData name="Ryan Solnik" userId="0d9893ddda5f1b71" providerId="LiveId" clId="{6C9F86AD-0E74-4377-8EBC-E1138F037E28}" dt="2018-11-28T04:39:33.947" v="4056" actId="1076"/>
+          <ac:spMkLst>
+            <pc:docMk/>
+            <pc:sldMk cId="1102942387" sldId="260"/>
+            <ac:spMk id="66" creationId="{591A3E0E-22A4-48EA-9891-4E0D7E6BB3F6}"/>
+          </ac:spMkLst>
+        </pc:spChg>
+        <pc:spChg chg="add mod">
+          <ac:chgData name="Ryan Solnik" userId="0d9893ddda5f1b71" providerId="LiveId" clId="{6C9F86AD-0E74-4377-8EBC-E1138F037E28}" dt="2018-11-28T04:39:33.947" v="4056" actId="1076"/>
+          <ac:spMkLst>
+            <pc:docMk/>
+            <pc:sldMk cId="1102942387" sldId="260"/>
+            <ac:spMk id="67" creationId="{1BD0B439-1E85-4C0F-A207-35DFF28AB6D2}"/>
+          </ac:spMkLst>
+        </pc:spChg>
+        <pc:spChg chg="add del mod">
+          <ac:chgData name="Ryan Solnik" userId="0d9893ddda5f1b71" providerId="LiveId" clId="{6C9F86AD-0E74-4377-8EBC-E1138F037E28}" dt="2018-11-28T04:12:07.706" v="2934" actId="478"/>
+          <ac:spMkLst>
+            <pc:docMk/>
+            <pc:sldMk cId="1102942387" sldId="260"/>
+            <ac:spMk id="68" creationId="{99B51991-D402-42BC-8CBA-9905764C42F4}"/>
+          </ac:spMkLst>
+        </pc:spChg>
+        <pc:spChg chg="add del mod">
+          <ac:chgData name="Ryan Solnik" userId="0d9893ddda5f1b71" providerId="LiveId" clId="{6C9F86AD-0E74-4377-8EBC-E1138F037E28}" dt="2018-11-28T04:12:06.304" v="2933" actId="478"/>
+          <ac:spMkLst>
+            <pc:docMk/>
+            <pc:sldMk cId="1102942387" sldId="260"/>
+            <ac:spMk id="69" creationId="{A05F734F-4DA6-47FE-A601-8E12D737910D}"/>
+          </ac:spMkLst>
+        </pc:spChg>
+        <pc:spChg chg="add mod">
+          <ac:chgData name="Ryan Solnik" userId="0d9893ddda5f1b71" providerId="LiveId" clId="{6C9F86AD-0E74-4377-8EBC-E1138F037E28}" dt="2018-11-28T05:23:34.105" v="4833" actId="207"/>
+          <ac:spMkLst>
+            <pc:docMk/>
+            <pc:sldMk cId="1102942387" sldId="260"/>
+            <ac:spMk id="70" creationId="{26E66364-ABCE-4D36-B655-A47A381DE331}"/>
+          </ac:spMkLst>
+        </pc:spChg>
+        <pc:spChg chg="add mod">
+          <ac:chgData name="Ryan Solnik" userId="0d9893ddda5f1b71" providerId="LiveId" clId="{6C9F86AD-0E74-4377-8EBC-E1138F037E28}" dt="2018-11-28T05:27:44.489" v="4906" actId="692"/>
+          <ac:spMkLst>
+            <pc:docMk/>
+            <pc:sldMk cId="1102942387" sldId="260"/>
+            <ac:spMk id="71" creationId="{007B7226-1D24-40CA-9219-6E69B6B34552}"/>
+          </ac:spMkLst>
+        </pc:spChg>
+        <pc:spChg chg="add mod">
+          <ac:chgData name="Ryan Solnik" userId="0d9893ddda5f1b71" providerId="LiveId" clId="{6C9F86AD-0E74-4377-8EBC-E1138F037E28}" dt="2018-11-28T05:27:32.610" v="4903" actId="14100"/>
+          <ac:spMkLst>
+            <pc:docMk/>
+            <pc:sldMk cId="1102942387" sldId="260"/>
+            <ac:spMk id="72" creationId="{8437D7F9-11BC-4CB4-9C1D-E271B1CA35B5}"/>
+          </ac:spMkLst>
+        </pc:spChg>
+        <pc:spChg chg="add mod">
+          <ac:chgData name="Ryan Solnik" userId="0d9893ddda5f1b71" providerId="LiveId" clId="{6C9F86AD-0E74-4377-8EBC-E1138F037E28}" dt="2018-11-28T05:27:57.158" v="4909" actId="692"/>
+          <ac:spMkLst>
+            <pc:docMk/>
+            <pc:sldMk cId="1102942387" sldId="260"/>
+            <ac:spMk id="73" creationId="{0979E7C2-2943-49CB-A1B5-4B5F99AB7788}"/>
+          </ac:spMkLst>
+        </pc:spChg>
+        <pc:spChg chg="add mod">
+          <ac:chgData name="Ryan Solnik" userId="0d9893ddda5f1b71" providerId="LiveId" clId="{6C9F86AD-0E74-4377-8EBC-E1138F037E28}" dt="2018-11-28T05:28:04.026" v="4911" actId="692"/>
+          <ac:spMkLst>
+            <pc:docMk/>
+            <pc:sldMk cId="1102942387" sldId="260"/>
+            <ac:spMk id="77" creationId="{31253BA8-A322-413F-81E4-55880260E6EF}"/>
+          </ac:spMkLst>
+        </pc:spChg>
+        <pc:spChg chg="add del">
+          <ac:chgData name="Ryan Solnik" userId="0d9893ddda5f1b71" providerId="LiveId" clId="{6C9F86AD-0E74-4377-8EBC-E1138F037E28}" dt="2018-11-28T05:24:40.746" v="4865" actId="478"/>
+          <ac:spMkLst>
+            <pc:docMk/>
+            <pc:sldMk cId="1102942387" sldId="260"/>
+            <ac:spMk id="78" creationId="{4468DC04-DEB2-4444-BE06-7AF090DE42F7}"/>
+          </ac:spMkLst>
+        </pc:spChg>
+        <pc:spChg chg="add del mod">
+          <ac:chgData name="Ryan Solnik" userId="0d9893ddda5f1b71" providerId="LiveId" clId="{6C9F86AD-0E74-4377-8EBC-E1138F037E28}" dt="2018-11-28T05:26:49.365" v="4897" actId="478"/>
+          <ac:spMkLst>
+            <pc:docMk/>
+            <pc:sldMk cId="1102942387" sldId="260"/>
+            <ac:spMk id="79" creationId="{70F07973-0FA8-4EC4-9348-20435ABE6391}"/>
+          </ac:spMkLst>
+        </pc:spChg>
+        <pc:spChg chg="add mod">
+          <ac:chgData name="Ryan Solnik" userId="0d9893ddda5f1b71" providerId="LiveId" clId="{6C9F86AD-0E74-4377-8EBC-E1138F037E28}" dt="2018-11-28T05:28:14.785" v="4913" actId="692"/>
+          <ac:spMkLst>
+            <pc:docMk/>
+            <pc:sldMk cId="1102942387" sldId="260"/>
+            <ac:spMk id="80" creationId="{C40A108A-E50F-4243-AC5E-5415EABE7F31}"/>
+          </ac:spMkLst>
+        </pc:spChg>
+        <pc:spChg chg="add del mod">
+          <ac:chgData name="Ryan Solnik" userId="0d9893ddda5f1b71" providerId="LiveId" clId="{6C9F86AD-0E74-4377-8EBC-E1138F037E28}" dt="2018-11-28T05:26:51.955" v="4898" actId="478"/>
+          <ac:spMkLst>
+            <pc:docMk/>
+            <pc:sldMk cId="1102942387" sldId="260"/>
+            <ac:spMk id="82" creationId="{BEA2E48B-4220-47AD-BB0F-044ACFFD3F7A}"/>
+          </ac:spMkLst>
+        </pc:spChg>
+        <pc:spChg chg="del mod">
+          <ac:chgData name="Ryan Solnik" userId="0d9893ddda5f1b71" providerId="LiveId" clId="{6C9F86AD-0E74-4377-8EBC-E1138F037E28}" dt="2018-11-28T01:08:45.006" v="297" actId="478"/>
           <ac:spMkLst>
             <pc:docMk/>
             <pc:sldMk cId="1102942387" sldId="260"/>
             <ac:spMk id="1027" creationId="{40494AB2-DE59-4EDC-9B60-A432DEFBEB55}"/>
           </ac:spMkLst>
         </pc:spChg>
+        <pc:spChg chg="del mod">
+          <ac:chgData name="Ryan Solnik" userId="0d9893ddda5f1b71" providerId="LiveId" clId="{6C9F86AD-0E74-4377-8EBC-E1138F037E28}" dt="2018-11-28T04:41:38.787" v="4198" actId="478"/>
+          <ac:spMkLst>
+            <pc:docMk/>
+            <pc:sldMk cId="1102942387" sldId="260"/>
+            <ac:spMk id="1034" creationId="{3840A937-B394-4F8C-8266-534F0E7F89D3}"/>
+          </ac:spMkLst>
+        </pc:spChg>
+        <pc:grpChg chg="add mod">
+          <ac:chgData name="Ryan Solnik" userId="0d9893ddda5f1b71" providerId="LiveId" clId="{6C9F86AD-0E74-4377-8EBC-E1138F037E28}" dt="2018-11-28T05:29:12.129" v="4919" actId="1076"/>
+          <ac:grpSpMkLst>
+            <pc:docMk/>
+            <pc:sldMk cId="1102942387" sldId="260"/>
+            <ac:grpSpMk id="84" creationId="{01398A02-DE47-4761-A3A4-04D85C1F0CDD}"/>
+          </ac:grpSpMkLst>
+        </pc:grpChg>
+        <pc:picChg chg="mod">
+          <ac:chgData name="Ryan Solnik" userId="0d9893ddda5f1b71" providerId="LiveId" clId="{6C9F86AD-0E74-4377-8EBC-E1138F037E28}" dt="2018-11-28T00:57:21.413" v="166" actId="1076"/>
+          <ac:picMkLst>
+            <pc:docMk/>
+            <pc:sldMk cId="1102942387" sldId="260"/>
+            <ac:picMk id="6" creationId="{4312647C-8B10-4CA9-A45D-B6213B402D40}"/>
+          </ac:picMkLst>
+        </pc:picChg>
+        <pc:picChg chg="add del mod">
+          <ac:chgData name="Ryan Solnik" userId="0d9893ddda5f1b71" providerId="LiveId" clId="{6C9F86AD-0E74-4377-8EBC-E1138F037E28}" dt="2018-11-28T01:13:44.959" v="317" actId="478"/>
+          <ac:picMkLst>
+            <pc:docMk/>
+            <pc:sldMk cId="1102942387" sldId="260"/>
+            <ac:picMk id="11" creationId="{ED3D5536-96C5-4901-B29E-5257B76CD8C8}"/>
+          </ac:picMkLst>
+        </pc:picChg>
+        <pc:picChg chg="add del mod">
+          <ac:chgData name="Ryan Solnik" userId="0d9893ddda5f1b71" providerId="LiveId" clId="{6C9F86AD-0E74-4377-8EBC-E1138F037E28}" dt="2018-11-28T04:05:33.445" v="2652" actId="478"/>
+          <ac:picMkLst>
+            <pc:docMk/>
+            <pc:sldMk cId="1102942387" sldId="260"/>
+            <ac:picMk id="13" creationId="{F35185D2-0995-4260-ADDD-872B22EB9A58}"/>
+          </ac:picMkLst>
+        </pc:picChg>
+        <pc:picChg chg="add mod">
+          <ac:chgData name="Ryan Solnik" userId="0d9893ddda5f1b71" providerId="LiveId" clId="{6C9F86AD-0E74-4377-8EBC-E1138F037E28}" dt="2018-11-28T04:31:22.308" v="3946" actId="1076"/>
+          <ac:picMkLst>
+            <pc:docMk/>
+            <pc:sldMk cId="1102942387" sldId="260"/>
+            <ac:picMk id="14" creationId="{945C5D6B-EE22-4950-A3B4-327A9ABAD5A3}"/>
+          </ac:picMkLst>
+        </pc:picChg>
+        <pc:picChg chg="add mod">
+          <ac:chgData name="Ryan Solnik" userId="0d9893ddda5f1b71" providerId="LiveId" clId="{6C9F86AD-0E74-4377-8EBC-E1138F037E28}" dt="2018-11-28T04:18:30.326" v="3147" actId="1076"/>
+          <ac:picMkLst>
+            <pc:docMk/>
+            <pc:sldMk cId="1102942387" sldId="260"/>
+            <ac:picMk id="17" creationId="{16F45C8C-E80E-4287-9247-11EB8DA7A737}"/>
+          </ac:picMkLst>
+        </pc:picChg>
+        <pc:picChg chg="add del mod">
+          <ac:chgData name="Ryan Solnik" userId="0d9893ddda5f1b71" providerId="LiveId" clId="{6C9F86AD-0E74-4377-8EBC-E1138F037E28}" dt="2018-11-28T01:31:54.448" v="473" actId="478"/>
+          <ac:picMkLst>
+            <pc:docMk/>
+            <pc:sldMk cId="1102942387" sldId="260"/>
+            <ac:picMk id="18" creationId="{79A311E5-DBC0-434B-8D42-82E04B20D93C}"/>
+          </ac:picMkLst>
+        </pc:picChg>
+        <pc:picChg chg="add mod">
+          <ac:chgData name="Ryan Solnik" userId="0d9893ddda5f1b71" providerId="LiveId" clId="{6C9F86AD-0E74-4377-8EBC-E1138F037E28}" dt="2018-11-28T04:17:55.157" v="3139" actId="1076"/>
+          <ac:picMkLst>
+            <pc:docMk/>
+            <pc:sldMk cId="1102942387" sldId="260"/>
+            <ac:picMk id="19" creationId="{497CACD4-92F5-4749-B0C7-AF495DCF21C8}"/>
+          </ac:picMkLst>
+        </pc:picChg>
+        <pc:picChg chg="mod ord">
+          <ac:chgData name="Ryan Solnik" userId="0d9893ddda5f1b71" providerId="LiveId" clId="{6C9F86AD-0E74-4377-8EBC-E1138F037E28}" dt="2018-11-28T05:06:49.618" v="4253" actId="1076"/>
+          <ac:picMkLst>
+            <pc:docMk/>
+            <pc:sldMk cId="1102942387" sldId="260"/>
+            <ac:picMk id="26" creationId="{FF19E6F0-66CB-4F89-9F16-E7F0257B18B1}"/>
+          </ac:picMkLst>
+        </pc:picChg>
+        <pc:picChg chg="del mod">
+          <ac:chgData name="Ryan Solnik" userId="0d9893ddda5f1b71" providerId="LiveId" clId="{6C9F86AD-0E74-4377-8EBC-E1138F037E28}" dt="2018-11-28T04:34:34.502" v="4035" actId="478"/>
+          <ac:picMkLst>
+            <pc:docMk/>
+            <pc:sldMk cId="1102942387" sldId="260"/>
+            <ac:picMk id="27" creationId="{DC4A1FC0-E80E-429C-8740-A41C9B855694}"/>
+          </ac:picMkLst>
+        </pc:picChg>
+        <pc:picChg chg="del mod">
+          <ac:chgData name="Ryan Solnik" userId="0d9893ddda5f1b71" providerId="LiveId" clId="{6C9F86AD-0E74-4377-8EBC-E1138F037E28}" dt="2018-11-28T04:45:20.091" v="4213" actId="478"/>
+          <ac:picMkLst>
+            <pc:docMk/>
+            <pc:sldMk cId="1102942387" sldId="260"/>
+            <ac:picMk id="29" creationId="{2BEB214F-BB4F-4E60-BB02-A9B0658F06F0}"/>
+          </ac:picMkLst>
+        </pc:picChg>
+        <pc:picChg chg="add mod">
+          <ac:chgData name="Ryan Solnik" userId="0d9893ddda5f1b71" providerId="LiveId" clId="{6C9F86AD-0E74-4377-8EBC-E1138F037E28}" dt="2018-11-28T04:18:32.896" v="3148" actId="1076"/>
+          <ac:picMkLst>
+            <pc:docMk/>
+            <pc:sldMk cId="1102942387" sldId="260"/>
+            <ac:picMk id="47" creationId="{6E5DF100-5B5C-4ABC-A8AE-D8A29D51BBF4}"/>
+          </ac:picMkLst>
+        </pc:picChg>
+        <pc:picChg chg="add mod">
+          <ac:chgData name="Ryan Solnik" userId="0d9893ddda5f1b71" providerId="LiveId" clId="{6C9F86AD-0E74-4377-8EBC-E1138F037E28}" dt="2018-11-28T05:09:21.473" v="4283" actId="1076"/>
+          <ac:picMkLst>
+            <pc:docMk/>
+            <pc:sldMk cId="1102942387" sldId="260"/>
+            <ac:picMk id="48" creationId="{FE9837A9-0EA5-46E7-9B11-F071849D5363}"/>
+          </ac:picMkLst>
+        </pc:picChg>
+        <pc:picChg chg="add del mod">
+          <ac:chgData name="Ryan Solnik" userId="0d9893ddda5f1b71" providerId="LiveId" clId="{6C9F86AD-0E74-4377-8EBC-E1138F037E28}" dt="2018-11-28T04:17:50.395" v="3138" actId="478"/>
+          <ac:picMkLst>
+            <pc:docMk/>
+            <pc:sldMk cId="1102942387" sldId="260"/>
+            <ac:picMk id="49" creationId="{E27733D8-61C3-47BD-AD58-242D3A45B456}"/>
+          </ac:picMkLst>
+        </pc:picChg>
+        <pc:picChg chg="add del mod">
+          <ac:chgData name="Ryan Solnik" userId="0d9893ddda5f1b71" providerId="LiveId" clId="{6C9F86AD-0E74-4377-8EBC-E1138F037E28}" dt="2018-11-28T01:13:44.959" v="317" actId="478"/>
+          <ac:picMkLst>
+            <pc:docMk/>
+            <pc:sldMk cId="1102942387" sldId="260"/>
+            <ac:picMk id="50" creationId="{21C25D4B-9DA8-41EC-ABE5-2FECC9F966DC}"/>
+          </ac:picMkLst>
+        </pc:picChg>
+        <pc:picChg chg="add mod">
+          <ac:chgData name="Ryan Solnik" userId="0d9893ddda5f1b71" providerId="LiveId" clId="{6C9F86AD-0E74-4377-8EBC-E1138F037E28}" dt="2018-11-28T04:31:25.609" v="3947" actId="1076"/>
+          <ac:picMkLst>
+            <pc:docMk/>
+            <pc:sldMk cId="1102942387" sldId="260"/>
+            <ac:picMk id="58" creationId="{605AB898-8CF3-40E1-8997-1D5B75BC77A5}"/>
+          </ac:picMkLst>
+        </pc:picChg>
+        <pc:picChg chg="add mod">
+          <ac:chgData name="Ryan Solnik" userId="0d9893ddda5f1b71" providerId="LiveId" clId="{6C9F86AD-0E74-4377-8EBC-E1138F037E28}" dt="2018-11-28T05:04:50.350" v="4240" actId="14861"/>
+          <ac:picMkLst>
+            <pc:docMk/>
+            <pc:sldMk cId="1102942387" sldId="260"/>
+            <ac:picMk id="63" creationId="{615EB671-6715-46EB-B34A-1E77BD3A3935}"/>
+          </ac:picMkLst>
+        </pc:picChg>
+        <pc:picChg chg="add mod ord">
+          <ac:chgData name="Ryan Solnik" userId="0d9893ddda5f1b71" providerId="LiveId" clId="{6C9F86AD-0E74-4377-8EBC-E1138F037E28}" dt="2018-11-28T05:06:12.752" v="4252" actId="166"/>
+          <ac:picMkLst>
+            <pc:docMk/>
+            <pc:sldMk cId="1102942387" sldId="260"/>
+            <ac:picMk id="64" creationId="{AA92092A-07A0-4F7D-B96E-416A06C7DA69}"/>
+          </ac:picMkLst>
+        </pc:picChg>
+        <pc:picChg chg="del mod">
+          <ac:chgData name="Ryan Solnik" userId="0d9893ddda5f1b71" providerId="LiveId" clId="{6C9F86AD-0E74-4377-8EBC-E1138F037E28}" dt="2018-11-28T05:29:22.698" v="4920" actId="478"/>
+          <ac:picMkLst>
+            <pc:docMk/>
+            <pc:sldMk cId="1102942387" sldId="260"/>
+            <ac:picMk id="1026" creationId="{1CD667EB-B66B-4CC0-96D2-072C0ED2803F}"/>
+          </ac:picMkLst>
+        </pc:picChg>
+        <pc:picChg chg="add del mod">
+          <ac:chgData name="Ryan Solnik" userId="0d9893ddda5f1b71" providerId="LiveId" clId="{6C9F86AD-0E74-4377-8EBC-E1138F037E28}" dt="2018-11-28T01:14:18.133" v="327" actId="478"/>
+          <ac:picMkLst>
+            <pc:docMk/>
+            <pc:sldMk cId="1102942387" sldId="260"/>
+            <ac:picMk id="1028" creationId="{417EB9D1-BF4A-4F11-8C81-EACF6A2D43E4}"/>
+          </ac:picMkLst>
+        </pc:picChg>
+        <pc:picChg chg="del mod ord">
+          <ac:chgData name="Ryan Solnik" userId="0d9893ddda5f1b71" providerId="LiveId" clId="{6C9F86AD-0E74-4377-8EBC-E1138F037E28}" dt="2018-11-28T05:02:36.536" v="4219" actId="478"/>
+          <ac:picMkLst>
+            <pc:docMk/>
+            <pc:sldMk cId="1102942387" sldId="260"/>
+            <ac:picMk id="1031" creationId="{2BE74A1E-F776-4E63-8177-55336C4C06BD}"/>
+          </ac:picMkLst>
+        </pc:picChg>
+        <pc:inkChg chg="mod">
+          <ac:chgData name="Ryan Solnik" userId="0d9893ddda5f1b71" providerId="LiveId" clId="{6C9F86AD-0E74-4377-8EBC-E1138F037E28}" dt="2018-11-28T00:52:06.125" v="81" actId="692"/>
+          <ac:inkMkLst>
+            <pc:docMk/>
+            <pc:sldMk cId="1102942387" sldId="260"/>
+            <ac:inkMk id="44" creationId="{A6BA0CD2-0E4F-4A2E-ABE6-2E7D420BBF6C}"/>
+          </ac:inkMkLst>
+        </pc:inkChg>
+      </pc:sldChg>
+    </pc:docChg>
+  </pc:docChgLst>
+  <pc:docChgLst>
+    <pc:chgData name="Ryan Solnik" userId="0d9893ddda5f1b71" providerId="LiveId" clId="{B6A30AE8-A99A-43FC-A952-B80822729CBB}"/>
+    <pc:docChg chg="undo custSel modSld">
+      <pc:chgData name="Ryan Solnik" userId="0d9893ddda5f1b71" providerId="LiveId" clId="{B6A30AE8-A99A-43FC-A952-B80822729CBB}" dt="2018-11-28T00:48:50.737" v="1975" actId="1076"/>
+      <pc:docMkLst>
+        <pc:docMk/>
+      </pc:docMkLst>
+      <pc:sldChg chg="addSp delSp modSp">
+        <pc:chgData name="Ryan Solnik" userId="0d9893ddda5f1b71" providerId="LiveId" clId="{B6A30AE8-A99A-43FC-A952-B80822729CBB}" dt="2018-11-27T23:15:43.458" v="73" actId="20577"/>
+        <pc:sldMkLst>
+          <pc:docMk/>
+          <pc:sldMk cId="661112408" sldId="256"/>
+        </pc:sldMkLst>
+        <pc:spChg chg="add mod">
+          <ac:chgData name="Ryan Solnik" userId="0d9893ddda5f1b71" providerId="LiveId" clId="{B6A30AE8-A99A-43FC-A952-B80822729CBB}" dt="2018-11-27T23:15:43.458" v="73" actId="20577"/>
+          <ac:spMkLst>
+            <pc:docMk/>
+            <pc:sldMk cId="661112408" sldId="256"/>
+            <ac:spMk id="5" creationId="{945D4EA5-24D1-4D27-B7C7-D43B473FC419}"/>
+          </ac:spMkLst>
+        </pc:spChg>
+        <pc:picChg chg="mod">
+          <ac:chgData name="Ryan Solnik" userId="0d9893ddda5f1b71" providerId="LiveId" clId="{B6A30AE8-A99A-43FC-A952-B80822729CBB}" dt="2018-11-27T23:14:41.164" v="6" actId="1076"/>
+          <ac:picMkLst>
+            <pc:docMk/>
+            <pc:sldMk cId="661112408" sldId="256"/>
+            <ac:picMk id="4104" creationId="{60A9F80E-CDB3-4F0A-9A6C-367A690C0F6B}"/>
+          </ac:picMkLst>
+        </pc:picChg>
+        <pc:inkChg chg="add">
+          <ac:chgData name="Ryan Solnik" userId="0d9893ddda5f1b71" providerId="LiveId" clId="{B6A30AE8-A99A-43FC-A952-B80822729CBB}" dt="2018-11-27T23:09:09.599" v="0"/>
+          <ac:inkMkLst>
+            <pc:docMk/>
+            <pc:sldMk cId="661112408" sldId="256"/>
+            <ac:inkMk id="2" creationId="{0883E31F-070D-47CA-AD8D-4743691B112E}"/>
+          </ac:inkMkLst>
+        </pc:inkChg>
+        <pc:inkChg chg="add del">
+          <ac:chgData name="Ryan Solnik" userId="0d9893ddda5f1b71" providerId="LiveId" clId="{B6A30AE8-A99A-43FC-A952-B80822729CBB}" dt="2018-11-27T23:09:11.508" v="2"/>
+          <ac:inkMkLst>
+            <pc:docMk/>
+            <pc:sldMk cId="661112408" sldId="256"/>
+            <ac:inkMk id="3" creationId="{AD53CA64-2D58-4CEF-9FB5-D53050D4EC61}"/>
+          </ac:inkMkLst>
+        </pc:inkChg>
+        <pc:inkChg chg="add del">
+          <ac:chgData name="Ryan Solnik" userId="0d9893ddda5f1b71" providerId="LiveId" clId="{B6A30AE8-A99A-43FC-A952-B80822729CBB}" dt="2018-11-27T23:14:30.286" v="4"/>
+          <ac:inkMkLst>
+            <pc:docMk/>
+            <pc:sldMk cId="661112408" sldId="256"/>
+            <ac:inkMk id="4" creationId="{DA6CBF76-EF4D-4A66-9EC7-696AEF5036C3}"/>
+          </ac:inkMkLst>
+        </pc:inkChg>
+      </pc:sldChg>
+      <pc:sldChg chg="addSp delSp modSp">
+        <pc:chgData name="Ryan Solnik" userId="0d9893ddda5f1b71" providerId="LiveId" clId="{B6A30AE8-A99A-43FC-A952-B80822729CBB}" dt="2018-11-27T23:58:29.053" v="1948" actId="20577"/>
+        <pc:sldMkLst>
+          <pc:docMk/>
+          <pc:sldMk cId="1063513300" sldId="258"/>
+        </pc:sldMkLst>
         <pc:spChg chg="mod">
-          <ac:chgData name="Ryan Solnik" userId="0d9893ddda5f1b71" providerId="LiveId" clId="{6C9F86AD-0E74-4377-8EBC-E1138F037E28}" dt="2018-11-16T17:46:06.278" v="2" actId="1076"/>
-          <ac:spMkLst>
-            <pc:docMk/>
-            <pc:sldMk cId="1102942387" sldId="260"/>
-            <ac:spMk id="1034" creationId="{3840A937-B394-4F8C-8266-534F0E7F89D3}"/>
-          </ac:spMkLst>
-        </pc:spChg>
-        <pc:picChg chg="mod">
-          <ac:chgData name="Ryan Solnik" userId="0d9893ddda5f1b71" providerId="LiveId" clId="{6C9F86AD-0E74-4377-8EBC-E1138F037E28}" dt="2018-11-16T17:46:06.278" v="2" actId="1076"/>
-          <ac:picMkLst>
-            <pc:docMk/>
-            <pc:sldMk cId="1102942387" sldId="260"/>
-            <ac:picMk id="26" creationId="{FF19E6F0-66CB-4F89-9F16-E7F0257B18B1}"/>
-          </ac:picMkLst>
-        </pc:picChg>
-        <pc:picChg chg="mod">
-          <ac:chgData name="Ryan Solnik" userId="0d9893ddda5f1b71" providerId="LiveId" clId="{6C9F86AD-0E74-4377-8EBC-E1138F037E28}" dt="2018-11-16T17:46:06.278" v="2" actId="1076"/>
-          <ac:picMkLst>
-            <pc:docMk/>
-            <pc:sldMk cId="1102942387" sldId="260"/>
-            <ac:picMk id="27" creationId="{DC4A1FC0-E80E-429C-8740-A41C9B855694}"/>
-          </ac:picMkLst>
-        </pc:picChg>
-        <pc:picChg chg="mod">
-          <ac:chgData name="Ryan Solnik" userId="0d9893ddda5f1b71" providerId="LiveId" clId="{6C9F86AD-0E74-4377-8EBC-E1138F037E28}" dt="2018-11-16T17:46:10.730" v="4" actId="1076"/>
-          <ac:picMkLst>
-            <pc:docMk/>
-            <pc:sldMk cId="1102942387" sldId="260"/>
-            <ac:picMk id="29" creationId="{2BEB214F-BB4F-4E60-BB02-A9B0658F06F0}"/>
-          </ac:picMkLst>
-        </pc:picChg>
-        <pc:picChg chg="mod">
-          <ac:chgData name="Ryan Solnik" userId="0d9893ddda5f1b71" providerId="LiveId" clId="{6C9F86AD-0E74-4377-8EBC-E1138F037E28}" dt="2018-11-16T17:46:06.278" v="2" actId="1076"/>
-          <ac:picMkLst>
-            <pc:docMk/>
-            <pc:sldMk cId="1102942387" sldId="260"/>
-            <ac:picMk id="1026" creationId="{1CD667EB-B66B-4CC0-96D2-072C0ED2803F}"/>
-          </ac:picMkLst>
-        </pc:picChg>
+          <ac:chgData name="Ryan Solnik" userId="0d9893ddda5f1b71" providerId="LiveId" clId="{B6A30AE8-A99A-43FC-A952-B80822729CBB}" dt="2018-11-27T23:58:29.053" v="1948" actId="20577"/>
+          <ac:spMkLst>
+            <pc:docMk/>
+            <pc:sldMk cId="1063513300" sldId="258"/>
+            <ac:spMk id="3" creationId="{52BC0881-107C-49F1-84EF-EE56D1137B7A}"/>
+          </ac:spMkLst>
+        </pc:spChg>
+        <pc:spChg chg="mod">
+          <ac:chgData name="Ryan Solnik" userId="0d9893ddda5f1b71" providerId="LiveId" clId="{B6A30AE8-A99A-43FC-A952-B80822729CBB}" dt="2018-11-27T23:47:30.243" v="1759" actId="1076"/>
+          <ac:spMkLst>
+            <pc:docMk/>
+            <pc:sldMk cId="1063513300" sldId="258"/>
+            <ac:spMk id="11" creationId="{4E91108A-5A90-4482-BA15-310487F35822}"/>
+          </ac:spMkLst>
+        </pc:spChg>
+        <pc:spChg chg="add del mod">
+          <ac:chgData name="Ryan Solnik" userId="0d9893ddda5f1b71" providerId="LiveId" clId="{B6A30AE8-A99A-43FC-A952-B80822729CBB}" dt="2018-11-27T23:57:15.225" v="1932" actId="478"/>
+          <ac:spMkLst>
+            <pc:docMk/>
+            <pc:sldMk cId="1063513300" sldId="258"/>
+            <ac:spMk id="14" creationId="{0F1FC163-4675-4B71-BFBC-28D7B34B54F1}"/>
+          </ac:spMkLst>
+        </pc:spChg>
+      </pc:sldChg>
+      <pc:sldChg chg="modSp">
+        <pc:chgData name="Ryan Solnik" userId="0d9893ddda5f1b71" providerId="LiveId" clId="{B6A30AE8-A99A-43FC-A952-B80822729CBB}" dt="2018-11-27T23:17:34.535" v="86" actId="20577"/>
+        <pc:sldMkLst>
+          <pc:docMk/>
+          <pc:sldMk cId="1375454645" sldId="259"/>
+        </pc:sldMkLst>
+        <pc:spChg chg="mod">
+          <ac:chgData name="Ryan Solnik" userId="0d9893ddda5f1b71" providerId="LiveId" clId="{B6A30AE8-A99A-43FC-A952-B80822729CBB}" dt="2018-11-27T23:17:34.535" v="86" actId="20577"/>
+          <ac:spMkLst>
+            <pc:docMk/>
+            <pc:sldMk cId="1375454645" sldId="259"/>
+            <ac:spMk id="9" creationId="{9827B744-B918-4BED-9462-318C46F971B7}"/>
+          </ac:spMkLst>
+        </pc:spChg>
+      </pc:sldChg>
+      <pc:sldChg chg="addSp delSp modSp">
+        <pc:chgData name="Ryan Solnik" userId="0d9893ddda5f1b71" providerId="LiveId" clId="{B6A30AE8-A99A-43FC-A952-B80822729CBB}" dt="2018-11-28T00:48:50.737" v="1975" actId="1076"/>
+        <pc:sldMkLst>
+          <pc:docMk/>
+          <pc:sldMk cId="1102942387" sldId="260"/>
+        </pc:sldMkLst>
+        <pc:inkChg chg="add del">
+          <ac:chgData name="Ryan Solnik" userId="0d9893ddda5f1b71" providerId="LiveId" clId="{B6A30AE8-A99A-43FC-A952-B80822729CBB}" dt="2018-11-28T00:44:57.701" v="1950"/>
+          <ac:inkMkLst>
+            <pc:docMk/>
+            <pc:sldMk cId="1102942387" sldId="260"/>
+            <ac:inkMk id="2" creationId="{78590717-40F7-43CC-80E6-F6D8390394A4}"/>
+          </ac:inkMkLst>
+        </pc:inkChg>
+        <pc:inkChg chg="add del">
+          <ac:chgData name="Ryan Solnik" userId="0d9893ddda5f1b71" providerId="LiveId" clId="{B6A30AE8-A99A-43FC-A952-B80822729CBB}" dt="2018-11-28T00:45:14.780" v="1953"/>
+          <ac:inkMkLst>
+            <pc:docMk/>
+            <pc:sldMk cId="1102942387" sldId="260"/>
+            <ac:inkMk id="11" creationId="{0838A56F-71AE-4B3E-ABE6-369DCF24D614}"/>
+          </ac:inkMkLst>
+        </pc:inkChg>
+        <pc:inkChg chg="add del">
+          <ac:chgData name="Ryan Solnik" userId="0d9893ddda5f1b71" providerId="LiveId" clId="{B6A30AE8-A99A-43FC-A952-B80822729CBB}" dt="2018-11-28T00:45:14.780" v="1953"/>
+          <ac:inkMkLst>
+            <pc:docMk/>
+            <pc:sldMk cId="1102942387" sldId="260"/>
+            <ac:inkMk id="13" creationId="{2D1A88CD-D9F3-46F3-88A6-7EC627ED3B0E}"/>
+          </ac:inkMkLst>
+        </pc:inkChg>
+        <pc:inkChg chg="add del">
+          <ac:chgData name="Ryan Solnik" userId="0d9893ddda5f1b71" providerId="LiveId" clId="{B6A30AE8-A99A-43FC-A952-B80822729CBB}" dt="2018-11-28T00:45:31.570" v="1955"/>
+          <ac:inkMkLst>
+            <pc:docMk/>
+            <pc:sldMk cId="1102942387" sldId="260"/>
+            <ac:inkMk id="14" creationId="{E0A3C175-D5D7-4128-A4BE-D379D932FCD8}"/>
+          </ac:inkMkLst>
+        </pc:inkChg>
+        <pc:inkChg chg="add del">
+          <ac:chgData name="Ryan Solnik" userId="0d9893ddda5f1b71" providerId="LiveId" clId="{B6A30AE8-A99A-43FC-A952-B80822729CBB}" dt="2018-11-28T00:45:31.570" v="1955"/>
+          <ac:inkMkLst>
+            <pc:docMk/>
+            <pc:sldMk cId="1102942387" sldId="260"/>
+            <ac:inkMk id="15" creationId="{4C561562-3916-4B71-8814-10DDF2E17294}"/>
+          </ac:inkMkLst>
+        </pc:inkChg>
+        <pc:inkChg chg="add del">
+          <ac:chgData name="Ryan Solnik" userId="0d9893ddda5f1b71" providerId="LiveId" clId="{B6A30AE8-A99A-43FC-A952-B80822729CBB}" dt="2018-11-28T00:45:34.660" v="1956"/>
+          <ac:inkMkLst>
+            <pc:docMk/>
+            <pc:sldMk cId="1102942387" sldId="260"/>
+            <ac:inkMk id="17" creationId="{E5D59D72-DC32-4B14-A8B0-1C0DCB09FD4C}"/>
+          </ac:inkMkLst>
+        </pc:inkChg>
+        <pc:inkChg chg="add del">
+          <ac:chgData name="Ryan Solnik" userId="0d9893ddda5f1b71" providerId="LiveId" clId="{B6A30AE8-A99A-43FC-A952-B80822729CBB}" dt="2018-11-28T00:45:42.976" v="1959"/>
+          <ac:inkMkLst>
+            <pc:docMk/>
+            <pc:sldMk cId="1102942387" sldId="260"/>
+            <ac:inkMk id="19" creationId="{B04BF9A9-7878-41D3-AC2C-1BF6C327A71B}"/>
+          </ac:inkMkLst>
+        </pc:inkChg>
+        <pc:inkChg chg="add del">
+          <ac:chgData name="Ryan Solnik" userId="0d9893ddda5f1b71" providerId="LiveId" clId="{B6A30AE8-A99A-43FC-A952-B80822729CBB}" dt="2018-11-28T00:45:42.976" v="1959"/>
+          <ac:inkMkLst>
+            <pc:docMk/>
+            <pc:sldMk cId="1102942387" sldId="260"/>
+            <ac:inkMk id="23" creationId="{6C961957-3398-4225-94B3-CE3381C346FE}"/>
+          </ac:inkMkLst>
+        </pc:inkChg>
+        <pc:inkChg chg="add del">
+          <ac:chgData name="Ryan Solnik" userId="0d9893ddda5f1b71" providerId="LiveId" clId="{B6A30AE8-A99A-43FC-A952-B80822729CBB}" dt="2018-11-28T00:45:43.458" v="1960"/>
+          <ac:inkMkLst>
+            <pc:docMk/>
+            <pc:sldMk cId="1102942387" sldId="260"/>
+            <ac:inkMk id="28" creationId="{A0DD35D1-199A-4E2B-BB68-807B70638CF8}"/>
+          </ac:inkMkLst>
+        </pc:inkChg>
+        <pc:inkChg chg="add del">
+          <ac:chgData name="Ryan Solnik" userId="0d9893ddda5f1b71" providerId="LiveId" clId="{B6A30AE8-A99A-43FC-A952-B80822729CBB}" dt="2018-11-28T00:46:46.965" v="1962"/>
+          <ac:inkMkLst>
+            <pc:docMk/>
+            <pc:sldMk cId="1102942387" sldId="260"/>
+            <ac:inkMk id="30" creationId="{6744FEFE-F982-46FF-81C5-D75FE412E8D0}"/>
+          </ac:inkMkLst>
+        </pc:inkChg>
+        <pc:inkChg chg="add del">
+          <ac:chgData name="Ryan Solnik" userId="0d9893ddda5f1b71" providerId="LiveId" clId="{B6A30AE8-A99A-43FC-A952-B80822729CBB}" dt="2018-11-28T00:46:56.488" v="1965"/>
+          <ac:inkMkLst>
+            <pc:docMk/>
+            <pc:sldMk cId="1102942387" sldId="260"/>
+            <ac:inkMk id="37" creationId="{D1BE8053-4F48-4EFC-965F-E39917724B67}"/>
+          </ac:inkMkLst>
+        </pc:inkChg>
+        <pc:inkChg chg="add del">
+          <ac:chgData name="Ryan Solnik" userId="0d9893ddda5f1b71" providerId="LiveId" clId="{B6A30AE8-A99A-43FC-A952-B80822729CBB}" dt="2018-11-28T00:46:56.488" v="1965"/>
+          <ac:inkMkLst>
+            <pc:docMk/>
+            <pc:sldMk cId="1102942387" sldId="260"/>
+            <ac:inkMk id="38" creationId="{6B0D95F5-5378-421E-8D8C-F4FD56153CE4}"/>
+          </ac:inkMkLst>
+        </pc:inkChg>
+        <pc:inkChg chg="add del">
+          <ac:chgData name="Ryan Solnik" userId="0d9893ddda5f1b71" providerId="LiveId" clId="{B6A30AE8-A99A-43FC-A952-B80822729CBB}" dt="2018-11-28T00:47:01.567" v="1967"/>
+          <ac:inkMkLst>
+            <pc:docMk/>
+            <pc:sldMk cId="1102942387" sldId="260"/>
+            <ac:inkMk id="39" creationId="{5992E2AD-1BD5-4D76-9EF7-417EB1FEE54E}"/>
+          </ac:inkMkLst>
+        </pc:inkChg>
+        <pc:inkChg chg="add del">
+          <ac:chgData name="Ryan Solnik" userId="0d9893ddda5f1b71" providerId="LiveId" clId="{B6A30AE8-A99A-43FC-A952-B80822729CBB}" dt="2018-11-28T00:47:01.567" v="1967"/>
+          <ac:inkMkLst>
+            <pc:docMk/>
+            <pc:sldMk cId="1102942387" sldId="260"/>
+            <ac:inkMk id="40" creationId="{A5AB1B3A-809E-408E-8379-ECBEC7FD97F0}"/>
+          </ac:inkMkLst>
+        </pc:inkChg>
+        <pc:inkChg chg="add del">
+          <ac:chgData name="Ryan Solnik" userId="0d9893ddda5f1b71" providerId="LiveId" clId="{B6A30AE8-A99A-43FC-A952-B80822729CBB}" dt="2018-11-28T00:47:06.370" v="1970"/>
+          <ac:inkMkLst>
+            <pc:docMk/>
+            <pc:sldMk cId="1102942387" sldId="260"/>
+            <ac:inkMk id="41" creationId="{B72BDAF8-26CE-4DB1-B194-ADA2720AE9E4}"/>
+          </ac:inkMkLst>
+        </pc:inkChg>
+        <pc:inkChg chg="add del">
+          <ac:chgData name="Ryan Solnik" userId="0d9893ddda5f1b71" providerId="LiveId" clId="{B6A30AE8-A99A-43FC-A952-B80822729CBB}" dt="2018-11-28T00:47:06.370" v="1970"/>
+          <ac:inkMkLst>
+            <pc:docMk/>
+            <pc:sldMk cId="1102942387" sldId="260"/>
+            <ac:inkMk id="42" creationId="{9D427BD2-71C2-40C4-94FD-B95327E30098}"/>
+          </ac:inkMkLst>
+        </pc:inkChg>
+        <pc:inkChg chg="add del">
+          <ac:chgData name="Ryan Solnik" userId="0d9893ddda5f1b71" providerId="LiveId" clId="{B6A30AE8-A99A-43FC-A952-B80822729CBB}" dt="2018-11-28T00:47:06.370" v="1970"/>
+          <ac:inkMkLst>
+            <pc:docMk/>
+            <pc:sldMk cId="1102942387" sldId="260"/>
+            <ac:inkMk id="43" creationId="{DF53CE64-89D6-4528-931F-9C0887C53576}"/>
+          </ac:inkMkLst>
+        </pc:inkChg>
+        <pc:inkChg chg="add mod">
+          <ac:chgData name="Ryan Solnik" userId="0d9893ddda5f1b71" providerId="LiveId" clId="{B6A30AE8-A99A-43FC-A952-B80822729CBB}" dt="2018-11-28T00:48:50.737" v="1975" actId="1076"/>
+          <ac:inkMkLst>
+            <pc:docMk/>
+            <pc:sldMk cId="1102942387" sldId="260"/>
+            <ac:inkMk id="44" creationId="{A6BA0CD2-0E4F-4A2E-ABE6-2E7D420BBF6C}"/>
+          </ac:inkMkLst>
+        </pc:inkChg>
+        <pc:inkChg chg="add del">
+          <ac:chgData name="Ryan Solnik" userId="0d9893ddda5f1b71" providerId="LiveId" clId="{B6A30AE8-A99A-43FC-A952-B80822729CBB}" dt="2018-11-28T00:47:41.004" v="1973"/>
+          <ac:inkMkLst>
+            <pc:docMk/>
+            <pc:sldMk cId="1102942387" sldId="260"/>
+            <ac:inkMk id="45" creationId="{F16D89CD-2429-48EB-A2DA-7A167DD685B1}"/>
+          </ac:inkMkLst>
+        </pc:inkChg>
       </pc:sldChg>
     </pc:docChg>
   </pc:docChgLst>
 </pc:chgInfo>
+</file>
+
+<file path=ppt/ink/ink1.xml><?xml version="1.0" encoding="utf-8"?>
+<inkml:ink xmlns:inkml="http://www.w3.org/2003/InkML">
+  <inkml:definitions>
+    <inkml:context xml:id="ctx0">
+      <inkml:inkSource xml:id="inkSrc0">
+        <inkml:traceFormat>
+          <inkml:channel name="X" type="integer" min="-2.14748E9" max="2.14748E9" units="cm"/>
+          <inkml:channel name="Y" type="integer" min="-2.14748E9" max="2.14748E9" units="cm"/>
+          <inkml:channel name="F" type="integer" max="32767" units="dev"/>
+        </inkml:traceFormat>
+        <inkml:channelProperties>
+          <inkml:channelProperty channel="X" name="resolution" value="1000" units="1/cm"/>
+          <inkml:channelProperty channel="Y" name="resolution" value="1000" units="1/cm"/>
+          <inkml:channelProperty channel="F" name="resolution" value="0" units="1/dev"/>
+        </inkml:channelProperties>
+      </inkml:inkSource>
+      <inkml:timestamp xml:id="ts0" timeString="2018-11-27T23:09:09.567"/>
+    </inkml:context>
+    <inkml:brush xml:id="br0">
+      <inkml:brushProperty name="width" value="0.1" units="cm"/>
+      <inkml:brushProperty name="height" value="0.1" units="cm"/>
+      <inkml:brushProperty name="color" value="#333333"/>
+    </inkml:brush>
+  </inkml:definitions>
+  <inkml:trace contextRef="#ctx0" brushRef="#br0">253 297 11808,'-120'-174'4352,"66"123"-3361,-25-21-287</inkml:trace>
+</inkml:ink>
+</file>
+
+<file path=ppt/ink/ink2.xml><?xml version="1.0" encoding="utf-8"?>
+<inkml:ink xmlns:inkml="http://www.w3.org/2003/InkML">
+  <inkml:definitions>
+    <inkml:context xml:id="ctx0">
+      <inkml:inkSource xml:id="inkSrc0">
+        <inkml:traceFormat>
+          <inkml:channel name="X" type="integer" min="-2.14748E9" max="2.14748E9" units="cm"/>
+          <inkml:channel name="Y" type="integer" min="-2.14748E9" max="2.14748E9" units="cm"/>
+          <inkml:channel name="F" type="integer" max="32767" units="dev"/>
+          <inkml:channel name="OA" type="integer" max="360" units="deg"/>
+          <inkml:channel name="OE" type="integer" max="90" units="deg"/>
+        </inkml:traceFormat>
+        <inkml:channelProperties>
+          <inkml:channelProperty channel="X" name="resolution" value="1000" units="1/cm"/>
+          <inkml:channelProperty channel="Y" name="resolution" value="1000" units="1/cm"/>
+          <inkml:channelProperty channel="F" name="resolution" value="0" units="1/dev"/>
+          <inkml:channelProperty channel="OA" name="resolution" value="1000" units="1/deg"/>
+          <inkml:channelProperty channel="OE" name="resolution" value="1000" units="1/deg"/>
+        </inkml:channelProperties>
+      </inkml:inkSource>
+      <inkml:timestamp xml:id="ts0" timeString="2018-11-28T00:46:50.071"/>
+    </inkml:context>
+    <inkml:brush xml:id="br0">
+      <inkml:brushProperty name="width" value="0.07056" units="cm"/>
+      <inkml:brushProperty name="height" value="0.07056" units="cm"/>
+      <inkml:brushProperty name="color" value="#D7D8BA"/>
+    </inkml:brush>
+  </inkml:definitions>
+  <inkml:trace contextRef="#ctx0" brushRef="#br0">209 705 920 0 0,'0'0'271'0'0,"0"0"801"0"0,0 0 353 0 0,0 0 71 0 0,0 0-168 0 0,0 0-742 0 0,0 0-330 0 0,0 0-61 0 0,24-1 1016 0 0,30 4-1 0 0,-22 0-1191 0 0,-24-2 62 0 0,1 0 1 0 0,-1 0 0 0 0,0 1-1 0 0,1 0 1 0 0,3 2-82 0 0,-4-2 21 0 0,0 0 0 0 0,1 0 0 0 0,-1-1 0 0 0,1 0 0 0 0,8-1-21 0 0,15 3 34 0 0,-20-2 6 0 0,34 6 1805 0 0,34 8-1845 0 0,7-1 451 0 0,-72-10-443 0 0,37 11 48 0 0,-9-1 21 0 0,-27-10-2 0 0,0 2 1 0 0,0 0 0 0 0,13 8-76 0 0,19 10-206 0 0,5 0 206 0 0,-8-3-9 0 0,14 11 162 0 0,-37-19-193 0 0,1-1 0 0 0,3 0 40 0 0,12 5-882 0 0,33 19 882 0 0,-64-32-7 0 0,5 3-36 0 0,-1-1 0 0 0,0 2 0 0 0,4 3 43 0 0,6 5-75 0 0,9 7-42 0 0,-18-12 117 0 0,0-1 0 0 0,9 6 0 0 0,-8-7 0 0 0,-2 0 0 0 0,1 0 0 0 0,2 5 0 0 0,26 23 0 0 0,-26-26 0 0 0,-2 1 0 0 0,9 10 0 0 0,9 9-700 0 0,-19-20 385 0 0,0 1-1 0 0,5 7 316 0 0,8 6-1110 0 0,-19-20 273 0 0,0 0-1 0 0,0 0 1 0 0,0 1-1 0 0,3 4 838 0 0,-5-6-365 0 0,3 7-1634 0 0,-6-7 378 0 0</inkml:trace>
+  <inkml:trace contextRef="#ctx0" brushRef="#br0" timeOffset="5876.038">863 142 3624 0 0,'0'0'165'0'0,"17"17"5116"0"0,-10-7-4651 0 0,1 0-1 0 0,0 0 0 0 0,9 8-629 0 0,17 22 132 0 0,-6-3 695 0 0,27 26-827 0 0,-41-47-77 0 0,6 8 510 0 0,6 11-433 0 0,-11-14 299 0 0,1-1 1 0 0,12 12-300 0 0,-9-11 61 0 0,-1 1 1 0 0,-1 1 0 0 0,7 14-62 0 0,-15-24 7 0 0,56 96-9 0 0,-37-60 57 0 0,-15-27-90 0 0,1-1-1 0 0,1 0 1 0 0,1-1 0 0 0,8 8 35 0 0,-23-27 6 0 0,0 0 0 0 0,-1 0-1 0 0,1 0 1 0 0,0 0 0 0 0,-1 0 0 0 0,1 0 0 0 0,-1 1 0 0 0,0-1 0 0 0,1 0 0 0 0,-1 0 0 0 0,0 1-6 0 0,6 12 151 0 0,-2-9-143 0 0,-1 0 0 0 0,0 1 0 0 0,0-1 0 0 0,1 3-8 0 0,13 21 32 0 0,27 36-32 0 0,-34-48 0 0 0,-1-3 117 0 0,-2 1 0 0 0,6 15-117 0 0,3 6 134 0 0,6 15 69 0 0,-14-30-169 0 0,1-1 1 0 0,3 3-35 0 0,-10-19 7 0 0,0 0 0 0 0,0 0 0 0 0,0 0 0 0 0,-1 0 0 0 0,1 0 0 0 0,-1 0 0 0 0,-1 0 0 0 0,1 0 1 0 0,0 2-8 0 0,-1-5 7 0 0,0 1 1 0 0,1 0-1 0 0,-1 0 1 0 0,1 0 0 0 0,-1 0-1 0 0,1-1 1 0 0,0 1 0 0 0,0 1-8 0 0,1 1 13 0 0,0 0 0 0 0,-1 0 1 0 0,0 0-1 0 0,1 0 1 0 0,-1 3-14 0 0,-1-5-175 0 0,1 0 1 0 0,0 0 0 0 0,-1 0-1 0 0,1 0 1 0 0,0 0 0 0 0,0 0-1 0 0,0 0 1 0 0,0 0 0 0 0,0-1-1 0 0,1 1 175 0 0,1 3-556 0 0,-1-2-288 0 0</inkml:trace>
+  <inkml:trace contextRef="#ctx0" brushRef="#br0" timeOffset="10457.998">1 591 2760 0 0,'0'0'107'0'0,"0"0"-19"0"0,0 0-22 0 0,2 0-31 0 0,-1 1-42 0 0,2 0 6 0 0,0 0 1 0 0,4 1 1189 0 0,-4-1-778 0 0,3 0-36 0 0,1 0 133 0 0,5 2-153 0 0,4 0 709 0 0,-11-3-692 0 0,0 0 1 0 0,0 0-1 0 0,0 0 0 0 0,0-1 0 0 0,0 1 1 0 0,1-1-373 0 0,-1 0 0 0 0,0 1 0 0 0,0 0 0 0 0,0 1 0 0 0,5 0 0 0 0,-5 0 0 0 0,-1-1 0 0 0,1 1 0 0 0,-1-1 0 0 0,0 0 0 0 0,1 0 0 0 0,2-1 0 0 0,22-9 0 0 0,-20 6 0 0 0,0 1 0 0 0,0 0 0 0 0,1 1 0 0 0,8-1 0 0 0,-10 1 277 0 0,-1 0 1 0 0,0 0-1 0 0,1-1 1 0 0,-1 0-1 0 0,0 0-277 0 0,20-7 661 0 0,40-13-661 0 0,-43 13 816 0 0,-2 0 0 0 0,7-5-816 0 0,1-1 416 0 0,82-45-344 0 0,-84 50 840 0 0,-23 10-735 0 0,0-1 1 0 0,0 0-1 0 0,-1 0 0 0 0,1 0 0 0 0,-1 0 1 0 0,2-2-178 0 0,42-35 0 0 0,-44 36 0 0 0,0 1 0 0 0,-1-1 0 0 0,1 0 0 0 0,-1 0 0 0 0,2-2 0 0 0,6-5 0 0 0,6-8 0 0 0,4-3 0 0 0,-17 17 0 0 0,0 1 0 0 0,-1-1 0 0 0,0 0 0 0 0,1 0 0 0 0,-1 0 0 0 0,0-1 0 0 0,11-14 0 0 0,-12 17-135 0 0,0 0 1 0 0,0-1 0 0 0,0 1 0 0 0,0-1 0 0 0,-1 0 0 0 0,1 0-1 0 0,0-1 135 0 0,1-3-263 0 0,0 0 0 0 0,1 1 0 0 0,0 0 0 0 0,4-5 263 0 0,-7 4 333 0 0,0 5-5438 0 0,-1 2 1405 0 0</inkml:trace>
+  <inkml:trace contextRef="#ctx0" brushRef="#br0" timeOffset="14746.994">861 199 2304 0 0,'0'0'101'0'0,"0"0"134"0"0,0 0 477 0 0,0 0 212 0 0,0 0 41 0 0,0 0-81 0 0,7-18 1691 0 0,-5 16-2553 0 0,0-2 35 0 0,0-1 0 0 0,0 1 0 0 0,0-1 0 0 0,-1 0 0 0 0,0 1 0 0 0,1-4-57 0 0,4-14 152 0 0,-2 11-27 0 0,1 1-1 0 0,1-1 1 0 0,3-3-125 0 0,-8 10-70 0 0,0-1-1 0 0,1 1 0 0 0,-1 0 1 0 0,-1-1-1 0 0,1 1 0 0 0,-1-1 1 0 0,1 1-1 0 0,-1-1 0 0 0,-1-3 71 0 0,1 2-206 0 0,0-11-432 0 0,0 16 568 0 0,0 1-2 0 0,0 0 0 0 0,1-3-1607 0 0,-1 2-634 0 0</inkml:trace>
+  <inkml:trace contextRef="#ctx0" brushRef="#br0" timeOffset="15661.994">939 20 0 0 0,'0'0'1012'0'0,"0"0"-115"0"0,0 0 87 0 0,0 0-54 0 0,0 0-438 0 0,0 0-195 0 0,0 0-38 0 0,0 0 7 0 0,14 5 2445 0 0,35 30-375 0 0,-33-23-2150 0 0,0 1 0 0 0,-1 0 0 0 0,0 1 1 0 0,-1 1-1 0 0,-1 0 0 0 0,4 7-186 0 0,5 3 531 0 0,17 17-531 0 0,-29-32 7 0 0,-1 1 1 0 0,0 0 0 0 0,0 1-8 0 0,0 1 21 0 0,1-1 0 0 0,5 5-21 0 0,-6-7 29 0 0,0 2 1 0 0,0-1-1 0 0,3 8-29 0 0,-3-5-9 0 0,9 15 268 0 0,7 19-259 0 0,-15-28 14 0 0,1 0 0 0 0,1 0 1 0 0,0-1-1 0 0,2-1 0 0 0,1 1-14 0 0,-11-14-240 0 0,0 0 0 0 0,-1 1 0 0 0,1 0 0 0 0,-1 0 0 0 0,1 3 240 0 0,8 14-1442 0 0,-6-14 874 0 0</inkml:trace>
+</inkml:ink>
 </file>
 
 <file path=ppt/notesMasters/notesMaster1.xml><?xml version="1.0" encoding="utf-8"?>
@@ -3923,17 +4919,17 @@
         <p:spPr>
           <a:xfrm>
             <a:off x="0" y="0"/>
-            <a:ext cx="2971800" cy="458788"/>
+            <a:ext cx="3169920" cy="481727"/>
           </a:xfrm>
           <a:prstGeom prst="rect">
             <a:avLst/>
           </a:prstGeom>
         </p:spPr>
         <p:txBody>
-          <a:bodyPr vert="horz" lIns="91440" tIns="45720" rIns="91440" bIns="45720" rtlCol="0"/>
+          <a:bodyPr vert="horz" lIns="96661" tIns="48331" rIns="96661" bIns="48331" rtlCol="0"/>
           <a:lstStyle>
             <a:lvl1pPr algn="l">
-              <a:defRPr sz="1200"/>
+              <a:defRPr sz="1300"/>
             </a:lvl1pPr>
           </a:lstStyle>
           <a:p>
@@ -3953,24 +4949,24 @@
         </p:nvSpPr>
         <p:spPr>
           <a:xfrm>
-            <a:off x="3884613" y="0"/>
-            <a:ext cx="2971800" cy="458788"/>
+            <a:off x="4143587" y="0"/>
+            <a:ext cx="3169920" cy="481727"/>
           </a:xfrm>
           <a:prstGeom prst="rect">
             <a:avLst/>
           </a:prstGeom>
         </p:spPr>
         <p:txBody>
-          <a:bodyPr vert="horz" lIns="91440" tIns="45720" rIns="91440" bIns="45720" rtlCol="0"/>
+          <a:bodyPr vert="horz" lIns="96661" tIns="48331" rIns="96661" bIns="48331" rtlCol="0"/>
           <a:lstStyle>
             <a:lvl1pPr algn="r">
-              <a:defRPr sz="1200"/>
+              <a:defRPr sz="1300"/>
             </a:lvl1pPr>
           </a:lstStyle>
           <a:p>
             <a:fld id="{5347BD95-4C56-4901-8F81-2A9E65703266}" type="datetimeFigureOut">
               <a:rPr lang="en-US" smtClean="0"/>
-              <a:t>11/16/2018</a:t>
+              <a:t>11/30/2018</a:t>
             </a:fld>
             <a:endParaRPr lang="en-US"/>
           </a:p>
@@ -3988,8 +4984,8 @@
         </p:nvSpPr>
         <p:spPr>
           <a:xfrm>
-            <a:off x="685800" y="1143000"/>
-            <a:ext cx="5486400" cy="3086100"/>
+            <a:off x="777875" y="1200150"/>
+            <a:ext cx="5759450" cy="3240088"/>
           </a:xfrm>
           <a:prstGeom prst="rect">
             <a:avLst/>
@@ -4002,7 +4998,7 @@
           </a:ln>
         </p:spPr>
         <p:txBody>
-          <a:bodyPr vert="horz" lIns="91440" tIns="45720" rIns="91440" bIns="45720" rtlCol="0" anchor="ctr"/>
+          <a:bodyPr vert="horz" lIns="96661" tIns="48331" rIns="96661" bIns="48331" rtlCol="0" anchor="ctr"/>
           <a:lstStyle/>
           <a:p>
             <a:endParaRPr lang="en-US"/>
@@ -4021,15 +5017,15 @@
         </p:nvSpPr>
         <p:spPr>
           <a:xfrm>
-            <a:off x="685800" y="4400550"/>
-            <a:ext cx="5486400" cy="3600450"/>
+            <a:off x="731520" y="4620577"/>
+            <a:ext cx="5852160" cy="3780473"/>
           </a:xfrm>
           <a:prstGeom prst="rect">
             <a:avLst/>
           </a:prstGeom>
         </p:spPr>
         <p:txBody>
-          <a:bodyPr vert="horz" lIns="91440" tIns="45720" rIns="91440" bIns="45720" rtlCol="0"/>
+          <a:bodyPr vert="horz" lIns="96661" tIns="48331" rIns="96661" bIns="48331" rtlCol="0"/>
           <a:lstStyle/>
           <a:p>
             <a:pPr lvl="0"/>
@@ -4080,18 +5076,18 @@
         </p:nvSpPr>
         <p:spPr>
           <a:xfrm>
-            <a:off x="0" y="8685213"/>
-            <a:ext cx="2971800" cy="458787"/>
+            <a:off x="0" y="9119474"/>
+            <a:ext cx="3169920" cy="481726"/>
           </a:xfrm>
           <a:prstGeom prst="rect">
             <a:avLst/>
           </a:prstGeom>
         </p:spPr>
         <p:txBody>
-          <a:bodyPr vert="horz" lIns="91440" tIns="45720" rIns="91440" bIns="45720" rtlCol="0" anchor="b"/>
+          <a:bodyPr vert="horz" lIns="96661" tIns="48331" rIns="96661" bIns="48331" rtlCol="0" anchor="b"/>
           <a:lstStyle>
             <a:lvl1pPr algn="l">
-              <a:defRPr sz="1200"/>
+              <a:defRPr sz="1300"/>
             </a:lvl1pPr>
           </a:lstStyle>
           <a:p>
@@ -4111,18 +5107,18 @@
         </p:nvSpPr>
         <p:spPr>
           <a:xfrm>
-            <a:off x="3884613" y="8685213"/>
-            <a:ext cx="2971800" cy="458787"/>
+            <a:off x="4143587" y="9119474"/>
+            <a:ext cx="3169920" cy="481726"/>
           </a:xfrm>
           <a:prstGeom prst="rect">
             <a:avLst/>
           </a:prstGeom>
         </p:spPr>
         <p:txBody>
-          <a:bodyPr vert="horz" lIns="91440" tIns="45720" rIns="91440" bIns="45720" rtlCol="0" anchor="b"/>
+          <a:bodyPr vert="horz" lIns="96661" tIns="48331" rIns="96661" bIns="48331" rtlCol="0" anchor="b"/>
           <a:lstStyle>
             <a:lvl1pPr algn="r">
-              <a:defRPr sz="1200"/>
+              <a:defRPr sz="1300"/>
             </a:lvl1pPr>
           </a:lstStyle>
           <a:p>
@@ -4384,7 +5380,7 @@
           <a:p>
             <a:fld id="{AB03DA33-EF7B-44E3-B8AC-C033623801B0}" type="datetimeFigureOut">
               <a:rPr lang="en-US" smtClean="0"/>
-              <a:t>11/16/2018</a:t>
+              <a:t>11/30/2018</a:t>
             </a:fld>
             <a:endParaRPr lang="en-US"/>
           </a:p>
@@ -4582,7 +5578,7 @@
           <a:p>
             <a:fld id="{AB03DA33-EF7B-44E3-B8AC-C033623801B0}" type="datetimeFigureOut">
               <a:rPr lang="en-US" smtClean="0"/>
-              <a:t>11/16/2018</a:t>
+              <a:t>11/30/2018</a:t>
             </a:fld>
             <a:endParaRPr lang="en-US"/>
           </a:p>
@@ -4790,7 +5786,7 @@
           <a:p>
             <a:fld id="{AB03DA33-EF7B-44E3-B8AC-C033623801B0}" type="datetimeFigureOut">
               <a:rPr lang="en-US" smtClean="0"/>
-              <a:t>11/16/2018</a:t>
+              <a:t>11/30/2018</a:t>
             </a:fld>
             <a:endParaRPr lang="en-US"/>
           </a:p>
@@ -4988,7 +5984,7 @@
           <a:p>
             <a:fld id="{AB03DA33-EF7B-44E3-B8AC-C033623801B0}" type="datetimeFigureOut">
               <a:rPr lang="en-US" smtClean="0"/>
-              <a:t>11/16/2018</a:t>
+              <a:t>11/30/2018</a:t>
             </a:fld>
             <a:endParaRPr lang="en-US"/>
           </a:p>
@@ -5263,7 +6259,7 @@
           <a:p>
             <a:fld id="{AB03DA33-EF7B-44E3-B8AC-C033623801B0}" type="datetimeFigureOut">
               <a:rPr lang="en-US" smtClean="0"/>
-              <a:t>11/16/2018</a:t>
+              <a:t>11/30/2018</a:t>
             </a:fld>
             <a:endParaRPr lang="en-US"/>
           </a:p>
@@ -5528,7 +6524,7 @@
           <a:p>
             <a:fld id="{AB03DA33-EF7B-44E3-B8AC-C033623801B0}" type="datetimeFigureOut">
               <a:rPr lang="en-US" smtClean="0"/>
-              <a:t>11/16/2018</a:t>
+              <a:t>11/30/2018</a:t>
             </a:fld>
             <a:endParaRPr lang="en-US"/>
           </a:p>
@@ -5940,7 +6936,7 @@
           <a:p>
             <a:fld id="{AB03DA33-EF7B-44E3-B8AC-C033623801B0}" type="datetimeFigureOut">
               <a:rPr lang="en-US" smtClean="0"/>
-              <a:t>11/16/2018</a:t>
+              <a:t>11/30/2018</a:t>
             </a:fld>
             <a:endParaRPr lang="en-US"/>
           </a:p>
@@ -6081,7 +7077,7 @@
           <a:p>
             <a:fld id="{AB03DA33-EF7B-44E3-B8AC-C033623801B0}" type="datetimeFigureOut">
               <a:rPr lang="en-US" smtClean="0"/>
-              <a:t>11/16/2018</a:t>
+              <a:t>11/30/2018</a:t>
             </a:fld>
             <a:endParaRPr lang="en-US"/>
           </a:p>
@@ -6194,7 +7190,7 @@
           <a:p>
             <a:fld id="{AB03DA33-EF7B-44E3-B8AC-C033623801B0}" type="datetimeFigureOut">
               <a:rPr lang="en-US" smtClean="0"/>
-              <a:t>11/16/2018</a:t>
+              <a:t>11/30/2018</a:t>
             </a:fld>
             <a:endParaRPr lang="en-US"/>
           </a:p>
@@ -6505,7 +7501,7 @@
           <a:p>
             <a:fld id="{AB03DA33-EF7B-44E3-B8AC-C033623801B0}" type="datetimeFigureOut">
               <a:rPr lang="en-US" smtClean="0"/>
-              <a:t>11/16/2018</a:t>
+              <a:t>11/30/2018</a:t>
             </a:fld>
             <a:endParaRPr lang="en-US"/>
           </a:p>
@@ -6793,7 +7789,7 @@
           <a:p>
             <a:fld id="{AB03DA33-EF7B-44E3-B8AC-C033623801B0}" type="datetimeFigureOut">
               <a:rPr lang="en-US" smtClean="0"/>
-              <a:t>11/16/2018</a:t>
+              <a:t>11/30/2018</a:t>
             </a:fld>
             <a:endParaRPr lang="en-US"/>
           </a:p>
@@ -7034,7 +8030,7 @@
           <a:p>
             <a:fld id="{AB03DA33-EF7B-44E3-B8AC-C033623801B0}" type="datetimeFigureOut">
               <a:rPr lang="en-US" smtClean="0"/>
-              <a:t>11/16/2018</a:t>
+              <a:t>11/30/2018</a:t>
             </a:fld>
             <a:endParaRPr lang="en-US"/>
           </a:p>
@@ -8016,6 +9012,98 @@
           </a:extLst>
         </p:spPr>
       </p:pic>
+      <mc:AlternateContent xmlns:mc="http://schemas.openxmlformats.org/markup-compatibility/2006" xmlns:p14="http://schemas.microsoft.com/office/powerpoint/2010/main">
+        <mc:Choice Requires="p14">
+          <p:contentPart p14:bwMode="auto" r:id="rId5">
+            <p14:nvContentPartPr>
+              <p14:cNvPr id="2" name="Ink 1">
+                <a:extLst>
+                  <a:ext uri="{FF2B5EF4-FFF2-40B4-BE49-F238E27FC236}">
+                    <a16:creationId xmlns:a16="http://schemas.microsoft.com/office/drawing/2014/main" id="{0883E31F-070D-47CA-AD8D-4743691B112E}"/>
+                  </a:ext>
+                </a:extLst>
+              </p14:cNvPr>
+              <p14:cNvContentPartPr/>
+              <p14:nvPr/>
+            </p14:nvContentPartPr>
+            <p14:xfrm>
+              <a:off x="8454123" y="2424721"/>
+              <a:ext cx="91440" cy="107280"/>
+            </p14:xfrm>
+          </p:contentPart>
+        </mc:Choice>
+        <mc:Fallback xmlns="">
+          <p:pic>
+            <p:nvPicPr>
+              <p:cNvPr id="2" name="Ink 1">
+                <a:extLst>
+                  <a:ext uri="{FF2B5EF4-FFF2-40B4-BE49-F238E27FC236}">
+                    <a16:creationId xmlns:a16="http://schemas.microsoft.com/office/drawing/2014/main" id="{0883E31F-070D-47CA-AD8D-4743691B112E}"/>
+                  </a:ext>
+                </a:extLst>
+              </p:cNvPr>
+              <p:cNvPicPr/>
+              <p:nvPr/>
+            </p:nvPicPr>
+            <p:blipFill>
+              <a:blip r:embed="rId6"/>
+              <a:stretch>
+                <a:fillRect/>
+              </a:stretch>
+            </p:blipFill>
+            <p:spPr>
+              <a:xfrm>
+                <a:off x="8436123" y="2406721"/>
+                <a:ext cx="127080" cy="142920"/>
+              </a:xfrm>
+              <a:prstGeom prst="rect">
+                <a:avLst/>
+              </a:prstGeom>
+            </p:spPr>
+          </p:pic>
+        </mc:Fallback>
+      </mc:AlternateContent>
+      <p:sp>
+        <p:nvSpPr>
+          <p:cNvPr id="5" name="TextBox 4">
+            <a:extLst>
+              <a:ext uri="{FF2B5EF4-FFF2-40B4-BE49-F238E27FC236}">
+                <a16:creationId xmlns:a16="http://schemas.microsoft.com/office/drawing/2014/main" id="{945D4EA5-24D1-4D27-B7C7-D43B473FC419}"/>
+              </a:ext>
+            </a:extLst>
+          </p:cNvPr>
+          <p:cNvSpPr txBox="1"/>
+          <p:nvPr/>
+        </p:nvSpPr>
+        <p:spPr>
+          <a:xfrm>
+            <a:off x="415126" y="3853944"/>
+            <a:ext cx="4891759" cy="646331"/>
+          </a:xfrm>
+          <a:prstGeom prst="rect">
+            <a:avLst/>
+          </a:prstGeom>
+          <a:noFill/>
+        </p:spPr>
+        <p:txBody>
+          <a:bodyPr wrap="square" rtlCol="0">
+            <a:spAutoFit/>
+          </a:bodyPr>
+          <a:lstStyle/>
+          <a:p>
+            <a:r>
+              <a:rPr lang="en-US" dirty="0"/>
+              <a:t>Created By: Ryan Solnik</a:t>
+            </a:r>
+          </a:p>
+          <a:p>
+            <a:r>
+              <a:rPr lang="en-US" dirty="0"/>
+              <a:t>Advised By: Dr. Robert Adams</a:t>
+            </a:r>
+          </a:p>
+        </p:txBody>
+      </p:sp>
     </p:spTree>
     <p:extLst>
       <p:ext uri="{BB962C8B-B14F-4D97-AF65-F5344CB8AC3E}">
@@ -8704,8 +9792,8 @@
         </p:nvSpPr>
         <p:spPr>
           <a:xfrm>
-            <a:off x="248653" y="2227973"/>
-            <a:ext cx="5628325" cy="4512163"/>
+            <a:off x="248653" y="2154169"/>
+            <a:ext cx="5847347" cy="4585967"/>
           </a:xfrm>
           <a:prstGeom prst="rect">
             <a:avLst/>
@@ -8716,7 +9804,7 @@
         </p:spPr>
         <p:txBody>
           <a:bodyPr vert="horz" lIns="91440" tIns="45720" rIns="91440" bIns="45720" rtlCol="0" anchor="ctr">
-            <a:normAutofit fontScale="92500" lnSpcReduction="10000"/>
+            <a:normAutofit fontScale="92500" lnSpcReduction="20000"/>
           </a:bodyPr>
           <a:lstStyle/>
           <a:p>
@@ -8735,7 +9823,7 @@
                 </a:solidFill>
                 <a:latin typeface="Book Antiqua" panose="02040602050305030304" pitchFamily="18" charset="0"/>
               </a:rPr>
-              <a:t>It removes busy work of creating and documenting a D&amp;D Adventure while preserving a Dungeon Master’s creativity.</a:t>
+              <a:t>Removes busy work of creating and documenting a D&amp;D Adventure while preserving creativity.</a:t>
             </a:r>
           </a:p>
           <a:p>
@@ -8784,14 +9872,11 @@
               <a:buFont typeface="Arial" panose="020B0604020202020204" pitchFamily="34" charset="0"/>
               <a:buChar char="•"/>
             </a:pPr>
-            <a:r>
-              <a:rPr lang="en-US" sz="2000" dirty="0">
-                <a:solidFill>
-                  <a:srgbClr val="000000"/>
-                </a:solidFill>
-              </a:rPr>
-              <a:t>Assists in scaling monster difficulties to fit all levels of Adventuring Parties.</a:t>
-            </a:r>
+            <a:endParaRPr lang="en-US" sz="2000" dirty="0">
+              <a:solidFill>
+                <a:srgbClr val="000000"/>
+              </a:solidFill>
+            </a:endParaRPr>
           </a:p>
           <a:p>
             <a:pPr marL="285750" indent="-228600">
@@ -8810,7 +9895,7 @@
                   <a:srgbClr val="000000"/>
                 </a:solidFill>
               </a:rPr>
-              <a:t>Generates encounters with specific monsters or any monsters from a specified environment.</a:t>
+              <a:t>Assists in scaling monster difficulties to fit all levels of Adventuring Parties.</a:t>
             </a:r>
           </a:p>
           <a:p>
@@ -8824,6 +9909,43 @@
               <a:buFont typeface="Arial" panose="020B0604020202020204" pitchFamily="34" charset="0"/>
               <a:buChar char="•"/>
             </a:pPr>
+            <a:endParaRPr lang="en-US" sz="2000" dirty="0">
+              <a:solidFill>
+                <a:srgbClr val="000000"/>
+              </a:solidFill>
+            </a:endParaRPr>
+          </a:p>
+          <a:p>
+            <a:pPr marL="285750" indent="-228600">
+              <a:lnSpc>
+                <a:spcPct val="90000"/>
+              </a:lnSpc>
+              <a:spcAft>
+                <a:spcPts val="600"/>
+              </a:spcAft>
+              <a:buFont typeface="Arial" panose="020B0604020202020204" pitchFamily="34" charset="0"/>
+              <a:buChar char="•"/>
+            </a:pPr>
+            <a:r>
+              <a:rPr lang="en-US" sz="2000" dirty="0">
+                <a:solidFill>
+                  <a:srgbClr val="000000"/>
+                </a:solidFill>
+              </a:rPr>
+              <a:t>Generates encounters with specific monsters or any monsters from a specified environment.</a:t>
+            </a:r>
+          </a:p>
+          <a:p>
+            <a:pPr marL="285750" indent="-228600">
+              <a:lnSpc>
+                <a:spcPct val="90000"/>
+              </a:lnSpc>
+              <a:spcAft>
+                <a:spcPts val="600"/>
+              </a:spcAft>
+              <a:buFont typeface="Arial" panose="020B0604020202020204" pitchFamily="34" charset="0"/>
+              <a:buChar char="•"/>
+            </a:pPr>
             <a:r>
               <a:rPr lang="en-US" sz="2000" dirty="0">
                 <a:solidFill>
@@ -8832,6 +9954,21 @@
               </a:rPr>
               <a:t>Generates role playing traits for Non-Player Characters from a list quirks and behaviors.</a:t>
             </a:r>
+          </a:p>
+          <a:p>
+            <a:pPr marL="57150">
+              <a:lnSpc>
+                <a:spcPct val="90000"/>
+              </a:lnSpc>
+              <a:spcAft>
+                <a:spcPts val="600"/>
+              </a:spcAft>
+            </a:pPr>
+            <a:endParaRPr lang="en-US" sz="2000" dirty="0">
+              <a:solidFill>
+                <a:srgbClr val="000000"/>
+              </a:solidFill>
+            </a:endParaRPr>
           </a:p>
           <a:p>
             <a:pPr marL="285750" indent="-228600">
@@ -9072,8 +10209,8 @@
         </p:nvSpPr>
         <p:spPr>
           <a:xfrm>
-            <a:off x="804672" y="802955"/>
-            <a:ext cx="4977976" cy="1454051"/>
+            <a:off x="660794" y="326441"/>
+            <a:ext cx="5338076" cy="1454051"/>
           </a:xfrm>
           <a:prstGeom prst="rect">
             <a:avLst/>
@@ -9081,7 +10218,7 @@
         </p:spPr>
         <p:txBody>
           <a:bodyPr vert="horz" lIns="91440" tIns="45720" rIns="91440" bIns="45720" rtlCol="0" anchor="ctr">
-            <a:normAutofit/>
+            <a:normAutofit fontScale="92500" lnSpcReduction="20000"/>
           </a:bodyPr>
           <a:lstStyle/>
           <a:p>
@@ -9105,7 +10242,7 @@
                 <a:ea typeface="+mj-ea"/>
                 <a:cs typeface="+mj-cs"/>
               </a:rPr>
-              <a:t>How Can I build An Adventure?</a:t>
+              <a:t>Behind the Dungeon Master Screen</a:t>
             </a:r>
           </a:p>
         </p:txBody>
@@ -9300,7 +10437,7 @@
         </p:blipFill>
         <p:spPr>
           <a:xfrm>
-            <a:off x="6632714" y="1"/>
+            <a:off x="6697508" y="54563"/>
             <a:ext cx="3674754" cy="2106932"/>
           </a:xfrm>
           <a:custGeom>
@@ -9404,8 +10541,8 @@
         </p:nvSpPr>
         <p:spPr>
           <a:xfrm>
-            <a:off x="585537" y="2421682"/>
-            <a:ext cx="6368716" cy="3639289"/>
+            <a:off x="235170" y="1931996"/>
+            <a:ext cx="6539958" cy="4844662"/>
           </a:xfrm>
         </p:spPr>
         <p:txBody>
@@ -9421,23 +10558,29 @@
                   <a:srgbClr val="C00000"/>
                 </a:solidFill>
               </a:rPr>
-              <a:t>INPUT</a:t>
-            </a:r>
-            <a:r>
-              <a:rPr lang="en-US" sz="2000" b="1" dirty="0">
+              <a:t>Postgres as a Backend Database to Contain Monsters</a:t>
+            </a:r>
+          </a:p>
+          <a:p>
+            <a:pPr marL="742950" lvl="1"/>
+            <a:r>
+              <a:rPr lang="en-US" sz="1600" dirty="0">
                 <a:solidFill>
                   <a:srgbClr val="000000"/>
                 </a:solidFill>
               </a:rPr>
-              <a:t> </a:t>
-            </a:r>
-            <a:r>
-              <a:rPr lang="en-US" sz="2000" dirty="0">
+              <a:t>Hit points, Attacks, Abilities, Actions, environments</a:t>
+            </a:r>
+          </a:p>
+          <a:p>
+            <a:pPr marL="742950" lvl="1"/>
+            <a:r>
+              <a:rPr lang="en-US" sz="1600" dirty="0">
                 <a:solidFill>
                   <a:srgbClr val="000000"/>
                 </a:solidFill>
               </a:rPr>
-              <a:t>story ideas for your story into a text file.</a:t>
+              <a:t>Intersect tables to tie many abilities to many monsters </a:t>
             </a:r>
           </a:p>
           <a:p>
@@ -9448,15 +10591,77 @@
                   <a:srgbClr val="C00000"/>
                 </a:solidFill>
               </a:rPr>
-              <a:t>SEPARATE</a:t>
-            </a:r>
-            <a:r>
-              <a:rPr lang="en-US" sz="2000" dirty="0">
+              <a:t>Text parser in Python created for processing story ideas</a:t>
+            </a:r>
+          </a:p>
+          <a:p>
+            <a:pPr marL="742950" lvl="1"/>
+            <a:r>
+              <a:rPr lang="en-US" sz="1600" dirty="0">
                 <a:solidFill>
                   <a:srgbClr val="000000"/>
                 </a:solidFill>
               </a:rPr>
-              <a:t> scenes with traditional markdown title headings </a:t>
+              <a:t> Accepts a text file in </a:t>
+            </a:r>
+            <a:r>
+              <a:rPr lang="en-US" sz="1600" b="1" dirty="0">
+                <a:solidFill>
+                  <a:srgbClr val="000000"/>
+                </a:solidFill>
+              </a:rPr>
+              <a:t>markdown</a:t>
+            </a:r>
+            <a:r>
+              <a:rPr lang="en-US" sz="1600" dirty="0">
+                <a:solidFill>
+                  <a:srgbClr val="000000"/>
+                </a:solidFill>
+              </a:rPr>
+              <a:t> format with an optional annotated dictionary for additional modifications to data.</a:t>
+            </a:r>
+          </a:p>
+          <a:p>
+            <a:pPr marL="742950" lvl="1"/>
+            <a:r>
+              <a:rPr lang="en-US" sz="1600" dirty="0">
+                <a:solidFill>
+                  <a:srgbClr val="000000"/>
+                </a:solidFill>
+              </a:rPr>
+              <a:t>Identifies </a:t>
+            </a:r>
+            <a:r>
+              <a:rPr lang="en-US" sz="1600" b="1" dirty="0">
+                <a:solidFill>
+                  <a:srgbClr val="000000"/>
+                </a:solidFill>
+              </a:rPr>
+              <a:t>highlighted</a:t>
+            </a:r>
+            <a:r>
+              <a:rPr lang="en-US" sz="1600" dirty="0">
+                <a:solidFill>
+                  <a:srgbClr val="000000"/>
+                </a:solidFill>
+              </a:rPr>
+              <a:t> terms  in text and processes </a:t>
+            </a:r>
+            <a:r>
+              <a:rPr lang="en-US" sz="1600" b="1" dirty="0">
+                <a:solidFill>
+                  <a:srgbClr val="000000"/>
+                </a:solidFill>
+              </a:rPr>
+              <a:t>dictionary</a:t>
+            </a:r>
+            <a:r>
+              <a:rPr lang="en-US" sz="1600" dirty="0">
+                <a:solidFill>
+                  <a:srgbClr val="000000"/>
+                </a:solidFill>
+              </a:rPr>
+              <a:t> items for further processing</a:t>
             </a:r>
           </a:p>
           <a:p>
@@ -9467,23 +10672,80 @@
                   <a:srgbClr val="C00000"/>
                 </a:solidFill>
               </a:rPr>
-              <a:t>BOLD</a:t>
-            </a:r>
-            <a:r>
-              <a:rPr lang="en-US" sz="2000" b="1" dirty="0">
+              <a:t>Algorithms for Monster Selection and Querying.</a:t>
+            </a:r>
+          </a:p>
+          <a:p>
+            <a:pPr marL="742950" lvl="1"/>
+            <a:r>
+              <a:rPr lang="en-US" sz="1600" b="1" dirty="0">
                 <a:solidFill>
                   <a:srgbClr val="000000"/>
                 </a:solidFill>
               </a:rPr>
-              <a:t> </a:t>
-            </a:r>
-            <a:r>
-              <a:rPr lang="en-US" sz="2000" dirty="0">
+              <a:t>Queries</a:t>
+            </a:r>
+            <a:r>
+              <a:rPr lang="en-US" sz="1600" dirty="0">
                 <a:solidFill>
                   <a:srgbClr val="000000"/>
                 </a:solidFill>
               </a:rPr>
-              <a:t>important characters that have meaning or are in need of statistics</a:t>
+              <a:t> for selecting monsters based on environments and abilities</a:t>
+            </a:r>
+          </a:p>
+          <a:p>
+            <a:pPr marL="742950" lvl="1"/>
+            <a:r>
+              <a:rPr lang="en-US" sz="1600" b="1" dirty="0">
+                <a:solidFill>
+                  <a:srgbClr val="000000"/>
+                </a:solidFill>
+              </a:rPr>
+              <a:t>Constructs</a:t>
+            </a:r>
+            <a:r>
+              <a:rPr lang="en-US" sz="1600" dirty="0">
+                <a:solidFill>
+                  <a:srgbClr val="000000"/>
+                </a:solidFill>
+              </a:rPr>
+              <a:t> monster encounters based on difficulty ranges</a:t>
+            </a:r>
+          </a:p>
+          <a:p>
+            <a:pPr marL="742950" lvl="1"/>
+            <a:r>
+              <a:rPr lang="en-US" sz="1600" b="1" dirty="0">
+                <a:solidFill>
+                  <a:srgbClr val="000000"/>
+                </a:solidFill>
+              </a:rPr>
+              <a:t>Scales</a:t>
+            </a:r>
+            <a:r>
+              <a:rPr lang="en-US" sz="1600" dirty="0">
+                <a:solidFill>
+                  <a:srgbClr val="000000"/>
+                </a:solidFill>
+              </a:rPr>
+              <a:t> monster statistics (AC, HP, abilities, </a:t>
+            </a:r>
+            <a:r>
+              <a:rPr lang="en-US" sz="1600" dirty="0" err="1">
+                <a:solidFill>
+                  <a:srgbClr val="000000"/>
+                </a:solidFill>
+              </a:rPr>
+              <a:t>etc</a:t>
+            </a:r>
+            <a:r>
+              <a:rPr lang="en-US" sz="1600" dirty="0">
+                <a:solidFill>
+                  <a:srgbClr val="000000"/>
+                </a:solidFill>
+              </a:rPr>
+              <a:t>…) based on D&amp;D rules</a:t>
             </a:r>
           </a:p>
           <a:p>
@@ -9494,51 +10756,27 @@
                   <a:srgbClr val="C00000"/>
                 </a:solidFill>
               </a:rPr>
-              <a:t>DEFINE</a:t>
-            </a:r>
-            <a:r>
-              <a:rPr lang="en-US" sz="2000" dirty="0">
+              <a:t>Text formatting to Markdown using Python libraries</a:t>
+            </a:r>
+          </a:p>
+          <a:p>
+            <a:pPr marL="742950" lvl="1"/>
+            <a:r>
+              <a:rPr lang="en-US" sz="1600" b="1" dirty="0">
                 <a:solidFill>
                   <a:srgbClr val="000000"/>
                 </a:solidFill>
               </a:rPr>
-              <a:t> changes to bolded characters and items in the dictionary section</a:t>
-            </a:r>
-          </a:p>
-          <a:p>
-            <a:pPr marL="285750"/>
-            <a:r>
-              <a:rPr lang="en-US" sz="2000" b="1" dirty="0">
-                <a:solidFill>
-                  <a:srgbClr val="C00000"/>
-                </a:solidFill>
-              </a:rPr>
-              <a:t>OUTPUT</a:t>
-            </a:r>
-            <a:r>
-              <a:rPr lang="en-US" sz="2000" b="1" dirty="0">
+              <a:t>Formats</a:t>
+            </a:r>
+            <a:r>
+              <a:rPr lang="en-US" sz="1600" dirty="0">
                 <a:solidFill>
                   <a:srgbClr val="000000"/>
                 </a:solidFill>
               </a:rPr>
-              <a:t> </a:t>
-            </a:r>
-            <a:r>
-              <a:rPr lang="en-US" sz="2000" dirty="0">
-                <a:solidFill>
-                  <a:srgbClr val="000000"/>
-                </a:solidFill>
-              </a:rPr>
-              <a:t>your adventure using a CSS styling.</a:t>
-            </a:r>
-          </a:p>
-          <a:p>
-            <a:pPr marL="285750"/>
-            <a:endParaRPr lang="en-US" sz="2000" dirty="0">
-              <a:solidFill>
-                <a:srgbClr val="000000"/>
-              </a:solidFill>
-            </a:endParaRPr>
+              <a:t> Story, NPC’s, and Monsters into a readable format using The Home brewery's formatting rules to read like an actual D&amp;D book.</a:t>
+            </a:r>
           </a:p>
         </p:txBody>
       </p:sp>
@@ -10029,6 +11267,14 @@
 <file path=ppt/slides/slide5.xml><?xml version="1.0" encoding="utf-8"?>
 <p:sld xmlns:a="http://schemas.openxmlformats.org/drawingml/2006/main" xmlns:r="http://schemas.openxmlformats.org/officeDocument/2006/relationships" xmlns:p="http://schemas.openxmlformats.org/presentationml/2006/main">
   <p:cSld>
+    <p:bg>
+      <p:bgPr>
+        <a:solidFill>
+          <a:schemeClr val="bg1"/>
+        </a:solidFill>
+        <a:effectLst/>
+      </p:bgPr>
+    </p:bg>
     <p:spTree>
       <p:nvGrpSpPr>
         <p:cNvPr id="1" name=""/>
@@ -10043,36 +11289,141 @@
           <a:chExt cx="0" cy="0"/>
         </a:xfrm>
       </p:grpSpPr>
-      <p:pic>
-        <p:nvPicPr>
-          <p:cNvPr id="18" name="Picture 17">
+      <p:sp>
+        <p:nvSpPr>
+          <p:cNvPr id="23" name="Rectangle 22">
             <a:extLst>
               <a:ext uri="{FF2B5EF4-FFF2-40B4-BE49-F238E27FC236}">
-                <a16:creationId xmlns:a16="http://schemas.microsoft.com/office/drawing/2014/main" id="{022FA45F-58AA-4344-AF3D-DE7742722021}"/>
+                <a16:creationId xmlns:a16="http://schemas.microsoft.com/office/drawing/2014/main" id="{CB497579-54DA-4C6B-B777-9204A1B2038E}"/>
               </a:ext>
             </a:extLst>
           </p:cNvPr>
-          <p:cNvPicPr>
-            <a:picLocks noChangeAspect="1"/>
-          </p:cNvPicPr>
+          <p:cNvSpPr/>
           <p:nvPr/>
-        </p:nvPicPr>
-        <p:blipFill>
-          <a:blip r:embed="rId2"/>
-          <a:stretch>
-            <a:fillRect/>
-          </a:stretch>
-        </p:blipFill>
+        </p:nvSpPr>
         <p:spPr>
           <a:xfrm>
-            <a:off x="0" y="0"/>
-            <a:ext cx="12192000" cy="6858000"/>
+            <a:off x="3049817" y="3951133"/>
+            <a:ext cx="2868528" cy="2708434"/>
           </a:xfrm>
           <a:prstGeom prst="rect">
             <a:avLst/>
           </a:prstGeom>
         </p:spPr>
-      </p:pic>
+        <p:txBody>
+          <a:bodyPr wrap="square">
+            <a:spAutoFit/>
+          </a:bodyPr>
+          <a:lstStyle/>
+          <a:p>
+            <a:r>
+              <a:rPr lang="en-US" sz="1000" b="1" dirty="0"/>
+              <a:t>Monster customization</a:t>
+            </a:r>
+          </a:p>
+          <a:p>
+            <a:pPr marL="171450" indent="-171450">
+              <a:buFont typeface="Arial" panose="020B0604020202020204" pitchFamily="34" charset="0"/>
+              <a:buChar char="•"/>
+            </a:pPr>
+            <a:r>
+              <a:rPr lang="en-US" sz="1000" dirty="0"/>
+              <a:t>Scaling of Monster Stats to pose a challenge for Adventurers of any Level.</a:t>
+            </a:r>
+          </a:p>
+          <a:p>
+            <a:pPr marL="171450" indent="-171450">
+              <a:buFont typeface="Arial" panose="020B0604020202020204" pitchFamily="34" charset="0"/>
+              <a:buChar char="•"/>
+            </a:pPr>
+            <a:r>
+              <a:rPr lang="en-US" sz="1000" dirty="0"/>
+              <a:t>Addition of statistics is not directly proportional to challenge rating and needs to be evaluated.</a:t>
+            </a:r>
+          </a:p>
+          <a:p>
+            <a:pPr marL="171450" indent="-171450">
+              <a:buFont typeface="Arial" panose="020B0604020202020204" pitchFamily="34" charset="0"/>
+              <a:buChar char="•"/>
+            </a:pPr>
+            <a:endParaRPr lang="en-US" sz="1000" dirty="0"/>
+          </a:p>
+          <a:p>
+            <a:pPr marL="171450" indent="-171450">
+              <a:buFont typeface="Arial" panose="020B0604020202020204" pitchFamily="34" charset="0"/>
+              <a:buChar char="•"/>
+            </a:pPr>
+            <a:endParaRPr lang="en-US" sz="1000" dirty="0"/>
+          </a:p>
+          <a:p>
+            <a:pPr marL="171450" indent="-171450">
+              <a:buFont typeface="Arial" panose="020B0604020202020204" pitchFamily="34" charset="0"/>
+              <a:buChar char="•"/>
+            </a:pPr>
+            <a:endParaRPr lang="en-US" sz="1000" dirty="0"/>
+          </a:p>
+          <a:p>
+            <a:pPr marL="171450" indent="-171450">
+              <a:buFont typeface="Arial" panose="020B0604020202020204" pitchFamily="34" charset="0"/>
+              <a:buChar char="•"/>
+            </a:pPr>
+            <a:endParaRPr lang="en-US" sz="1000" dirty="0"/>
+          </a:p>
+          <a:p>
+            <a:r>
+              <a:rPr lang="en-US" sz="1000" b="1" dirty="0"/>
+              <a:t>Encounter Creation</a:t>
+            </a:r>
+          </a:p>
+          <a:p>
+            <a:pPr marL="171450" indent="-171450">
+              <a:buFont typeface="Arial" panose="020B0604020202020204" pitchFamily="34" charset="0"/>
+              <a:buChar char="•"/>
+            </a:pPr>
+            <a:r>
+              <a:rPr lang="en-US" sz="1000" dirty="0"/>
+              <a:t>Based on Terrain type or Monster Abilities</a:t>
+            </a:r>
+          </a:p>
+          <a:p>
+            <a:pPr marL="171450" indent="-171450">
+              <a:buFont typeface="Arial" panose="020B0604020202020204" pitchFamily="34" charset="0"/>
+              <a:buChar char="•"/>
+            </a:pPr>
+            <a:r>
+              <a:rPr lang="en-US" sz="1000" dirty="0"/>
+              <a:t>Had to be balanced around Adventure Level and Experience thresholds for varying difficulties.</a:t>
+            </a:r>
+          </a:p>
+          <a:p>
+            <a:endParaRPr lang="en-US" sz="1000" dirty="0"/>
+          </a:p>
+          <a:p>
+            <a:r>
+              <a:rPr lang="en-US" sz="1000" b="1" dirty="0"/>
+              <a:t>Non Player Character </a:t>
+            </a:r>
+            <a:r>
+              <a:rPr lang="en-US" sz="1000" dirty="0"/>
+              <a:t>(NPC) </a:t>
+            </a:r>
+            <a:r>
+              <a:rPr lang="en-US" sz="1000" b="1" dirty="0"/>
+              <a:t>Traits</a:t>
+            </a:r>
+          </a:p>
+          <a:p>
+            <a:pPr marL="171450" indent="-171450">
+              <a:buFont typeface="Arial" panose="020B0604020202020204" pitchFamily="34" charset="0"/>
+              <a:buChar char="•"/>
+            </a:pPr>
+            <a:r>
+              <a:rPr lang="en-US" sz="1000" dirty="0"/>
+              <a:t>Generates character traits, quirks, and personalities for character inspiration</a:t>
+            </a:r>
+          </a:p>
+        </p:txBody>
+      </p:sp>
       <p:sp>
         <p:nvSpPr>
           <p:cNvPr id="4" name="Rectangle 3">
@@ -10088,7 +11439,7 @@
         <p:spPr>
           <a:xfrm>
             <a:off x="128339" y="1041591"/>
-            <a:ext cx="3208056" cy="2463248"/>
+            <a:ext cx="2776662" cy="2463243"/>
           </a:xfrm>
           <a:prstGeom prst="rect">
             <a:avLst/>
@@ -10137,8 +11488,8 @@
         </p:nvSpPr>
         <p:spPr>
           <a:xfrm>
-            <a:off x="8365958" y="1041591"/>
-            <a:ext cx="3697704" cy="5684060"/>
+            <a:off x="8760318" y="1041591"/>
+            <a:ext cx="3303343" cy="5684060"/>
           </a:xfrm>
           <a:prstGeom prst="rect">
             <a:avLst/>
@@ -10187,8 +11538,8 @@
         </p:nvSpPr>
         <p:spPr>
           <a:xfrm>
-            <a:off x="3336395" y="55574"/>
-            <a:ext cx="5519207" cy="729916"/>
+            <a:off x="4134327" y="65553"/>
+            <a:ext cx="3923346" cy="563098"/>
           </a:xfrm>
           <a:prstGeom prst="rect">
             <a:avLst/>
@@ -10196,7 +11547,7 @@
         </p:spPr>
         <p:txBody>
           <a:bodyPr vert="horz" lIns="91440" tIns="45720" rIns="91440" bIns="45720" rtlCol="0" anchor="t">
-            <a:normAutofit lnSpcReduction="10000"/>
+            <a:normAutofit fontScale="92500" lnSpcReduction="10000"/>
           </a:bodyPr>
           <a:lstStyle/>
           <a:p>
@@ -10212,7 +11563,7 @@
               </a:spcAft>
             </a:pPr>
             <a:r>
-              <a:rPr lang="en-US" sz="4800" kern="1200" dirty="0">
+              <a:rPr lang="en-US" sz="4000" kern="1200" dirty="0">
                 <a:solidFill>
                   <a:schemeClr val="tx1">
                     <a:lumMod val="75000"/>
@@ -10243,7 +11594,7 @@
           <p:nvPr/>
         </p:nvPicPr>
         <p:blipFill>
-          <a:blip r:embed="rId3">
+          <a:blip r:embed="rId2">
             <a:extLst>
               <a:ext uri="{28A0092B-C50C-407E-A947-70E740481C1C}">
                 <a14:useLocalDpi xmlns:a14="http://schemas.microsoft.com/office/drawing/2010/main" val="0"/>
@@ -10256,7 +11607,7 @@
         </p:blipFill>
         <p:spPr>
           <a:xfrm>
-            <a:off x="0" y="0"/>
+            <a:off x="0" y="72603"/>
             <a:ext cx="2586213" cy="420427"/>
           </a:xfrm>
           <a:prstGeom prst="rect">
@@ -10266,90 +11617,185 @@
       </p:pic>
       <p:pic>
         <p:nvPicPr>
-          <p:cNvPr id="29" name="Picture 28">
+          <p:cNvPr id="6" name="Picture 2" descr="Image result for grand valley state university vector logo">
             <a:extLst>
               <a:ext uri="{FF2B5EF4-FFF2-40B4-BE49-F238E27FC236}">
-                <a16:creationId xmlns:a16="http://schemas.microsoft.com/office/drawing/2014/main" id="{2BEB214F-BB4F-4E60-BB02-A9B0658F06F0}"/>
+                <a16:creationId xmlns:a16="http://schemas.microsoft.com/office/drawing/2014/main" id="{4312647C-8B10-4CA9-A45D-B6213B402D40}"/>
               </a:ext>
             </a:extLst>
           </p:cNvPr>
           <p:cNvPicPr>
-            <a:picLocks noChangeAspect="1"/>
+            <a:picLocks noChangeAspect="1" noChangeArrowheads="1"/>
           </p:cNvPicPr>
           <p:nvPr/>
         </p:nvPicPr>
         <p:blipFill>
-          <a:blip r:embed="rId4"/>
+          <a:blip r:embed="rId3">
+            <a:extLst>
+              <a:ext uri="{28A0092B-C50C-407E-A947-70E740481C1C}">
+                <a14:useLocalDpi xmlns:a14="http://schemas.microsoft.com/office/drawing/2010/main" val="0"/>
+              </a:ext>
+            </a:extLst>
+          </a:blip>
+          <a:srcRect/>
           <a:stretch>
             <a:fillRect/>
           </a:stretch>
         </p:blipFill>
-        <p:spPr>
+        <p:spPr bwMode="auto">
           <a:xfrm>
-            <a:off x="8470188" y="1124811"/>
-            <a:ext cx="3368698" cy="4364841"/>
+            <a:off x="10515474" y="150895"/>
+            <a:ext cx="1429160" cy="420427"/>
           </a:xfrm>
           <a:prstGeom prst="rect">
             <a:avLst/>
           </a:prstGeom>
-          <a:ln>
-            <a:noFill/>
-          </a:ln>
-          <a:effectLst>
-            <a:outerShdw blurRad="190500" algn="tl" rotWithShape="0">
-              <a:srgbClr val="000000">
-                <a:alpha val="70000"/>
-              </a:srgbClr>
-            </a:outerShdw>
-          </a:effectLst>
+          <a:noFill/>
+          <a:extLst>
+            <a:ext uri="{909E8E84-426E-40DD-AFC4-6F175D3DCCD1}">
+              <a14:hiddenFill xmlns:a14="http://schemas.microsoft.com/office/drawing/2010/main">
+                <a:solidFill>
+                  <a:srgbClr val="FFFFFF"/>
+                </a:solidFill>
+              </a14:hiddenFill>
+            </a:ext>
+          </a:extLst>
         </p:spPr>
       </p:pic>
-      <p:pic>
-        <p:nvPicPr>
-          <p:cNvPr id="1031" name="Picture 1030">
+      <p:sp>
+        <p:nvSpPr>
+          <p:cNvPr id="7" name="TextBox 6">
             <a:extLst>
               <a:ext uri="{FF2B5EF4-FFF2-40B4-BE49-F238E27FC236}">
-                <a16:creationId xmlns:a16="http://schemas.microsoft.com/office/drawing/2014/main" id="{2BE74A1E-F776-4E63-8177-55336C4C06BD}"/>
+                <a16:creationId xmlns:a16="http://schemas.microsoft.com/office/drawing/2014/main" id="{2BEAC9B4-96DE-4806-8427-80BD9DDE3F5F}"/>
               </a:ext>
             </a:extLst>
           </p:cNvPr>
-          <p:cNvPicPr>
-            <a:picLocks noChangeAspect="1"/>
-          </p:cNvPicPr>
+          <p:cNvSpPr txBox="1"/>
           <p:nvPr/>
-        </p:nvPicPr>
-        <p:blipFill>
-          <a:blip r:embed="rId5"/>
-          <a:stretch>
-            <a:fillRect/>
-          </a:stretch>
-        </p:blipFill>
+        </p:nvSpPr>
         <p:spPr>
           <a:xfrm>
-            <a:off x="5955258" y="1124811"/>
-            <a:ext cx="2222919" cy="4364841"/>
+            <a:off x="64157" y="669819"/>
+            <a:ext cx="1301959" cy="369332"/>
           </a:xfrm>
           <a:prstGeom prst="rect">
             <a:avLst/>
           </a:prstGeom>
-          <a:ln>
-            <a:noFill/>
-          </a:ln>
-          <a:effectLst>
-            <a:outerShdw blurRad="292100" dist="139700" dir="2700000" algn="tl" rotWithShape="0">
-              <a:srgbClr val="333333">
-                <a:alpha val="65000"/>
-              </a:srgbClr>
-            </a:outerShdw>
-          </a:effectLst>
+          <a:noFill/>
         </p:spPr>
-      </p:pic>
+        <p:txBody>
+          <a:bodyPr wrap="none" rtlCol="0">
+            <a:spAutoFit/>
+          </a:bodyPr>
+          <a:lstStyle/>
+          <a:p>
+            <a:r>
+              <a:rPr lang="en-US" dirty="0">
+                <a:latin typeface="Algerian" panose="04020705040A02060702" pitchFamily="82" charset="0"/>
+              </a:rPr>
+              <a:t>Overview</a:t>
+            </a:r>
+          </a:p>
+        </p:txBody>
+      </p:sp>
       <p:sp>
         <p:nvSpPr>
-          <p:cNvPr id="16" name="Rectangle 15">
+          <p:cNvPr id="25" name="TextBox 24">
             <a:extLst>
               <a:ext uri="{FF2B5EF4-FFF2-40B4-BE49-F238E27FC236}">
-                <a16:creationId xmlns:a16="http://schemas.microsoft.com/office/drawing/2014/main" id="{58E946BC-C19D-40C3-B243-23F8FB443033}"/>
+                <a16:creationId xmlns:a16="http://schemas.microsoft.com/office/drawing/2014/main" id="{23B1ECCB-D87C-4136-86B3-DA147DB9F9CE}"/>
+              </a:ext>
+            </a:extLst>
+          </p:cNvPr>
+          <p:cNvSpPr txBox="1"/>
+          <p:nvPr/>
+        </p:nvSpPr>
+        <p:spPr>
+          <a:xfrm>
+            <a:off x="43911" y="3531377"/>
+            <a:ext cx="1208985" cy="369332"/>
+          </a:xfrm>
+          <a:prstGeom prst="rect">
+            <a:avLst/>
+          </a:prstGeom>
+          <a:noFill/>
+        </p:spPr>
+        <p:txBody>
+          <a:bodyPr wrap="none" rtlCol="0">
+            <a:spAutoFit/>
+          </a:bodyPr>
+          <a:lstStyle/>
+          <a:p>
+            <a:r>
+              <a:rPr lang="en-US" dirty="0">
+                <a:latin typeface="Algerian" panose="04020705040A02060702" pitchFamily="82" charset="0"/>
+                <a:cs typeface="Aldhabi" panose="020B0604020202020204" pitchFamily="2" charset="-78"/>
+              </a:rPr>
+              <a:t>Solution</a:t>
+            </a:r>
+          </a:p>
+        </p:txBody>
+      </p:sp>
+      <p:sp>
+        <p:nvSpPr>
+          <p:cNvPr id="8" name="TextBox 7">
+            <a:extLst>
+              <a:ext uri="{FF2B5EF4-FFF2-40B4-BE49-F238E27FC236}">
+                <a16:creationId xmlns:a16="http://schemas.microsoft.com/office/drawing/2014/main" id="{6B419581-5AEE-4051-BAF0-2C36C3245E74}"/>
+              </a:ext>
+            </a:extLst>
+          </p:cNvPr>
+          <p:cNvSpPr txBox="1"/>
+          <p:nvPr/>
+        </p:nvSpPr>
+        <p:spPr>
+          <a:xfrm>
+            <a:off x="181550" y="1084254"/>
+            <a:ext cx="2723451" cy="2246769"/>
+          </a:xfrm>
+          <a:prstGeom prst="rect">
+            <a:avLst/>
+          </a:prstGeom>
+          <a:noFill/>
+        </p:spPr>
+        <p:txBody>
+          <a:bodyPr wrap="square" rtlCol="0">
+            <a:spAutoFit/>
+          </a:bodyPr>
+          <a:lstStyle/>
+          <a:p>
+            <a:r>
+              <a:rPr lang="en-US" sz="1000" dirty="0"/>
+              <a:t>Dungeons and Dragons is a role playing game where one player assumes the role of the Dungeon Master.  This player is responsible for dreaming up adventures for the other players to embark upon.</a:t>
+            </a:r>
+          </a:p>
+          <a:p>
+            <a:endParaRPr lang="en-US" sz="1000" dirty="0"/>
+          </a:p>
+          <a:p>
+            <a:r>
+              <a:rPr lang="en-US" sz="1000" dirty="0"/>
+              <a:t>Preparing games for dungeons and dragons can be a daunting task that is filled with lengthy tasks that may not yield benefit when it comes to running the game you’ve prepared.</a:t>
+            </a:r>
+          </a:p>
+          <a:p>
+            <a:endParaRPr lang="en-US" sz="1000" dirty="0"/>
+          </a:p>
+          <a:p>
+            <a:r>
+              <a:rPr lang="en-US" sz="1000" dirty="0"/>
+              <a:t>Adventure Day is a computational solution to streamline the creation process of a D&amp;D Adventure.  </a:t>
+            </a:r>
+          </a:p>
+        </p:txBody>
+      </p:sp>
+      <p:sp>
+        <p:nvSpPr>
+          <p:cNvPr id="32" name="Rectangle 31">
+            <a:extLst>
+              <a:ext uri="{FF2B5EF4-FFF2-40B4-BE49-F238E27FC236}">
+                <a16:creationId xmlns:a16="http://schemas.microsoft.com/office/drawing/2014/main" id="{0532CC50-0067-4B49-8C0D-BF44C1AD96D8}"/>
               </a:ext>
             </a:extLst>
           </p:cNvPr>
@@ -10358,8 +11804,8 @@
         </p:nvSpPr>
         <p:spPr>
           <a:xfrm>
-            <a:off x="3406347" y="1041591"/>
-            <a:ext cx="4873387" cy="5684060"/>
+            <a:off x="122643" y="3924300"/>
+            <a:ext cx="2776663" cy="2801350"/>
           </a:xfrm>
           <a:prstGeom prst="rect">
             <a:avLst/>
@@ -10390,311 +11836,16 @@
           <a:lstStyle/>
           <a:p>
             <a:pPr algn="ctr"/>
-            <a:endParaRPr lang="en-US"/>
-          </a:p>
-        </p:txBody>
-      </p:sp>
-      <p:pic>
-        <p:nvPicPr>
-          <p:cNvPr id="1026" name="Picture 2" descr="Image result for python programming language dragon icon">
-            <a:extLst>
-              <a:ext uri="{FF2B5EF4-FFF2-40B4-BE49-F238E27FC236}">
-                <a16:creationId xmlns:a16="http://schemas.microsoft.com/office/drawing/2014/main" id="{1CD667EB-B66B-4CC0-96D2-072C0ED2803F}"/>
-              </a:ext>
-            </a:extLst>
-          </p:cNvPr>
-          <p:cNvPicPr>
-            <a:picLocks noChangeAspect="1" noChangeArrowheads="1"/>
-          </p:cNvPicPr>
-          <p:nvPr/>
-        </p:nvPicPr>
-        <p:blipFill>
-          <a:blip r:embed="rId6">
-            <a:extLst>
-              <a:ext uri="{28A0092B-C50C-407E-A947-70E740481C1C}">
-                <a14:useLocalDpi xmlns:a14="http://schemas.microsoft.com/office/drawing/2010/main" val="0"/>
-              </a:ext>
-            </a:extLst>
-          </a:blip>
-          <a:srcRect/>
-          <a:stretch>
-            <a:fillRect/>
-          </a:stretch>
-        </p:blipFill>
-        <p:spPr bwMode="auto">
-          <a:xfrm>
-            <a:off x="9894119" y="5701508"/>
-            <a:ext cx="729903" cy="729903"/>
-          </a:xfrm>
-          <a:prstGeom prst="rect">
-            <a:avLst/>
-          </a:prstGeom>
-          <a:noFill/>
-          <a:extLst>
-            <a:ext uri="{909E8E84-426E-40DD-AFC4-6F175D3DCCD1}">
-              <a14:hiddenFill xmlns:a14="http://schemas.microsoft.com/office/drawing/2010/main">
-                <a:solidFill>
-                  <a:srgbClr val="FFFFFF"/>
-                </a:solidFill>
-              </a14:hiddenFill>
-            </a:ext>
-          </a:extLst>
-        </p:spPr>
-      </p:pic>
-      <p:pic>
-        <p:nvPicPr>
-          <p:cNvPr id="26" name="Picture 25">
-            <a:extLst>
-              <a:ext uri="{FF2B5EF4-FFF2-40B4-BE49-F238E27FC236}">
-                <a16:creationId xmlns:a16="http://schemas.microsoft.com/office/drawing/2014/main" id="{FF19E6F0-66CB-4F89-9F16-E7F0257B18B1}"/>
-              </a:ext>
-            </a:extLst>
-          </p:cNvPr>
-          <p:cNvPicPr>
-            <a:picLocks noChangeAspect="1"/>
-          </p:cNvPicPr>
-          <p:nvPr/>
-        </p:nvPicPr>
-        <p:blipFill>
-          <a:blip r:embed="rId7"/>
-          <a:stretch>
-            <a:fillRect/>
-          </a:stretch>
-        </p:blipFill>
-        <p:spPr>
-          <a:xfrm>
-            <a:off x="11066714" y="5786133"/>
-            <a:ext cx="812637" cy="802521"/>
-          </a:xfrm>
-          <a:prstGeom prst="rect">
-            <a:avLst/>
-          </a:prstGeom>
-        </p:spPr>
-      </p:pic>
-      <p:pic>
-        <p:nvPicPr>
-          <p:cNvPr id="27" name="Picture 26">
-            <a:extLst>
-              <a:ext uri="{FF2B5EF4-FFF2-40B4-BE49-F238E27FC236}">
-                <a16:creationId xmlns:a16="http://schemas.microsoft.com/office/drawing/2014/main" id="{DC4A1FC0-E80E-429C-8740-A41C9B855694}"/>
-              </a:ext>
-            </a:extLst>
-          </p:cNvPr>
-          <p:cNvPicPr>
-            <a:picLocks noChangeAspect="1"/>
-          </p:cNvPicPr>
-          <p:nvPr/>
-        </p:nvPicPr>
-        <p:blipFill>
-          <a:blip r:embed="rId8"/>
-          <a:stretch>
-            <a:fillRect/>
-          </a:stretch>
-        </p:blipFill>
-        <p:spPr>
-          <a:xfrm>
-            <a:off x="8624243" y="5733189"/>
-            <a:ext cx="593777" cy="586385"/>
-          </a:xfrm>
-          <a:prstGeom prst="rect">
-            <a:avLst/>
-          </a:prstGeom>
-        </p:spPr>
-      </p:pic>
-      <p:sp>
-        <p:nvSpPr>
-          <p:cNvPr id="31" name="Arrow: Right 30">
-            <a:extLst>
-              <a:ext uri="{FF2B5EF4-FFF2-40B4-BE49-F238E27FC236}">
-                <a16:creationId xmlns:a16="http://schemas.microsoft.com/office/drawing/2014/main" id="{F41EB35A-3C28-4F83-AEA9-10FF938460BA}"/>
-              </a:ext>
-            </a:extLst>
-          </p:cNvPr>
-          <p:cNvSpPr/>
-          <p:nvPr/>
-        </p:nvSpPr>
-        <p:spPr>
-          <a:xfrm>
-            <a:off x="10710246" y="5837314"/>
-            <a:ext cx="456260" cy="378136"/>
-          </a:xfrm>
-          <a:prstGeom prst="rightArrow">
-            <a:avLst/>
-          </a:prstGeom>
-        </p:spPr>
-        <p:style>
-          <a:lnRef idx="2">
-            <a:schemeClr val="accent2">
-              <a:shade val="50000"/>
-            </a:schemeClr>
-          </a:lnRef>
-          <a:fillRef idx="1">
-            <a:schemeClr val="accent2"/>
-          </a:fillRef>
-          <a:effectRef idx="0">
-            <a:schemeClr val="accent2"/>
-          </a:effectRef>
-          <a:fontRef idx="minor">
-            <a:schemeClr val="lt1"/>
-          </a:fontRef>
-        </p:style>
-        <p:txBody>
-          <a:bodyPr rtlCol="0" anchor="ctr"/>
-          <a:lstStyle/>
-          <a:p>
-            <a:pPr algn="ctr"/>
-            <a:endParaRPr lang="en-US"/>
+            <a:endParaRPr lang="en-US" dirty="0"/>
           </a:p>
         </p:txBody>
       </p:sp>
       <p:sp>
         <p:nvSpPr>
-          <p:cNvPr id="1027" name="Arrow: Striped Right 1026">
+          <p:cNvPr id="33" name="TextBox 32">
             <a:extLst>
               <a:ext uri="{FF2B5EF4-FFF2-40B4-BE49-F238E27FC236}">
-                <a16:creationId xmlns:a16="http://schemas.microsoft.com/office/drawing/2014/main" id="{40494AB2-DE59-4EDC-9B60-A432DEFBEB55}"/>
-              </a:ext>
-            </a:extLst>
-          </p:cNvPr>
-          <p:cNvSpPr/>
-          <p:nvPr/>
-        </p:nvSpPr>
-        <p:spPr>
-          <a:xfrm rot="16200000">
-            <a:off x="11071772" y="5149466"/>
-            <a:ext cx="802520" cy="406378"/>
-          </a:xfrm>
-          <a:prstGeom prst="stripedRightArrow">
-            <a:avLst/>
-          </a:prstGeom>
-        </p:spPr>
-        <p:style>
-          <a:lnRef idx="2">
-            <a:schemeClr val="accent2">
-              <a:shade val="50000"/>
-            </a:schemeClr>
-          </a:lnRef>
-          <a:fillRef idx="1">
-            <a:schemeClr val="accent2"/>
-          </a:fillRef>
-          <a:effectRef idx="0">
-            <a:schemeClr val="accent2"/>
-          </a:effectRef>
-          <a:fontRef idx="minor">
-            <a:schemeClr val="lt1"/>
-          </a:fontRef>
-        </p:style>
-        <p:txBody>
-          <a:bodyPr rtlCol="0" anchor="ctr"/>
-          <a:lstStyle/>
-          <a:p>
-            <a:pPr algn="ctr"/>
-            <a:endParaRPr lang="en-US"/>
-          </a:p>
-        </p:txBody>
-      </p:sp>
-      <p:sp>
-        <p:nvSpPr>
-          <p:cNvPr id="1034" name="Arrow: Left-Right 1033">
-            <a:extLst>
-              <a:ext uri="{FF2B5EF4-FFF2-40B4-BE49-F238E27FC236}">
-                <a16:creationId xmlns:a16="http://schemas.microsoft.com/office/drawing/2014/main" id="{3840A937-B394-4F8C-8266-534F0E7F89D3}"/>
-              </a:ext>
-            </a:extLst>
-          </p:cNvPr>
-          <p:cNvSpPr/>
-          <p:nvPr/>
-        </p:nvSpPr>
-        <p:spPr>
-          <a:xfrm>
-            <a:off x="9263986" y="5853129"/>
-            <a:ext cx="593777" cy="378136"/>
-          </a:xfrm>
-          <a:prstGeom prst="leftRightArrow">
-            <a:avLst/>
-          </a:prstGeom>
-        </p:spPr>
-        <p:style>
-          <a:lnRef idx="2">
-            <a:schemeClr val="accent2">
-              <a:shade val="50000"/>
-            </a:schemeClr>
-          </a:lnRef>
-          <a:fillRef idx="1">
-            <a:schemeClr val="accent2"/>
-          </a:fillRef>
-          <a:effectRef idx="0">
-            <a:schemeClr val="accent2"/>
-          </a:effectRef>
-          <a:fontRef idx="minor">
-            <a:schemeClr val="lt1"/>
-          </a:fontRef>
-        </p:style>
-        <p:txBody>
-          <a:bodyPr rtlCol="0" anchor="ctr"/>
-          <a:lstStyle/>
-          <a:p>
-            <a:pPr algn="ctr"/>
-            <a:endParaRPr lang="en-US"/>
-          </a:p>
-        </p:txBody>
-      </p:sp>
-      <p:sp>
-        <p:nvSpPr>
-          <p:cNvPr id="3" name="Arrow: Bent 2">
-            <a:extLst>
-              <a:ext uri="{FF2B5EF4-FFF2-40B4-BE49-F238E27FC236}">
-                <a16:creationId xmlns:a16="http://schemas.microsoft.com/office/drawing/2014/main" id="{2F8B9F84-3FE0-465A-A4C1-A609F15C71D7}"/>
-              </a:ext>
-            </a:extLst>
-          </p:cNvPr>
-          <p:cNvSpPr/>
-          <p:nvPr/>
-        </p:nvSpPr>
-        <p:spPr>
-          <a:xfrm rot="5400000">
-            <a:off x="8880583" y="4208833"/>
-            <a:ext cx="505167" cy="2480183"/>
-          </a:xfrm>
-          <a:prstGeom prst="bentArrow">
-            <a:avLst/>
-          </a:prstGeom>
-        </p:spPr>
-        <p:style>
-          <a:lnRef idx="2">
-            <a:schemeClr val="accent2">
-              <a:shade val="50000"/>
-            </a:schemeClr>
-          </a:lnRef>
-          <a:fillRef idx="1">
-            <a:schemeClr val="accent2"/>
-          </a:fillRef>
-          <a:effectRef idx="0">
-            <a:schemeClr val="accent2"/>
-          </a:effectRef>
-          <a:fontRef idx="minor">
-            <a:schemeClr val="lt1"/>
-          </a:fontRef>
-        </p:style>
-        <p:txBody>
-          <a:bodyPr rtlCol="0" anchor="ctr"/>
-          <a:lstStyle/>
-          <a:p>
-            <a:pPr algn="ctr"/>
-            <a:endParaRPr lang="en-US">
-              <a:solidFill>
-                <a:schemeClr val="tx1"/>
-              </a:solidFill>
-            </a:endParaRPr>
-          </a:p>
-        </p:txBody>
-      </p:sp>
-      <p:sp>
-        <p:nvSpPr>
-          <p:cNvPr id="5" name="TextBox 4">
-            <a:extLst>
-              <a:ext uri="{FF2B5EF4-FFF2-40B4-BE49-F238E27FC236}">
-                <a16:creationId xmlns:a16="http://schemas.microsoft.com/office/drawing/2014/main" id="{D229FDF8-01AB-484E-B1C4-C2298915FBFA}"/>
+                <a16:creationId xmlns:a16="http://schemas.microsoft.com/office/drawing/2014/main" id="{ED1142FC-4780-4536-872F-2A2386ACCB3D}"/>
               </a:ext>
             </a:extLst>
           </p:cNvPr>
@@ -10703,8 +11854,8 @@
         </p:nvSpPr>
         <p:spPr>
           <a:xfrm>
-            <a:off x="9146750" y="5594274"/>
-            <a:ext cx="825867" cy="261610"/>
+            <a:off x="8722667" y="678755"/>
+            <a:ext cx="1010213" cy="369332"/>
           </a:xfrm>
           <a:prstGeom prst="rect">
             <a:avLst/>
@@ -10718,18 +11869,20 @@
           <a:lstStyle/>
           <a:p>
             <a:r>
-              <a:rPr lang="en-US" sz="1100" dirty="0"/>
-              <a:t>DB Queries</a:t>
+              <a:rPr lang="en-US" dirty="0">
+                <a:latin typeface="Algerian" panose="04020705040A02060702" pitchFamily="82" charset="0"/>
+              </a:rPr>
+              <a:t>Output</a:t>
             </a:r>
           </a:p>
         </p:txBody>
       </p:sp>
       <p:sp>
         <p:nvSpPr>
-          <p:cNvPr id="21" name="TextBox 20">
+          <p:cNvPr id="35" name="TextBox 34">
             <a:extLst>
               <a:ext uri="{FF2B5EF4-FFF2-40B4-BE49-F238E27FC236}">
-                <a16:creationId xmlns:a16="http://schemas.microsoft.com/office/drawing/2014/main" id="{6B77134F-65BB-4DE3-A844-AC01F71465CE}"/>
+                <a16:creationId xmlns:a16="http://schemas.microsoft.com/office/drawing/2014/main" id="{DF6AF6D8-269F-4E04-9944-2650B8BA332C}"/>
               </a:ext>
             </a:extLst>
           </p:cNvPr>
@@ -10738,43 +11891,8 @@
         </p:nvSpPr>
         <p:spPr>
           <a:xfrm>
-            <a:off x="6417150" y="5478356"/>
-            <a:ext cx="1405321" cy="307777"/>
-          </a:xfrm>
-          <a:prstGeom prst="rect">
-            <a:avLst/>
-          </a:prstGeom>
-          <a:noFill/>
-        </p:spPr>
-        <p:txBody>
-          <a:bodyPr wrap="none" rtlCol="0">
-            <a:spAutoFit/>
-          </a:bodyPr>
-          <a:lstStyle/>
-          <a:p>
-            <a:r>
-              <a:rPr lang="en-US" sz="1400" dirty="0"/>
-              <a:t>Markdown Input</a:t>
-            </a:r>
-          </a:p>
-        </p:txBody>
-      </p:sp>
-      <p:sp>
-        <p:nvSpPr>
-          <p:cNvPr id="22" name="TextBox 21">
-            <a:extLst>
-              <a:ext uri="{FF2B5EF4-FFF2-40B4-BE49-F238E27FC236}">
-                <a16:creationId xmlns:a16="http://schemas.microsoft.com/office/drawing/2014/main" id="{859603F2-6D2B-46D1-BE49-E096C03D0316}"/>
-              </a:ext>
-            </a:extLst>
-          </p:cNvPr>
-          <p:cNvSpPr txBox="1"/>
-          <p:nvPr/>
-        </p:nvSpPr>
-        <p:spPr>
-          <a:xfrm>
-            <a:off x="10650809" y="5548523"/>
-            <a:ext cx="560306" cy="369332"/>
+            <a:off x="142069" y="3968712"/>
+            <a:ext cx="2726620" cy="1446550"/>
           </a:xfrm>
           <a:prstGeom prst="rect">
             <a:avLst/>
@@ -10787,66 +11905,204 @@
           </a:bodyPr>
           <a:lstStyle/>
           <a:p>
-            <a:r>
-              <a:rPr lang="en-US" sz="900" dirty="0"/>
-              <a:t>HTML Parsing</a:t>
-            </a:r>
+            <a:pPr marL="228600" indent="-228600">
+              <a:buFont typeface="+mj-lt"/>
+              <a:buAutoNum type="arabicPeriod"/>
+            </a:pPr>
+            <a:r>
+              <a:rPr lang="en-US" sz="800" dirty="0"/>
+              <a:t>Users supply story ideas and tag items of interest in the body of text which will be fetched and represented in the output of the application.</a:t>
+            </a:r>
+          </a:p>
+          <a:p>
+            <a:pPr marL="228600" indent="-228600">
+              <a:buFont typeface="+mj-lt"/>
+              <a:buAutoNum type="arabicPeriod"/>
+            </a:pPr>
+            <a:r>
+              <a:rPr lang="en-US" sz="800" dirty="0"/>
+              <a:t>Highlight Headings with markdown headings</a:t>
+            </a:r>
+          </a:p>
+          <a:p>
+            <a:pPr marL="228600" indent="-228600">
+              <a:buFont typeface="+mj-lt"/>
+              <a:buAutoNum type="arabicPeriod"/>
+            </a:pPr>
+            <a:r>
+              <a:rPr lang="en-US" sz="800" dirty="0"/>
+              <a:t>Use Bold to highlight items of importance in this case a Hobgoblin is important to the Hamlet Scene.</a:t>
+            </a:r>
+          </a:p>
+          <a:p>
+            <a:pPr marL="228600" indent="-228600">
+              <a:buFont typeface="+mj-lt"/>
+              <a:buAutoNum type="arabicPeriod"/>
+            </a:pPr>
+            <a:r>
+              <a:rPr lang="en-US" sz="800" dirty="0"/>
+              <a:t>Define the Dictionary and what actions to be taken.  In this case we want to make our Hobgoblin Five Challenge Ratings Higher than it starts at</a:t>
+            </a:r>
+          </a:p>
+          <a:p>
+            <a:pPr marL="228600" indent="-228600">
+              <a:buFont typeface="+mj-lt"/>
+              <a:buAutoNum type="arabicPeriod"/>
+            </a:pPr>
+            <a:endParaRPr lang="en-US" sz="800" dirty="0"/>
+          </a:p>
+          <a:p>
+            <a:pPr marL="228600" indent="-228600">
+              <a:buFont typeface="+mj-lt"/>
+              <a:buAutoNum type="arabicPeriod"/>
+            </a:pPr>
+            <a:endParaRPr lang="en-US" sz="800" dirty="0"/>
           </a:p>
         </p:txBody>
       </p:sp>
-      <p:pic>
-        <p:nvPicPr>
-          <p:cNvPr id="6" name="Picture 2" descr="Image result for grand valley state university vector logo">
+      <p:cxnSp>
+        <p:nvCxnSpPr>
+          <p:cNvPr id="9" name="Straight Connector 8">
             <a:extLst>
               <a:ext uri="{FF2B5EF4-FFF2-40B4-BE49-F238E27FC236}">
-                <a16:creationId xmlns:a16="http://schemas.microsoft.com/office/drawing/2014/main" id="{4312647C-8B10-4CA9-A45D-B6213B402D40}"/>
+                <a16:creationId xmlns:a16="http://schemas.microsoft.com/office/drawing/2014/main" id="{9129B926-568A-44B1-B043-F76E06B277A9}"/>
               </a:ext>
             </a:extLst>
           </p:cNvPr>
-          <p:cNvPicPr>
-            <a:picLocks noChangeAspect="1" noChangeArrowheads="1"/>
-          </p:cNvPicPr>
+          <p:cNvCxnSpPr>
+            <a:cxnSpLocks/>
+          </p:cNvCxnSpPr>
           <p:nvPr/>
-        </p:nvPicPr>
-        <p:blipFill>
-          <a:blip r:embed="rId9">
-            <a:extLst>
-              <a:ext uri="{28A0092B-C50C-407E-A947-70E740481C1C}">
-                <a14:useLocalDpi xmlns:a14="http://schemas.microsoft.com/office/drawing/2010/main" val="0"/>
-              </a:ext>
-            </a:extLst>
-          </a:blip>
-          <a:srcRect/>
-          <a:stretch>
-            <a:fillRect/>
-          </a:stretch>
-        </p:blipFill>
-        <p:spPr bwMode="auto">
+        </p:nvCxnSpPr>
+        <p:spPr>
           <a:xfrm>
-            <a:off x="10691757" y="33585"/>
-            <a:ext cx="1429160" cy="420427"/>
+            <a:off x="122643" y="609600"/>
+            <a:ext cx="9253528" cy="0"/>
           </a:xfrm>
-          <a:prstGeom prst="rect">
+          <a:prstGeom prst="line">
             <a:avLst/>
           </a:prstGeom>
-          <a:noFill/>
-          <a:extLst>
-            <a:ext uri="{909E8E84-426E-40DD-AFC4-6F175D3DCCD1}">
-              <a14:hiddenFill xmlns:a14="http://schemas.microsoft.com/office/drawing/2010/main">
-                <a:solidFill>
-                  <a:srgbClr val="FFFFFF"/>
-                </a:solidFill>
-              </a14:hiddenFill>
-            </a:ext>
-          </a:extLst>
+          <a:ln w="15875">
+            <a:solidFill>
+              <a:srgbClr val="D7D8BA"/>
+            </a:solidFill>
+          </a:ln>
         </p:spPr>
-      </p:pic>
+        <p:style>
+          <a:lnRef idx="1">
+            <a:schemeClr val="accent1"/>
+          </a:lnRef>
+          <a:fillRef idx="0">
+            <a:schemeClr val="accent1"/>
+          </a:fillRef>
+          <a:effectRef idx="0">
+            <a:schemeClr val="accent1"/>
+          </a:effectRef>
+          <a:fontRef idx="minor">
+            <a:schemeClr val="tx1"/>
+          </a:fontRef>
+        </p:style>
+      </p:cxnSp>
+      <p:cxnSp>
+        <p:nvCxnSpPr>
+          <p:cNvPr id="36" name="Straight Connector 35">
+            <a:extLst>
+              <a:ext uri="{FF2B5EF4-FFF2-40B4-BE49-F238E27FC236}">
+                <a16:creationId xmlns:a16="http://schemas.microsoft.com/office/drawing/2014/main" id="{D012DD52-36D2-43A3-8AF2-6B7E1579EF07}"/>
+              </a:ext>
+            </a:extLst>
+          </p:cNvPr>
+          <p:cNvCxnSpPr>
+            <a:cxnSpLocks/>
+          </p:cNvCxnSpPr>
+          <p:nvPr/>
+        </p:nvCxnSpPr>
+        <p:spPr>
+          <a:xfrm>
+            <a:off x="181550" y="647700"/>
+            <a:ext cx="9253528" cy="0"/>
+          </a:xfrm>
+          <a:prstGeom prst="line">
+            <a:avLst/>
+          </a:prstGeom>
+          <a:ln w="15875">
+            <a:solidFill>
+              <a:srgbClr val="D7D8BA"/>
+            </a:solidFill>
+          </a:ln>
+        </p:spPr>
+        <p:style>
+          <a:lnRef idx="1">
+            <a:schemeClr val="accent1"/>
+          </a:lnRef>
+          <a:fillRef idx="0">
+            <a:schemeClr val="accent1"/>
+          </a:fillRef>
+          <a:effectRef idx="0">
+            <a:schemeClr val="accent1"/>
+          </a:effectRef>
+          <a:fontRef idx="minor">
+            <a:schemeClr val="tx1"/>
+          </a:fontRef>
+        </p:style>
+      </p:cxnSp>
+      <mc:AlternateContent xmlns:mc="http://schemas.openxmlformats.org/markup-compatibility/2006" xmlns:p14="http://schemas.microsoft.com/office/powerpoint/2010/main">
+        <mc:Choice Requires="p14">
+          <p:contentPart p14:bwMode="auto" r:id="rId4">
+            <p14:nvContentPartPr>
+              <p14:cNvPr id="44" name="Ink 43">
+                <a:extLst>
+                  <a:ext uri="{FF2B5EF4-FFF2-40B4-BE49-F238E27FC236}">
+                    <a16:creationId xmlns:a16="http://schemas.microsoft.com/office/drawing/2014/main" id="{A6BA0CD2-0E4F-4A2E-ABE6-2E7D420BBF6C}"/>
+                  </a:ext>
+                </a:extLst>
+              </p14:cNvPr>
+              <p14:cNvContentPartPr/>
+              <p14:nvPr/>
+            </p14:nvContentPartPr>
+            <p14:xfrm>
+              <a:off x="9359899" y="394620"/>
+              <a:ext cx="604800" cy="506160"/>
+            </p14:xfrm>
+          </p:contentPart>
+        </mc:Choice>
+        <mc:Fallback xmlns="">
+          <p:pic>
+            <p:nvPicPr>
+              <p:cNvPr id="44" name="Ink 43">
+                <a:extLst>
+                  <a:ext uri="{FF2B5EF4-FFF2-40B4-BE49-F238E27FC236}">
+                    <a16:creationId xmlns:a16="http://schemas.microsoft.com/office/drawing/2014/main" id="{A6BA0CD2-0E4F-4A2E-ABE6-2E7D420BBF6C}"/>
+                  </a:ext>
+                </a:extLst>
+              </p:cNvPr>
+              <p:cNvPicPr/>
+              <p:nvPr/>
+            </p:nvPicPr>
+            <p:blipFill>
+              <a:blip r:embed="rId5"/>
+              <a:stretch>
+                <a:fillRect/>
+              </a:stretch>
+            </p:blipFill>
+            <p:spPr>
+              <a:xfrm>
+                <a:off x="9347291" y="382029"/>
+                <a:ext cx="630015" cy="531342"/>
+              </a:xfrm>
+              <a:prstGeom prst="rect">
+                <a:avLst/>
+              </a:prstGeom>
+            </p:spPr>
+          </p:pic>
+        </mc:Fallback>
+      </mc:AlternateContent>
       <p:sp>
         <p:nvSpPr>
-          <p:cNvPr id="7" name="TextBox 6">
+          <p:cNvPr id="37" name="TextBox 36">
             <a:extLst>
               <a:ext uri="{FF2B5EF4-FFF2-40B4-BE49-F238E27FC236}">
-                <a16:creationId xmlns:a16="http://schemas.microsoft.com/office/drawing/2014/main" id="{2BEAC9B4-96DE-4806-8427-80BD9DDE3F5F}"/>
+                <a16:creationId xmlns:a16="http://schemas.microsoft.com/office/drawing/2014/main" id="{4E6C59A2-29B1-4426-A7D8-E2ECC72AE1FD}"/>
               </a:ext>
             </a:extLst>
           </p:cNvPr>
@@ -10855,120 +12111,8 @@
         </p:nvSpPr>
         <p:spPr>
           <a:xfrm>
-            <a:off x="110298" y="724575"/>
-            <a:ext cx="1301959" cy="369332"/>
-          </a:xfrm>
-          <a:prstGeom prst="rect">
-            <a:avLst/>
-          </a:prstGeom>
-          <a:noFill/>
-        </p:spPr>
-        <p:txBody>
-          <a:bodyPr wrap="none" rtlCol="0">
-            <a:spAutoFit/>
-          </a:bodyPr>
-          <a:lstStyle/>
-          <a:p>
-            <a:r>
-              <a:rPr lang="en-US" dirty="0">
-                <a:latin typeface="Algerian" panose="04020705040A02060702" pitchFamily="82" charset="0"/>
-              </a:rPr>
-              <a:t>Overview</a:t>
-            </a:r>
-          </a:p>
-        </p:txBody>
-      </p:sp>
-      <p:sp>
-        <p:nvSpPr>
-          <p:cNvPr id="24" name="TextBox 23">
-            <a:extLst>
-              <a:ext uri="{FF2B5EF4-FFF2-40B4-BE49-F238E27FC236}">
-                <a16:creationId xmlns:a16="http://schemas.microsoft.com/office/drawing/2014/main" id="{EC753DB4-5250-4655-9B8D-97F4C7E4C434}"/>
-              </a:ext>
-            </a:extLst>
-          </p:cNvPr>
-          <p:cNvSpPr txBox="1"/>
-          <p:nvPr/>
-        </p:nvSpPr>
-        <p:spPr>
-          <a:xfrm>
-            <a:off x="3336395" y="724576"/>
-            <a:ext cx="1321196" cy="369332"/>
-          </a:xfrm>
-          <a:prstGeom prst="rect">
-            <a:avLst/>
-          </a:prstGeom>
-          <a:noFill/>
-        </p:spPr>
-        <p:txBody>
-          <a:bodyPr wrap="none" rtlCol="0">
-            <a:spAutoFit/>
-          </a:bodyPr>
-          <a:lstStyle/>
-          <a:p>
-            <a:r>
-              <a:rPr lang="en-US" dirty="0">
-                <a:latin typeface="Algerian" panose="04020705040A02060702" pitchFamily="82" charset="0"/>
-              </a:rPr>
-              <a:t>Features</a:t>
-            </a:r>
-          </a:p>
-        </p:txBody>
-      </p:sp>
-      <p:sp>
-        <p:nvSpPr>
-          <p:cNvPr id="25" name="TextBox 24">
-            <a:extLst>
-              <a:ext uri="{FF2B5EF4-FFF2-40B4-BE49-F238E27FC236}">
-                <a16:creationId xmlns:a16="http://schemas.microsoft.com/office/drawing/2014/main" id="{23B1ECCB-D87C-4136-86B3-DA147DB9F9CE}"/>
-              </a:ext>
-            </a:extLst>
-          </p:cNvPr>
-          <p:cNvSpPr txBox="1"/>
-          <p:nvPr/>
-        </p:nvSpPr>
-        <p:spPr>
-          <a:xfrm>
-            <a:off x="128338" y="3504838"/>
-            <a:ext cx="1337226" cy="369332"/>
-          </a:xfrm>
-          <a:prstGeom prst="rect">
-            <a:avLst/>
-          </a:prstGeom>
-          <a:noFill/>
-        </p:spPr>
-        <p:txBody>
-          <a:bodyPr wrap="none" rtlCol="0">
-            <a:spAutoFit/>
-          </a:bodyPr>
-          <a:lstStyle/>
-          <a:p>
-            <a:r>
-              <a:rPr lang="en-US" dirty="0">
-                <a:latin typeface="Algerian" panose="04020705040A02060702" pitchFamily="82" charset="0"/>
-                <a:cs typeface="Aldhabi" panose="020B0604020202020204" pitchFamily="2" charset="-78"/>
-              </a:rPr>
-              <a:t>Solutions</a:t>
-            </a:r>
-          </a:p>
-        </p:txBody>
-      </p:sp>
-      <p:sp>
-        <p:nvSpPr>
-          <p:cNvPr id="8" name="TextBox 7">
-            <a:extLst>
-              <a:ext uri="{FF2B5EF4-FFF2-40B4-BE49-F238E27FC236}">
-                <a16:creationId xmlns:a16="http://schemas.microsoft.com/office/drawing/2014/main" id="{6B419581-5AEE-4051-BAF0-2C36C3245E74}"/>
-              </a:ext>
-            </a:extLst>
-          </p:cNvPr>
-          <p:cNvSpPr txBox="1"/>
-          <p:nvPr/>
-        </p:nvSpPr>
-        <p:spPr>
-          <a:xfrm>
-            <a:off x="181550" y="1084254"/>
-            <a:ext cx="3083593" cy="1169551"/>
+            <a:off x="10449891" y="557869"/>
+            <a:ext cx="1742110" cy="400110"/>
           </a:xfrm>
           <a:prstGeom prst="rect">
             <a:avLst/>
@@ -10982,27 +12126,40 @@
           <a:lstStyle/>
           <a:p>
             <a:r>
+              <a:rPr lang="en-US" sz="1000" u="sng" dirty="0"/>
+              <a:t>Created By</a:t>
+            </a:r>
+            <a:r>
               <a:rPr lang="en-US" sz="1000" dirty="0"/>
-              <a:t>Dungeons and Dragons is a role playing game where one player assumes the role of the Dungeon Master.  This player is responsible for dreaming up adventures for the other players to embark upon.</a:t>
-            </a:r>
-          </a:p>
-          <a:p>
-            <a:endParaRPr lang="en-US" sz="1000" dirty="0"/>
-          </a:p>
-          <a:p>
+              <a:t>: </a:t>
+            </a:r>
+            <a:r>
+              <a:rPr lang="en-US" sz="1000" b="1" dirty="0"/>
+              <a:t>Ryan Solnik</a:t>
+            </a:r>
+          </a:p>
+          <a:p>
+            <a:r>
+              <a:rPr lang="en-US" sz="1000" u="sng" dirty="0"/>
+              <a:t>Advised By</a:t>
+            </a:r>
             <a:r>
               <a:rPr lang="en-US" sz="1000" dirty="0"/>
-              <a:t>Preparing games for dungeons and dragons can be a daunting task that is filled with </a:t>
+              <a:t>: </a:t>
+            </a:r>
+            <a:r>
+              <a:rPr lang="en-US" sz="1000" b="1" dirty="0"/>
+              <a:t>Dr. Robert Adams</a:t>
             </a:r>
           </a:p>
         </p:txBody>
       </p:sp>
       <p:sp>
         <p:nvSpPr>
-          <p:cNvPr id="32" name="Rectangle 31">
+          <p:cNvPr id="39" name="Rectangle 38">
             <a:extLst>
               <a:ext uri="{FF2B5EF4-FFF2-40B4-BE49-F238E27FC236}">
-                <a16:creationId xmlns:a16="http://schemas.microsoft.com/office/drawing/2014/main" id="{0532CC50-0067-4B49-8C0D-BF44C1AD96D8}"/>
+                <a16:creationId xmlns:a16="http://schemas.microsoft.com/office/drawing/2014/main" id="{1C731C3A-1B95-4655-A080-8199881C9432}"/>
               </a:ext>
             </a:extLst>
           </p:cNvPr>
@@ -11011,8 +12168,8 @@
         </p:nvSpPr>
         <p:spPr>
           <a:xfrm>
-            <a:off x="122643" y="3852891"/>
-            <a:ext cx="3208056" cy="2872759"/>
+            <a:off x="3036773" y="3924300"/>
+            <a:ext cx="2799711" cy="2801350"/>
           </a:xfrm>
           <a:prstGeom prst="rect">
             <a:avLst/>
@@ -11049,10 +12206,723 @@
       </p:sp>
       <p:sp>
         <p:nvSpPr>
-          <p:cNvPr id="33" name="TextBox 32">
+          <p:cNvPr id="42" name="Rectangle 41">
             <a:extLst>
               <a:ext uri="{FF2B5EF4-FFF2-40B4-BE49-F238E27FC236}">
-                <a16:creationId xmlns:a16="http://schemas.microsoft.com/office/drawing/2014/main" id="{ED1142FC-4780-4536-872F-2A2386ACCB3D}"/>
+                <a16:creationId xmlns:a16="http://schemas.microsoft.com/office/drawing/2014/main" id="{4ECD9337-F57E-4AE0-A3F2-90D3B1942F46}"/>
+              </a:ext>
+            </a:extLst>
+          </p:cNvPr>
+          <p:cNvSpPr/>
+          <p:nvPr/>
+        </p:nvSpPr>
+        <p:spPr>
+          <a:xfrm>
+            <a:off x="5900792" y="3923578"/>
+            <a:ext cx="2795218" cy="2806420"/>
+          </a:xfrm>
+          <a:prstGeom prst="rect">
+            <a:avLst/>
+          </a:prstGeom>
+          <a:noFill/>
+          <a:ln>
+            <a:solidFill>
+              <a:srgbClr val="D7D8BA"/>
+            </a:solidFill>
+          </a:ln>
+        </p:spPr>
+        <p:style>
+          <a:lnRef idx="3">
+            <a:schemeClr val="lt1"/>
+          </a:lnRef>
+          <a:fillRef idx="1">
+            <a:schemeClr val="accent3"/>
+          </a:fillRef>
+          <a:effectRef idx="1">
+            <a:schemeClr val="accent3"/>
+          </a:effectRef>
+          <a:fontRef idx="minor">
+            <a:schemeClr val="lt1"/>
+          </a:fontRef>
+        </p:style>
+        <p:txBody>
+          <a:bodyPr rtlCol="0" anchor="ctr"/>
+          <a:lstStyle/>
+          <a:p>
+            <a:pPr algn="ctr"/>
+            <a:endParaRPr lang="en-US" dirty="0"/>
+          </a:p>
+        </p:txBody>
+      </p:sp>
+      <p:sp>
+        <p:nvSpPr>
+          <p:cNvPr id="46" name="Rectangle 45">
+            <a:extLst>
+              <a:ext uri="{FF2B5EF4-FFF2-40B4-BE49-F238E27FC236}">
+                <a16:creationId xmlns:a16="http://schemas.microsoft.com/office/drawing/2014/main" id="{547D22C1-0CB5-49D1-8867-AA5D84A215DA}"/>
+              </a:ext>
+            </a:extLst>
+          </p:cNvPr>
+          <p:cNvSpPr/>
+          <p:nvPr/>
+        </p:nvSpPr>
+        <p:spPr>
+          <a:xfrm>
+            <a:off x="3036687" y="1041591"/>
+            <a:ext cx="5669800" cy="2825479"/>
+          </a:xfrm>
+          <a:prstGeom prst="rect">
+            <a:avLst/>
+          </a:prstGeom>
+          <a:noFill/>
+          <a:ln>
+            <a:solidFill>
+              <a:srgbClr val="D7D8BA"/>
+            </a:solidFill>
+          </a:ln>
+        </p:spPr>
+        <p:style>
+          <a:lnRef idx="3">
+            <a:schemeClr val="lt1"/>
+          </a:lnRef>
+          <a:fillRef idx="1">
+            <a:schemeClr val="accent3"/>
+          </a:fillRef>
+          <a:effectRef idx="1">
+            <a:schemeClr val="accent3"/>
+          </a:effectRef>
+          <a:fontRef idx="minor">
+            <a:schemeClr val="lt1"/>
+          </a:fontRef>
+        </p:style>
+        <p:txBody>
+          <a:bodyPr rtlCol="0" anchor="ctr"/>
+          <a:lstStyle/>
+          <a:p>
+            <a:pPr algn="ctr"/>
+            <a:endParaRPr lang="en-US" dirty="0"/>
+          </a:p>
+        </p:txBody>
+      </p:sp>
+      <p:pic>
+        <p:nvPicPr>
+          <p:cNvPr id="47" name="Picture 46">
+            <a:extLst>
+              <a:ext uri="{FF2B5EF4-FFF2-40B4-BE49-F238E27FC236}">
+                <a16:creationId xmlns:a16="http://schemas.microsoft.com/office/drawing/2014/main" id="{6E5DF100-5B5C-4ABC-A8AE-D8A29D51BBF4}"/>
+              </a:ext>
+            </a:extLst>
+          </p:cNvPr>
+          <p:cNvPicPr>
+            <a:picLocks noChangeAspect="1"/>
+          </p:cNvPicPr>
+          <p:nvPr/>
+        </p:nvPicPr>
+        <p:blipFill>
+          <a:blip r:embed="rId6"/>
+          <a:stretch>
+            <a:fillRect/>
+          </a:stretch>
+        </p:blipFill>
+        <p:spPr>
+          <a:xfrm>
+            <a:off x="6844418" y="6008723"/>
+            <a:ext cx="656771" cy="648595"/>
+          </a:xfrm>
+          <a:prstGeom prst="rect">
+            <a:avLst/>
+          </a:prstGeom>
+        </p:spPr>
+      </p:pic>
+      <p:pic>
+        <p:nvPicPr>
+          <p:cNvPr id="48" name="Picture 2" descr="Image result for python programming language dragon icon">
+            <a:extLst>
+              <a:ext uri="{FF2B5EF4-FFF2-40B4-BE49-F238E27FC236}">
+                <a16:creationId xmlns:a16="http://schemas.microsoft.com/office/drawing/2014/main" id="{FE9837A9-0EA5-46E7-9B11-F071849D5363}"/>
+              </a:ext>
+            </a:extLst>
+          </p:cNvPr>
+          <p:cNvPicPr>
+            <a:picLocks noChangeAspect="1" noChangeArrowheads="1"/>
+          </p:cNvPicPr>
+          <p:nvPr/>
+        </p:nvPicPr>
+        <p:blipFill>
+          <a:blip r:embed="rId7">
+            <a:extLst>
+              <a:ext uri="{28A0092B-C50C-407E-A947-70E740481C1C}">
+                <a14:useLocalDpi xmlns:a14="http://schemas.microsoft.com/office/drawing/2010/main" val="0"/>
+              </a:ext>
+            </a:extLst>
+          </a:blip>
+          <a:srcRect/>
+          <a:stretch>
+            <a:fillRect/>
+          </a:stretch>
+        </p:blipFill>
+        <p:spPr bwMode="auto">
+          <a:xfrm>
+            <a:off x="7928673" y="757924"/>
+            <a:ext cx="738123" cy="738123"/>
+          </a:xfrm>
+          <a:prstGeom prst="rect">
+            <a:avLst/>
+          </a:prstGeom>
+          <a:noFill/>
+          <a:extLst>
+            <a:ext uri="{909E8E84-426E-40DD-AFC4-6F175D3DCCD1}">
+              <a14:hiddenFill xmlns:a14="http://schemas.microsoft.com/office/drawing/2010/main">
+                <a:solidFill>
+                  <a:srgbClr val="FFFFFF"/>
+                </a:solidFill>
+              </a14:hiddenFill>
+            </a:ext>
+          </a:extLst>
+        </p:spPr>
+      </p:pic>
+      <p:pic>
+        <p:nvPicPr>
+          <p:cNvPr id="14" name="Picture 13">
+            <a:extLst>
+              <a:ext uri="{FF2B5EF4-FFF2-40B4-BE49-F238E27FC236}">
+                <a16:creationId xmlns:a16="http://schemas.microsoft.com/office/drawing/2014/main" id="{945C5D6B-EE22-4950-A3B4-327A9ABAD5A3}"/>
+              </a:ext>
+            </a:extLst>
+          </p:cNvPr>
+          <p:cNvPicPr>
+            <a:picLocks noChangeAspect="1"/>
+          </p:cNvPicPr>
+          <p:nvPr/>
+        </p:nvPicPr>
+        <p:blipFill>
+          <a:blip r:embed="rId8"/>
+          <a:stretch>
+            <a:fillRect/>
+          </a:stretch>
+        </p:blipFill>
+        <p:spPr>
+          <a:xfrm>
+            <a:off x="3105408" y="4818592"/>
+            <a:ext cx="560146" cy="554400"/>
+          </a:xfrm>
+          <a:prstGeom prst="rect">
+            <a:avLst/>
+          </a:prstGeom>
+        </p:spPr>
+      </p:pic>
+      <p:sp>
+        <p:nvSpPr>
+          <p:cNvPr id="51" name="Arrow: Right 50">
+            <a:extLst>
+              <a:ext uri="{FF2B5EF4-FFF2-40B4-BE49-F238E27FC236}">
+                <a16:creationId xmlns:a16="http://schemas.microsoft.com/office/drawing/2014/main" id="{B00A8A95-B7C2-4613-ADED-4A18B3CDD300}"/>
+              </a:ext>
+            </a:extLst>
+          </p:cNvPr>
+          <p:cNvSpPr/>
+          <p:nvPr/>
+        </p:nvSpPr>
+        <p:spPr>
+          <a:xfrm>
+            <a:off x="3650648" y="4953367"/>
+            <a:ext cx="1289975" cy="262111"/>
+          </a:xfrm>
+          <a:prstGeom prst="rightArrow">
+            <a:avLst>
+              <a:gd name="adj1" fmla="val 31798"/>
+              <a:gd name="adj2" fmla="val 77302"/>
+            </a:avLst>
+          </a:prstGeom>
+          <a:gradFill>
+            <a:gsLst>
+              <a:gs pos="0">
+                <a:srgbClr val="7A0000"/>
+              </a:gs>
+              <a:gs pos="48000">
+                <a:srgbClr val="C00000"/>
+              </a:gs>
+              <a:gs pos="100000">
+                <a:srgbClr val="FF0000"/>
+              </a:gs>
+            </a:gsLst>
+            <a:lin ang="0" scaled="1"/>
+          </a:gradFill>
+          <a:ln>
+            <a:solidFill>
+              <a:srgbClr val="C00000">
+                <a:alpha val="0"/>
+              </a:srgbClr>
+            </a:solidFill>
+          </a:ln>
+        </p:spPr>
+        <p:style>
+          <a:lnRef idx="2">
+            <a:schemeClr val="accent2">
+              <a:shade val="50000"/>
+            </a:schemeClr>
+          </a:lnRef>
+          <a:fillRef idx="1">
+            <a:schemeClr val="accent2"/>
+          </a:fillRef>
+          <a:effectRef idx="0">
+            <a:schemeClr val="accent2"/>
+          </a:effectRef>
+          <a:fontRef idx="minor">
+            <a:schemeClr val="lt1"/>
+          </a:fontRef>
+        </p:style>
+        <p:txBody>
+          <a:bodyPr rtlCol="0" anchor="ctr"/>
+          <a:lstStyle/>
+          <a:p>
+            <a:pPr algn="ctr"/>
+            <a:endParaRPr lang="en-US"/>
+          </a:p>
+        </p:txBody>
+      </p:sp>
+      <p:sp>
+        <p:nvSpPr>
+          <p:cNvPr id="15" name="Right Triangle 14">
+            <a:extLst>
+              <a:ext uri="{FF2B5EF4-FFF2-40B4-BE49-F238E27FC236}">
+                <a16:creationId xmlns:a16="http://schemas.microsoft.com/office/drawing/2014/main" id="{62DC6344-27EE-49FD-B919-01440C8DAE40}"/>
+              </a:ext>
+            </a:extLst>
+          </p:cNvPr>
+          <p:cNvSpPr/>
+          <p:nvPr/>
+        </p:nvSpPr>
+        <p:spPr>
+          <a:xfrm flipV="1">
+            <a:off x="122643" y="3842056"/>
+            <a:ext cx="1135288" cy="45719"/>
+          </a:xfrm>
+          <a:prstGeom prst="rtTriangle">
+            <a:avLst/>
+          </a:prstGeom>
+          <a:solidFill>
+            <a:srgbClr val="C00000"/>
+          </a:solidFill>
+          <a:ln>
+            <a:solidFill>
+              <a:srgbClr val="7A0000"/>
+            </a:solidFill>
+          </a:ln>
+        </p:spPr>
+        <p:style>
+          <a:lnRef idx="2">
+            <a:schemeClr val="accent1">
+              <a:shade val="50000"/>
+            </a:schemeClr>
+          </a:lnRef>
+          <a:fillRef idx="1">
+            <a:schemeClr val="accent1"/>
+          </a:fillRef>
+          <a:effectRef idx="0">
+            <a:schemeClr val="accent1"/>
+          </a:effectRef>
+          <a:fontRef idx="minor">
+            <a:schemeClr val="lt1"/>
+          </a:fontRef>
+        </p:style>
+        <p:txBody>
+          <a:bodyPr rtlCol="0" anchor="ctr"/>
+          <a:lstStyle/>
+          <a:p>
+            <a:pPr algn="ctr"/>
+            <a:endParaRPr lang="en-US"/>
+          </a:p>
+        </p:txBody>
+      </p:sp>
+      <p:sp>
+        <p:nvSpPr>
+          <p:cNvPr id="52" name="Right Triangle 51">
+            <a:extLst>
+              <a:ext uri="{FF2B5EF4-FFF2-40B4-BE49-F238E27FC236}">
+                <a16:creationId xmlns:a16="http://schemas.microsoft.com/office/drawing/2014/main" id="{BF99E321-733A-487A-8BE5-0F5109DABE08}"/>
+              </a:ext>
+            </a:extLst>
+          </p:cNvPr>
+          <p:cNvSpPr/>
+          <p:nvPr/>
+        </p:nvSpPr>
+        <p:spPr>
+          <a:xfrm flipV="1">
+            <a:off x="129859" y="965590"/>
+            <a:ext cx="1135288" cy="45719"/>
+          </a:xfrm>
+          <a:prstGeom prst="rtTriangle">
+            <a:avLst/>
+          </a:prstGeom>
+          <a:solidFill>
+            <a:srgbClr val="C00000">
+              <a:alpha val="81000"/>
+            </a:srgbClr>
+          </a:solidFill>
+          <a:ln>
+            <a:solidFill>
+              <a:srgbClr val="C00000">
+                <a:alpha val="84000"/>
+              </a:srgbClr>
+            </a:solidFill>
+          </a:ln>
+        </p:spPr>
+        <p:style>
+          <a:lnRef idx="2">
+            <a:schemeClr val="accent1">
+              <a:shade val="50000"/>
+            </a:schemeClr>
+          </a:lnRef>
+          <a:fillRef idx="1">
+            <a:schemeClr val="accent1"/>
+          </a:fillRef>
+          <a:effectRef idx="0">
+            <a:schemeClr val="accent1"/>
+          </a:effectRef>
+          <a:fontRef idx="minor">
+            <a:schemeClr val="lt1"/>
+          </a:fontRef>
+        </p:style>
+        <p:txBody>
+          <a:bodyPr rtlCol="0" anchor="ctr"/>
+          <a:lstStyle/>
+          <a:p>
+            <a:pPr algn="ctr"/>
+            <a:endParaRPr lang="en-US"/>
+          </a:p>
+        </p:txBody>
+      </p:sp>
+      <p:sp>
+        <p:nvSpPr>
+          <p:cNvPr id="54" name="Right Triangle 53">
+            <a:extLst>
+              <a:ext uri="{FF2B5EF4-FFF2-40B4-BE49-F238E27FC236}">
+                <a16:creationId xmlns:a16="http://schemas.microsoft.com/office/drawing/2014/main" id="{957842A3-44A4-4B87-B884-8521FC05D065}"/>
+              </a:ext>
+            </a:extLst>
+          </p:cNvPr>
+          <p:cNvSpPr/>
+          <p:nvPr/>
+        </p:nvSpPr>
+        <p:spPr>
+          <a:xfrm flipV="1">
+            <a:off x="8799100" y="1003811"/>
+            <a:ext cx="900959" cy="47102"/>
+          </a:xfrm>
+          <a:prstGeom prst="rtTriangle">
+            <a:avLst/>
+          </a:prstGeom>
+          <a:solidFill>
+            <a:srgbClr val="C00000"/>
+          </a:solidFill>
+          <a:ln>
+            <a:solidFill>
+              <a:srgbClr val="C00000"/>
+            </a:solidFill>
+          </a:ln>
+        </p:spPr>
+        <p:style>
+          <a:lnRef idx="2">
+            <a:schemeClr val="accent1">
+              <a:shade val="50000"/>
+            </a:schemeClr>
+          </a:lnRef>
+          <a:fillRef idx="1">
+            <a:schemeClr val="accent1"/>
+          </a:fillRef>
+          <a:effectRef idx="0">
+            <a:schemeClr val="accent1"/>
+          </a:effectRef>
+          <a:fontRef idx="minor">
+            <a:schemeClr val="lt1"/>
+          </a:fontRef>
+        </p:style>
+        <p:txBody>
+          <a:bodyPr rtlCol="0" anchor="ctr"/>
+          <a:lstStyle/>
+          <a:p>
+            <a:pPr algn="ctr"/>
+            <a:endParaRPr lang="en-US"/>
+          </a:p>
+        </p:txBody>
+      </p:sp>
+      <p:pic>
+        <p:nvPicPr>
+          <p:cNvPr id="17" name="Picture 16">
+            <a:extLst>
+              <a:ext uri="{FF2B5EF4-FFF2-40B4-BE49-F238E27FC236}">
+                <a16:creationId xmlns:a16="http://schemas.microsoft.com/office/drawing/2014/main" id="{16F45C8C-E80E-4287-9247-11EB8DA7A737}"/>
+              </a:ext>
+            </a:extLst>
+          </p:cNvPr>
+          <p:cNvPicPr>
+            <a:picLocks noChangeAspect="1"/>
+          </p:cNvPicPr>
+          <p:nvPr/>
+        </p:nvPicPr>
+        <p:blipFill>
+          <a:blip r:embed="rId9"/>
+          <a:stretch>
+            <a:fillRect/>
+          </a:stretch>
+        </p:blipFill>
+        <p:spPr>
+          <a:xfrm>
+            <a:off x="5990581" y="5991483"/>
+            <a:ext cx="905242" cy="714095"/>
+          </a:xfrm>
+          <a:prstGeom prst="rect">
+            <a:avLst/>
+          </a:prstGeom>
+        </p:spPr>
+      </p:pic>
+      <p:pic>
+        <p:nvPicPr>
+          <p:cNvPr id="19" name="Picture 18">
+            <a:extLst>
+              <a:ext uri="{FF2B5EF4-FFF2-40B4-BE49-F238E27FC236}">
+                <a16:creationId xmlns:a16="http://schemas.microsoft.com/office/drawing/2014/main" id="{497CACD4-92F5-4749-B0C7-AF495DCF21C8}"/>
+              </a:ext>
+            </a:extLst>
+          </p:cNvPr>
+          <p:cNvPicPr>
+            <a:picLocks noChangeAspect="1"/>
+          </p:cNvPicPr>
+          <p:nvPr/>
+        </p:nvPicPr>
+        <p:blipFill>
+          <a:blip r:embed="rId10"/>
+          <a:stretch>
+            <a:fillRect/>
+          </a:stretch>
+        </p:blipFill>
+        <p:spPr>
+          <a:xfrm>
+            <a:off x="7609562" y="5808036"/>
+            <a:ext cx="996306" cy="850828"/>
+          </a:xfrm>
+          <a:prstGeom prst="rect">
+            <a:avLst/>
+          </a:prstGeom>
+        </p:spPr>
+      </p:pic>
+      <p:sp>
+        <p:nvSpPr>
+          <p:cNvPr id="28" name="Rectangle 27">
+            <a:extLst>
+              <a:ext uri="{FF2B5EF4-FFF2-40B4-BE49-F238E27FC236}">
+                <a16:creationId xmlns:a16="http://schemas.microsoft.com/office/drawing/2014/main" id="{8F8BFB2F-3107-4F82-9E98-6E8FD08A9E9A}"/>
+              </a:ext>
+            </a:extLst>
+          </p:cNvPr>
+          <p:cNvSpPr/>
+          <p:nvPr/>
+        </p:nvSpPr>
+        <p:spPr>
+          <a:xfrm>
+            <a:off x="5869523" y="4303903"/>
+            <a:ext cx="2866365" cy="1169551"/>
+          </a:xfrm>
+          <a:prstGeom prst="rect">
+            <a:avLst/>
+          </a:prstGeom>
+        </p:spPr>
+        <p:txBody>
+          <a:bodyPr wrap="square">
+            <a:spAutoFit/>
+          </a:bodyPr>
+          <a:lstStyle/>
+          <a:p>
+            <a:r>
+              <a:rPr lang="en-US" sz="1000" b="1" dirty="0"/>
+              <a:t>Postgres</a:t>
+            </a:r>
+            <a:r>
+              <a:rPr lang="en-US" sz="1000" dirty="0"/>
+              <a:t> </a:t>
+            </a:r>
+            <a:r>
+              <a:rPr lang="en-US" sz="1000" b="1" dirty="0"/>
+              <a:t>Database</a:t>
+            </a:r>
+            <a:r>
+              <a:rPr lang="en-US" sz="1000" dirty="0"/>
+              <a:t> filled with Monster that will be referenced by keywords in the Adventure Text</a:t>
+            </a:r>
+          </a:p>
+          <a:p>
+            <a:pPr marL="171450" indent="-171450">
+              <a:buFont typeface="Arial" panose="020B0604020202020204" pitchFamily="34" charset="0"/>
+              <a:buChar char="•"/>
+            </a:pPr>
+            <a:r>
+              <a:rPr lang="en-US" sz="1000" dirty="0"/>
+              <a:t>Important Statistics (AC, HP, Type, </a:t>
+            </a:r>
+            <a:r>
+              <a:rPr lang="en-US" sz="1000" dirty="0" err="1"/>
+              <a:t>etc</a:t>
+            </a:r>
+            <a:r>
+              <a:rPr lang="en-US" sz="1000" dirty="0"/>
+              <a:t>…)</a:t>
+            </a:r>
+          </a:p>
+          <a:p>
+            <a:pPr marL="171450" indent="-171450">
+              <a:buFont typeface="Arial" panose="020B0604020202020204" pitchFamily="34" charset="0"/>
+              <a:buChar char="•"/>
+            </a:pPr>
+            <a:r>
+              <a:rPr lang="en-US" sz="1000" dirty="0"/>
+              <a:t>Special Abilities, Actions, Reactions</a:t>
+            </a:r>
+          </a:p>
+          <a:p>
+            <a:pPr marL="171450" indent="-171450">
+              <a:buFont typeface="Arial" panose="020B0604020202020204" pitchFamily="34" charset="0"/>
+              <a:buChar char="•"/>
+            </a:pPr>
+            <a:r>
+              <a:rPr lang="en-US" sz="1000" dirty="0"/>
+              <a:t>Environments Monsters are encountered in</a:t>
+            </a:r>
+          </a:p>
+          <a:p>
+            <a:pPr marL="171450" indent="-171450">
+              <a:buFont typeface="Arial" panose="020B0604020202020204" pitchFamily="34" charset="0"/>
+              <a:buChar char="•"/>
+            </a:pPr>
+            <a:r>
+              <a:rPr lang="en-US" sz="1000" dirty="0"/>
+              <a:t>Non-player-character Quirks, personalities, and traits for inspiration.</a:t>
+            </a:r>
+          </a:p>
+        </p:txBody>
+      </p:sp>
+      <p:sp>
+        <p:nvSpPr>
+          <p:cNvPr id="30" name="Arrow: Curved Up 29">
+            <a:extLst>
+              <a:ext uri="{FF2B5EF4-FFF2-40B4-BE49-F238E27FC236}">
+                <a16:creationId xmlns:a16="http://schemas.microsoft.com/office/drawing/2014/main" id="{7F2BD8B4-AFF3-4D37-9BF6-73D8DDFE6AF6}"/>
+              </a:ext>
+            </a:extLst>
+          </p:cNvPr>
+          <p:cNvSpPr/>
+          <p:nvPr/>
+        </p:nvSpPr>
+        <p:spPr>
+          <a:xfrm flipV="1">
+            <a:off x="6440502" y="5696058"/>
+            <a:ext cx="781840" cy="280755"/>
+          </a:xfrm>
+          <a:prstGeom prst="curvedUpArrow">
+            <a:avLst/>
+          </a:prstGeom>
+          <a:solidFill>
+            <a:srgbClr val="C00000"/>
+          </a:solidFill>
+          <a:ln>
+            <a:solidFill>
+              <a:srgbClr val="7A0000"/>
+            </a:solidFill>
+          </a:ln>
+        </p:spPr>
+        <p:style>
+          <a:lnRef idx="2">
+            <a:schemeClr val="accent1">
+              <a:shade val="50000"/>
+            </a:schemeClr>
+          </a:lnRef>
+          <a:fillRef idx="1">
+            <a:schemeClr val="accent1"/>
+          </a:fillRef>
+          <a:effectRef idx="0">
+            <a:schemeClr val="accent1"/>
+          </a:effectRef>
+          <a:fontRef idx="minor">
+            <a:schemeClr val="lt1"/>
+          </a:fontRef>
+        </p:style>
+        <p:txBody>
+          <a:bodyPr rtlCol="0" anchor="ctr"/>
+          <a:lstStyle/>
+          <a:p>
+            <a:pPr algn="ctr"/>
+            <a:endParaRPr lang="en-US">
+              <a:solidFill>
+                <a:schemeClr val="tx1"/>
+              </a:solidFill>
+            </a:endParaRPr>
+          </a:p>
+        </p:txBody>
+      </p:sp>
+      <p:sp>
+        <p:nvSpPr>
+          <p:cNvPr id="60" name="Arrow: Curved Up 59">
+            <a:extLst>
+              <a:ext uri="{FF2B5EF4-FFF2-40B4-BE49-F238E27FC236}">
+                <a16:creationId xmlns:a16="http://schemas.microsoft.com/office/drawing/2014/main" id="{348F1E42-0917-412A-912E-E3ECA74C8575}"/>
+              </a:ext>
+            </a:extLst>
+          </p:cNvPr>
+          <p:cNvSpPr/>
+          <p:nvPr/>
+        </p:nvSpPr>
+        <p:spPr>
+          <a:xfrm flipH="1" flipV="1">
+            <a:off x="7253897" y="5676884"/>
+            <a:ext cx="666412" cy="295533"/>
+          </a:xfrm>
+          <a:prstGeom prst="curvedUpArrow">
+            <a:avLst/>
+          </a:prstGeom>
+          <a:solidFill>
+            <a:srgbClr val="C00000"/>
+          </a:solidFill>
+          <a:ln>
+            <a:solidFill>
+              <a:srgbClr val="7A0000"/>
+            </a:solidFill>
+          </a:ln>
+        </p:spPr>
+        <p:style>
+          <a:lnRef idx="2">
+            <a:schemeClr val="accent1">
+              <a:shade val="50000"/>
+            </a:schemeClr>
+          </a:lnRef>
+          <a:fillRef idx="1">
+            <a:schemeClr val="accent1"/>
+          </a:fillRef>
+          <a:effectRef idx="0">
+            <a:schemeClr val="accent1"/>
+          </a:effectRef>
+          <a:fontRef idx="minor">
+            <a:schemeClr val="lt1"/>
+          </a:fontRef>
+        </p:style>
+        <p:txBody>
+          <a:bodyPr rtlCol="0" anchor="ctr"/>
+          <a:lstStyle/>
+          <a:p>
+            <a:pPr algn="ctr"/>
+            <a:endParaRPr lang="en-US">
+              <a:solidFill>
+                <a:schemeClr val="tx1"/>
+              </a:solidFill>
+            </a:endParaRPr>
+          </a:p>
+        </p:txBody>
+      </p:sp>
+      <p:sp>
+        <p:nvSpPr>
+          <p:cNvPr id="61" name="TextBox 60">
+            <a:extLst>
+              <a:ext uri="{FF2B5EF4-FFF2-40B4-BE49-F238E27FC236}">
+                <a16:creationId xmlns:a16="http://schemas.microsoft.com/office/drawing/2014/main" id="{924524FA-8B6D-42EF-8786-20506E8DF235}"/>
               </a:ext>
             </a:extLst>
           </p:cNvPr>
@@ -11061,8 +12931,8 @@
         </p:nvSpPr>
         <p:spPr>
           <a:xfrm>
-            <a:off x="8349686" y="724575"/>
-            <a:ext cx="1010213" cy="369332"/>
+            <a:off x="5894220" y="3998726"/>
+            <a:ext cx="1372492" cy="276999"/>
           </a:xfrm>
           <a:prstGeom prst="rect">
             <a:avLst/>
@@ -11076,20 +12946,74 @@
           <a:lstStyle/>
           <a:p>
             <a:r>
-              <a:rPr lang="en-US" dirty="0">
+              <a:rPr lang="en-US" sz="1200" dirty="0">
                 <a:latin typeface="Algerian" panose="04020705040A02060702" pitchFamily="82" charset="0"/>
               </a:rPr>
-              <a:t>Output</a:t>
+              <a:t>Monster Vault</a:t>
             </a:r>
           </a:p>
         </p:txBody>
       </p:sp>
       <p:sp>
         <p:nvSpPr>
-          <p:cNvPr id="34" name="TextBox 33">
+          <p:cNvPr id="62" name="Right Triangle 61">
             <a:extLst>
               <a:ext uri="{FF2B5EF4-FFF2-40B4-BE49-F238E27FC236}">
-                <a16:creationId xmlns:a16="http://schemas.microsoft.com/office/drawing/2014/main" id="{DE4A31AC-ED32-48CB-9423-36B31956AE85}"/>
+                <a16:creationId xmlns:a16="http://schemas.microsoft.com/office/drawing/2014/main" id="{ECE4FA0D-E7BE-40ED-A553-E97FE7B12A30}"/>
+              </a:ext>
+            </a:extLst>
+          </p:cNvPr>
+          <p:cNvSpPr/>
+          <p:nvPr/>
+        </p:nvSpPr>
+        <p:spPr>
+          <a:xfrm flipV="1">
+            <a:off x="5966522" y="4229213"/>
+            <a:ext cx="1208063" cy="45719"/>
+          </a:xfrm>
+          <a:prstGeom prst="rtTriangle">
+            <a:avLst/>
+          </a:prstGeom>
+          <a:solidFill>
+            <a:srgbClr val="C00000"/>
+          </a:solidFill>
+          <a:ln>
+            <a:solidFill>
+              <a:srgbClr val="C00000"/>
+            </a:solidFill>
+          </a:ln>
+        </p:spPr>
+        <p:style>
+          <a:lnRef idx="2">
+            <a:schemeClr val="accent1">
+              <a:shade val="50000"/>
+            </a:schemeClr>
+          </a:lnRef>
+          <a:fillRef idx="1">
+            <a:schemeClr val="accent1"/>
+          </a:fillRef>
+          <a:effectRef idx="0">
+            <a:schemeClr val="accent1"/>
+          </a:effectRef>
+          <a:fontRef idx="minor">
+            <a:schemeClr val="lt1"/>
+          </a:fontRef>
+        </p:style>
+        <p:txBody>
+          <a:bodyPr rtlCol="0" anchor="ctr"/>
+          <a:lstStyle/>
+          <a:p>
+            <a:pPr algn="ctr"/>
+            <a:endParaRPr lang="en-US"/>
+          </a:p>
+        </p:txBody>
+      </p:sp>
+      <p:sp>
+        <p:nvSpPr>
+          <p:cNvPr id="66" name="TextBox 65">
+            <a:extLst>
+              <a:ext uri="{FF2B5EF4-FFF2-40B4-BE49-F238E27FC236}">
+                <a16:creationId xmlns:a16="http://schemas.microsoft.com/office/drawing/2014/main" id="{591A3E0E-22A4-48EA-9891-4E0D7E6BB3F6}"/>
               </a:ext>
             </a:extLst>
           </p:cNvPr>
@@ -11098,8 +13022,8 @@
         </p:nvSpPr>
         <p:spPr>
           <a:xfrm>
-            <a:off x="3422620" y="1103664"/>
-            <a:ext cx="2505852" cy="3016210"/>
+            <a:off x="3020507" y="799644"/>
+            <a:ext cx="2442163" cy="307777"/>
           </a:xfrm>
           <a:prstGeom prst="rect">
             <a:avLst/>
@@ -11113,110 +13037,104 @@
           <a:lstStyle/>
           <a:p>
             <a:r>
-              <a:rPr lang="en-US" sz="1000" dirty="0"/>
-              <a:t>A Database filled with monster statistics for use with any D&amp;D adventure.</a:t>
-            </a:r>
-          </a:p>
-          <a:p>
-            <a:endParaRPr lang="en-US" sz="1000" dirty="0"/>
-          </a:p>
-          <a:p>
-            <a:r>
-              <a:rPr lang="en-US" sz="1000" dirty="0"/>
-              <a:t>Monster customization</a:t>
-            </a:r>
-          </a:p>
-          <a:p>
-            <a:pPr marL="171450" indent="-171450">
-              <a:buFont typeface="Arial" panose="020B0604020202020204" pitchFamily="34" charset="0"/>
-              <a:buChar char="•"/>
-            </a:pPr>
-            <a:r>
-              <a:rPr lang="en-US" sz="1000" dirty="0"/>
-              <a:t>Addition of Special Abilities</a:t>
-            </a:r>
-          </a:p>
-          <a:p>
-            <a:pPr marL="171450" indent="-171450">
-              <a:buFont typeface="Arial" panose="020B0604020202020204" pitchFamily="34" charset="0"/>
-              <a:buChar char="•"/>
-            </a:pPr>
-            <a:r>
-              <a:rPr lang="en-US" sz="1000" dirty="0"/>
-              <a:t>Difficulty scaling </a:t>
-            </a:r>
-          </a:p>
-          <a:p>
-            <a:endParaRPr lang="en-US" sz="1000" dirty="0"/>
-          </a:p>
-          <a:p>
-            <a:r>
-              <a:rPr lang="en-US" sz="1000" dirty="0"/>
-              <a:t>Random Encounter Creation</a:t>
-            </a:r>
-          </a:p>
-          <a:p>
-            <a:pPr marL="171450" indent="-171450">
-              <a:buFont typeface="Arial" panose="020B0604020202020204" pitchFamily="34" charset="0"/>
-              <a:buChar char="•"/>
-            </a:pPr>
-            <a:r>
-              <a:rPr lang="en-US" sz="1000" dirty="0"/>
-              <a:t>Based on Terrain type</a:t>
-            </a:r>
-          </a:p>
-          <a:p>
-            <a:pPr marL="171450" indent="-171450">
-              <a:buFont typeface="Arial" panose="020B0604020202020204" pitchFamily="34" charset="0"/>
-              <a:buChar char="•"/>
-            </a:pPr>
-            <a:r>
-              <a:rPr lang="en-US" sz="1000" dirty="0"/>
-              <a:t>Created with varying difficulties</a:t>
-            </a:r>
-          </a:p>
-          <a:p>
-            <a:endParaRPr lang="en-US" sz="1000" dirty="0"/>
-          </a:p>
-          <a:p>
-            <a:r>
-              <a:rPr lang="en-US" sz="1000" dirty="0"/>
-              <a:t>Non Player Character (NPC) Traits</a:t>
-            </a:r>
-          </a:p>
-          <a:p>
-            <a:pPr marL="171450" indent="-171450">
-              <a:buFont typeface="Arial" panose="020B0604020202020204" pitchFamily="34" charset="0"/>
-              <a:buChar char="•"/>
-            </a:pPr>
-            <a:r>
-              <a:rPr lang="en-US" sz="1000" dirty="0"/>
-              <a:t>Generates character traits / quirks</a:t>
-            </a:r>
-          </a:p>
-          <a:p>
-            <a:r>
-              <a:rPr lang="en-US" sz="1000" dirty="0"/>
-              <a:t>Text parser that interprets tagged words and headings for formatting</a:t>
-            </a:r>
-          </a:p>
-          <a:p>
-            <a:endParaRPr lang="en-US" sz="1000" dirty="0"/>
-          </a:p>
-          <a:p>
-            <a:r>
-              <a:rPr lang="en-US" sz="1000" dirty="0"/>
-              <a:t>Formatted output in single document that contains all generated and modified monsters.</a:t>
+              <a:rPr lang="en-US" sz="1400" dirty="0">
+                <a:latin typeface="Algerian" panose="04020705040A02060702" pitchFamily="82" charset="0"/>
+              </a:rPr>
+              <a:t>Adventure Parser</a:t>
             </a:r>
           </a:p>
         </p:txBody>
       </p:sp>
       <p:sp>
         <p:nvSpPr>
-          <p:cNvPr id="35" name="TextBox 34">
+          <p:cNvPr id="67" name="Right Triangle 66">
             <a:extLst>
               <a:ext uri="{FF2B5EF4-FFF2-40B4-BE49-F238E27FC236}">
-                <a16:creationId xmlns:a16="http://schemas.microsoft.com/office/drawing/2014/main" id="{DF6AF6D8-269F-4E04-9944-2650B8BA332C}"/>
+                <a16:creationId xmlns:a16="http://schemas.microsoft.com/office/drawing/2014/main" id="{1BD0B439-1E85-4C0F-A207-35DFF28AB6D2}"/>
+              </a:ext>
+            </a:extLst>
+          </p:cNvPr>
+          <p:cNvSpPr/>
+          <p:nvPr/>
+        </p:nvSpPr>
+        <p:spPr>
+          <a:xfrm flipV="1">
+            <a:off x="3111732" y="1039628"/>
+            <a:ext cx="1811250" cy="57230"/>
+          </a:xfrm>
+          <a:prstGeom prst="rtTriangle">
+            <a:avLst/>
+          </a:prstGeom>
+          <a:solidFill>
+            <a:srgbClr val="C00000"/>
+          </a:solidFill>
+          <a:ln>
+            <a:solidFill>
+              <a:srgbClr val="C00000"/>
+            </a:solidFill>
+          </a:ln>
+        </p:spPr>
+        <p:style>
+          <a:lnRef idx="2">
+            <a:schemeClr val="accent1">
+              <a:shade val="50000"/>
+            </a:schemeClr>
+          </a:lnRef>
+          <a:fillRef idx="1">
+            <a:schemeClr val="accent1"/>
+          </a:fillRef>
+          <a:effectRef idx="0">
+            <a:schemeClr val="accent1"/>
+          </a:effectRef>
+          <a:fontRef idx="minor">
+            <a:schemeClr val="lt1"/>
+          </a:fontRef>
+        </p:style>
+        <p:txBody>
+          <a:bodyPr rtlCol="0" anchor="ctr"/>
+          <a:lstStyle/>
+          <a:p>
+            <a:pPr algn="ctr"/>
+            <a:endParaRPr lang="en-US"/>
+          </a:p>
+        </p:txBody>
+      </p:sp>
+      <p:pic>
+        <p:nvPicPr>
+          <p:cNvPr id="58" name="Picture 57">
+            <a:extLst>
+              <a:ext uri="{FF2B5EF4-FFF2-40B4-BE49-F238E27FC236}">
+                <a16:creationId xmlns:a16="http://schemas.microsoft.com/office/drawing/2014/main" id="{605AB898-8CF3-40E1-8997-1D5B75BC77A5}"/>
+              </a:ext>
+            </a:extLst>
+          </p:cNvPr>
+          <p:cNvPicPr>
+            <a:picLocks noChangeAspect="1"/>
+          </p:cNvPicPr>
+          <p:nvPr/>
+        </p:nvPicPr>
+        <p:blipFill>
+          <a:blip r:embed="rId11"/>
+          <a:stretch>
+            <a:fillRect/>
+          </a:stretch>
+        </p:blipFill>
+        <p:spPr>
+          <a:xfrm>
+            <a:off x="4922982" y="4663103"/>
+            <a:ext cx="840510" cy="865377"/>
+          </a:xfrm>
+          <a:prstGeom prst="rect">
+            <a:avLst/>
+          </a:prstGeom>
+        </p:spPr>
+      </p:pic>
+      <p:sp>
+        <p:nvSpPr>
+          <p:cNvPr id="34" name="TextBox 33">
+            <a:extLst>
+              <a:ext uri="{FF2B5EF4-FFF2-40B4-BE49-F238E27FC236}">
+                <a16:creationId xmlns:a16="http://schemas.microsoft.com/office/drawing/2014/main" id="{DE4A31AC-ED32-48CB-9423-36B31956AE85}"/>
               </a:ext>
             </a:extLst>
           </p:cNvPr>
@@ -11225,8 +13143,8 @@
         </p:nvSpPr>
         <p:spPr>
           <a:xfrm>
-            <a:off x="114801" y="3851804"/>
-            <a:ext cx="3083593" cy="1323439"/>
+            <a:off x="3087655" y="1104594"/>
+            <a:ext cx="5678358" cy="2739211"/>
           </a:xfrm>
           <a:prstGeom prst="rect">
             <a:avLst/>
@@ -11241,7 +13159,7 @@
           <a:p>
             <a:r>
               <a:rPr lang="en-US" sz="1000" dirty="0"/>
-              <a:t>Develop a desktop solution to streamline the creation process of a Dungeons and Dragons session.  This was developed in Python in conjunction with a Postgres database to house relevant data for recall.</a:t>
+              <a:t>Markdown Text parser that interprets tagged words and headings for operations requested.</a:t>
             </a:r>
           </a:p>
           <a:p>
@@ -11250,15 +13168,1027 @@
           <a:p>
             <a:r>
               <a:rPr lang="en-US" sz="1000" dirty="0"/>
-              <a:t>Users supply story ideas and tag characters of interest in the body of text which will be fetched and represented in the output of the application.</a:t>
+              <a:t>Dictionary entries to trigger additional actions to be taken on important actors in the story provided.</a:t>
+            </a:r>
+          </a:p>
+          <a:p>
+            <a:r>
+              <a:rPr lang="en-US" sz="1000" dirty="0"/>
+              <a:t>Dictionary operators can be combined</a:t>
+            </a:r>
+          </a:p>
+          <a:p>
+            <a:endParaRPr lang="en-US" sz="1000" b="1" dirty="0"/>
+          </a:p>
+          <a:p>
+            <a:r>
+              <a:rPr lang="en-US" sz="1000" b="1" dirty="0"/>
+              <a:t>Level: </a:t>
+            </a:r>
+            <a:r>
+              <a:rPr lang="en-US" sz="1000" dirty="0"/>
+              <a:t>The rough power level of the adventure that is being created.  This informs monster selection.</a:t>
+            </a:r>
+            <a:endParaRPr lang="en-US" sz="1000" b="1" dirty="0"/>
+          </a:p>
+          <a:p>
+            <a:r>
+              <a:rPr lang="en-US" sz="1000" b="1" dirty="0"/>
+              <a:t>Name: </a:t>
+            </a:r>
+            <a:r>
+              <a:rPr lang="en-US" sz="1000" dirty="0"/>
+              <a:t>name of item highlighted in text or monster to be referenced.</a:t>
+            </a:r>
+            <a:endParaRPr lang="en-US" sz="1000" b="1" dirty="0"/>
+          </a:p>
+          <a:p>
+            <a:r>
+              <a:rPr lang="en-US" sz="1000" b="1" dirty="0"/>
+              <a:t>Type: </a:t>
+            </a:r>
+            <a:r>
+              <a:rPr lang="en-US" sz="900" dirty="0"/>
+              <a:t>Queries the Monster Vault for either a Monster or an NPC characteristics</a:t>
+            </a:r>
+          </a:p>
+          <a:p>
+            <a:r>
+              <a:rPr lang="en-US" sz="1000" b="1" dirty="0"/>
+              <a:t>Location</a:t>
+            </a:r>
+            <a:r>
+              <a:rPr lang="en-US" sz="900" b="1" dirty="0"/>
+              <a:t>: </a:t>
+            </a:r>
+            <a:r>
+              <a:rPr lang="en-US" sz="900" dirty="0"/>
+              <a:t>Creates a set of encounters for adventurers based on the Location the encounter would occur.</a:t>
+            </a:r>
+            <a:endParaRPr lang="en-US" sz="900" b="1" dirty="0"/>
+          </a:p>
+          <a:p>
+            <a:r>
+              <a:rPr lang="en-US" sz="1000" b="1" dirty="0"/>
+              <a:t>Race</a:t>
+            </a:r>
+            <a:r>
+              <a:rPr lang="en-US" sz="900" dirty="0"/>
+              <a:t>: Returns a specific type of monster (ex. “Dragon”, “Aberration”, “Goblin” </a:t>
+            </a:r>
+            <a:r>
+              <a:rPr lang="en-US" sz="900" dirty="0" err="1"/>
+              <a:t>etc</a:t>
+            </a:r>
+            <a:r>
+              <a:rPr lang="en-US" sz="900" dirty="0"/>
+              <a:t>…)</a:t>
+            </a:r>
+            <a:endParaRPr lang="en-US" sz="1000" dirty="0"/>
+          </a:p>
+          <a:p>
+            <a:r>
+              <a:rPr lang="en-US" sz="1000" b="1" dirty="0"/>
+              <a:t>CR: </a:t>
+            </a:r>
+            <a:r>
+              <a:rPr lang="en-US" sz="900" dirty="0"/>
+              <a:t>sets the challenge rating for the desired Monster up or down based on the number provided.</a:t>
+            </a:r>
+          </a:p>
+          <a:p>
+            <a:r>
+              <a:rPr lang="en-US" sz="1000" b="1" dirty="0"/>
+              <a:t>Ability</a:t>
+            </a:r>
+            <a:r>
+              <a:rPr lang="en-US" sz="800" b="1" dirty="0"/>
+              <a:t>: </a:t>
+            </a:r>
+            <a:r>
+              <a:rPr lang="en-US" sz="900" dirty="0"/>
+              <a:t>Returns a monster with the desired ability listed as a value to the Ability Key</a:t>
+            </a:r>
+            <a:r>
+              <a:rPr lang="en-US" sz="800" dirty="0"/>
+              <a:t>.</a:t>
+            </a:r>
+          </a:p>
+          <a:p>
+            <a:endParaRPr lang="en-US" sz="800" dirty="0"/>
+          </a:p>
+          <a:p>
+            <a:endParaRPr lang="en-US" sz="900" dirty="0"/>
+          </a:p>
+          <a:p>
+            <a:endParaRPr lang="en-US" sz="900" dirty="0"/>
+          </a:p>
+          <a:p>
+            <a:r>
+              <a:rPr lang="en-US" sz="900" dirty="0"/>
+              <a:t>Gathers markdown text input and tagged items and compiles them into an output that can be formatted with a CSS Stylesheet provided by The </a:t>
+            </a:r>
+            <a:r>
+              <a:rPr lang="en-US" sz="900" dirty="0" err="1"/>
+              <a:t>Homebrewery</a:t>
+            </a:r>
+            <a:r>
+              <a:rPr lang="en-US" sz="900" dirty="0"/>
+              <a:t>.  Monsters are provided in stat blocks that are easily readable and story scenes are separated by headings that had been provided in the text file.</a:t>
             </a:r>
           </a:p>
         </p:txBody>
       </p:sp>
+      <p:sp>
+        <p:nvSpPr>
+          <p:cNvPr id="59" name="Rectangle: Single Corner Rounded 58">
+            <a:extLst>
+              <a:ext uri="{FF2B5EF4-FFF2-40B4-BE49-F238E27FC236}">
+                <a16:creationId xmlns:a16="http://schemas.microsoft.com/office/drawing/2014/main" id="{0D3F0558-099A-49A2-8EB8-9100D194B75A}"/>
+              </a:ext>
+            </a:extLst>
+          </p:cNvPr>
+          <p:cNvSpPr/>
+          <p:nvPr/>
+        </p:nvSpPr>
+        <p:spPr>
+          <a:xfrm>
+            <a:off x="3133286" y="3043979"/>
+            <a:ext cx="5397600" cy="228282"/>
+          </a:xfrm>
+          <a:prstGeom prst="round1Rect">
+            <a:avLst/>
+          </a:prstGeom>
+          <a:gradFill flip="none" rotWithShape="1">
+            <a:gsLst>
+              <a:gs pos="0">
+                <a:srgbClr val="7A0000"/>
+              </a:gs>
+              <a:gs pos="48000">
+                <a:srgbClr val="C00000"/>
+              </a:gs>
+              <a:gs pos="100000">
+                <a:srgbClr val="FF0000"/>
+              </a:gs>
+            </a:gsLst>
+            <a:lin ang="0" scaled="1"/>
+            <a:tileRect/>
+          </a:gradFill>
+          <a:ln cmpd="sng">
+            <a:solidFill>
+              <a:srgbClr val="7A0000"/>
+            </a:solidFill>
+          </a:ln>
+        </p:spPr>
+        <p:style>
+          <a:lnRef idx="2">
+            <a:schemeClr val="accent1">
+              <a:shade val="50000"/>
+            </a:schemeClr>
+          </a:lnRef>
+          <a:fillRef idx="1">
+            <a:schemeClr val="accent1"/>
+          </a:fillRef>
+          <a:effectRef idx="0">
+            <a:schemeClr val="accent1"/>
+          </a:effectRef>
+          <a:fontRef idx="minor">
+            <a:schemeClr val="lt1"/>
+          </a:fontRef>
+        </p:style>
+        <p:txBody>
+          <a:bodyPr rtlCol="0" anchor="ctr"/>
+          <a:lstStyle/>
+          <a:p>
+            <a:r>
+              <a:rPr lang="en-US" sz="1000" dirty="0"/>
+              <a:t>{“</a:t>
+            </a:r>
+            <a:r>
+              <a:rPr lang="en-US" sz="1000" b="1" dirty="0"/>
+              <a:t>Name</a:t>
+            </a:r>
+            <a:r>
+              <a:rPr lang="en-US" sz="1000" dirty="0"/>
+              <a:t>":"</a:t>
+            </a:r>
+            <a:r>
+              <a:rPr lang="en-US" sz="1000" dirty="0" err="1"/>
+              <a:t>Archmage</a:t>
+            </a:r>
+            <a:r>
+              <a:rPr lang="en-US" sz="1000" dirty="0"/>
+              <a:t>", “</a:t>
+            </a:r>
+            <a:r>
+              <a:rPr lang="en-US" sz="1000" b="1" dirty="0" err="1"/>
+              <a:t>Type</a:t>
+            </a:r>
+            <a:r>
+              <a:rPr lang="en-US" sz="1000" dirty="0" err="1"/>
+              <a:t>":"monster</a:t>
+            </a:r>
+            <a:r>
+              <a:rPr lang="en-US" sz="1000" dirty="0"/>
+              <a:t>", “</a:t>
+            </a:r>
+            <a:r>
+              <a:rPr lang="en-US" sz="1000" b="1" dirty="0"/>
+              <a:t>Race</a:t>
+            </a:r>
+            <a:r>
+              <a:rPr lang="en-US" sz="1000" dirty="0"/>
+              <a:t>": "human", “</a:t>
+            </a:r>
+            <a:r>
+              <a:rPr lang="en-US" sz="1000" b="1" dirty="0"/>
+              <a:t>Ability</a:t>
+            </a:r>
+            <a:r>
+              <a:rPr lang="en-US" sz="1000" dirty="0"/>
+              <a:t>": "spellcasting" , "</a:t>
+            </a:r>
+            <a:r>
+              <a:rPr lang="en-US" sz="1000" b="1" dirty="0"/>
+              <a:t>CR</a:t>
+            </a:r>
+            <a:r>
+              <a:rPr lang="en-US" sz="1000" dirty="0"/>
+              <a:t>": -2}</a:t>
+            </a:r>
+          </a:p>
+        </p:txBody>
+      </p:sp>
+      <p:pic>
+        <p:nvPicPr>
+          <p:cNvPr id="63" name="Picture 62">
+            <a:extLst>
+              <a:ext uri="{FF2B5EF4-FFF2-40B4-BE49-F238E27FC236}">
+                <a16:creationId xmlns:a16="http://schemas.microsoft.com/office/drawing/2014/main" id="{615EB671-6715-46EB-B34A-1E77BD3A3935}"/>
+              </a:ext>
+            </a:extLst>
+          </p:cNvPr>
+          <p:cNvPicPr>
+            <a:picLocks noChangeAspect="1"/>
+          </p:cNvPicPr>
+          <p:nvPr/>
+        </p:nvPicPr>
+        <p:blipFill>
+          <a:blip r:embed="rId12"/>
+          <a:stretch>
+            <a:fillRect/>
+          </a:stretch>
+        </p:blipFill>
+        <p:spPr>
+          <a:xfrm>
+            <a:off x="8890636" y="1126950"/>
+            <a:ext cx="3053998" cy="3951133"/>
+          </a:xfrm>
+          <a:prstGeom prst="rect">
+            <a:avLst/>
+          </a:prstGeom>
+          <a:effectLst>
+            <a:outerShdw blurRad="50800" dist="38100" dir="2700000" algn="tl" rotWithShape="0">
+              <a:prstClr val="black">
+                <a:alpha val="40000"/>
+              </a:prstClr>
+            </a:outerShdw>
+          </a:effectLst>
+        </p:spPr>
+      </p:pic>
+      <p:pic>
+        <p:nvPicPr>
+          <p:cNvPr id="26" name="Picture 25">
+            <a:extLst>
+              <a:ext uri="{FF2B5EF4-FFF2-40B4-BE49-F238E27FC236}">
+                <a16:creationId xmlns:a16="http://schemas.microsoft.com/office/drawing/2014/main" id="{FF19E6F0-66CB-4F89-9F16-E7F0257B18B1}"/>
+              </a:ext>
+            </a:extLst>
+          </p:cNvPr>
+          <p:cNvPicPr>
+            <a:picLocks noChangeAspect="1"/>
+          </p:cNvPicPr>
+          <p:nvPr/>
+        </p:nvPicPr>
+        <p:blipFill>
+          <a:blip r:embed="rId13"/>
+          <a:stretch>
+            <a:fillRect/>
+          </a:stretch>
+        </p:blipFill>
+        <p:spPr>
+          <a:xfrm>
+            <a:off x="11070498" y="4154792"/>
+            <a:ext cx="745110" cy="735835"/>
+          </a:xfrm>
+          <a:prstGeom prst="rect">
+            <a:avLst/>
+          </a:prstGeom>
+        </p:spPr>
+      </p:pic>
+      <p:sp>
+        <p:nvSpPr>
+          <p:cNvPr id="3" name="Arrow: Bent 2">
+            <a:extLst>
+              <a:ext uri="{FF2B5EF4-FFF2-40B4-BE49-F238E27FC236}">
+                <a16:creationId xmlns:a16="http://schemas.microsoft.com/office/drawing/2014/main" id="{2F8B9F84-3FE0-465A-A4C1-A609F15C71D7}"/>
+              </a:ext>
+            </a:extLst>
+          </p:cNvPr>
+          <p:cNvSpPr/>
+          <p:nvPr/>
+        </p:nvSpPr>
+        <p:spPr>
+          <a:xfrm rot="16200000" flipV="1">
+            <a:off x="10003157" y="4394437"/>
+            <a:ext cx="735836" cy="1771431"/>
+          </a:xfrm>
+          <a:prstGeom prst="bentArrow">
+            <a:avLst>
+              <a:gd name="adj1" fmla="val 25000"/>
+              <a:gd name="adj2" fmla="val 23818"/>
+              <a:gd name="adj3" fmla="val 25000"/>
+              <a:gd name="adj4" fmla="val 31658"/>
+            </a:avLst>
+          </a:prstGeom>
+        </p:spPr>
+        <p:style>
+          <a:lnRef idx="2">
+            <a:schemeClr val="accent2">
+              <a:shade val="50000"/>
+            </a:schemeClr>
+          </a:lnRef>
+          <a:fillRef idx="1">
+            <a:schemeClr val="accent2"/>
+          </a:fillRef>
+          <a:effectRef idx="0">
+            <a:schemeClr val="accent2"/>
+          </a:effectRef>
+          <a:fontRef idx="minor">
+            <a:schemeClr val="lt1"/>
+          </a:fontRef>
+        </p:style>
+        <p:txBody>
+          <a:bodyPr rtlCol="0" anchor="ctr"/>
+          <a:lstStyle/>
+          <a:p>
+            <a:pPr algn="ctr"/>
+            <a:endParaRPr lang="en-US">
+              <a:solidFill>
+                <a:schemeClr val="tx1"/>
+              </a:solidFill>
+            </a:endParaRPr>
+          </a:p>
+        </p:txBody>
+      </p:sp>
+      <p:pic>
+        <p:nvPicPr>
+          <p:cNvPr id="64" name="Picture 63">
+            <a:extLst>
+              <a:ext uri="{FF2B5EF4-FFF2-40B4-BE49-F238E27FC236}">
+                <a16:creationId xmlns:a16="http://schemas.microsoft.com/office/drawing/2014/main" id="{AA92092A-07A0-4F7D-B96E-416A06C7DA69}"/>
+              </a:ext>
+            </a:extLst>
+          </p:cNvPr>
+          <p:cNvPicPr>
+            <a:picLocks noChangeAspect="1"/>
+          </p:cNvPicPr>
+          <p:nvPr/>
+        </p:nvPicPr>
+        <p:blipFill>
+          <a:blip r:embed="rId14"/>
+          <a:stretch>
+            <a:fillRect/>
+          </a:stretch>
+        </p:blipFill>
+        <p:spPr>
+          <a:xfrm>
+            <a:off x="8813221" y="3945945"/>
+            <a:ext cx="1343439" cy="2718809"/>
+          </a:xfrm>
+          <a:prstGeom prst="rect">
+            <a:avLst/>
+          </a:prstGeom>
+          <a:effectLst>
+            <a:outerShdw blurRad="50800" dist="38100" dir="2700000" algn="tl" rotWithShape="0">
+              <a:prstClr val="black">
+                <a:alpha val="40000"/>
+              </a:prstClr>
+            </a:outerShdw>
+          </a:effectLst>
+        </p:spPr>
+      </p:pic>
+      <p:sp>
+        <p:nvSpPr>
+          <p:cNvPr id="70" name="Scroll: Horizontal 69">
+            <a:extLst>
+              <a:ext uri="{FF2B5EF4-FFF2-40B4-BE49-F238E27FC236}">
+                <a16:creationId xmlns:a16="http://schemas.microsoft.com/office/drawing/2014/main" id="{26E66364-ABCE-4D36-B655-A47A381DE331}"/>
+              </a:ext>
+            </a:extLst>
+          </p:cNvPr>
+          <p:cNvSpPr/>
+          <p:nvPr/>
+        </p:nvSpPr>
+        <p:spPr>
+          <a:xfrm>
+            <a:off x="91368" y="5001513"/>
+            <a:ext cx="2837032" cy="1789221"/>
+          </a:xfrm>
+          <a:prstGeom prst="horizontalScroll">
+            <a:avLst/>
+          </a:prstGeom>
+          <a:solidFill>
+            <a:schemeClr val="accent4">
+              <a:lumMod val="20000"/>
+              <a:lumOff val="80000"/>
+            </a:schemeClr>
+          </a:solidFill>
+          <a:ln>
+            <a:solidFill>
+              <a:schemeClr val="accent4">
+                <a:lumMod val="75000"/>
+              </a:schemeClr>
+            </a:solidFill>
+          </a:ln>
+        </p:spPr>
+        <p:style>
+          <a:lnRef idx="2">
+            <a:schemeClr val="accent1">
+              <a:shade val="50000"/>
+            </a:schemeClr>
+          </a:lnRef>
+          <a:fillRef idx="1">
+            <a:schemeClr val="accent1"/>
+          </a:fillRef>
+          <a:effectRef idx="0">
+            <a:schemeClr val="accent1"/>
+          </a:effectRef>
+          <a:fontRef idx="minor">
+            <a:schemeClr val="lt1"/>
+          </a:fontRef>
+        </p:style>
+        <p:txBody>
+          <a:bodyPr rtlCol="0" anchor="ctr"/>
+          <a:lstStyle/>
+          <a:p>
+            <a:endParaRPr lang="en-US" sz="900" dirty="0">
+              <a:solidFill>
+                <a:srgbClr val="7A0000"/>
+              </a:solidFill>
+            </a:endParaRPr>
+          </a:p>
+          <a:p>
+            <a:r>
+              <a:rPr lang="en-US" sz="900" dirty="0">
+                <a:solidFill>
+                  <a:schemeClr val="accent2">
+                    <a:lumMod val="50000"/>
+                  </a:schemeClr>
+                </a:solidFill>
+              </a:rPr>
+              <a:t>### Hamlet</a:t>
+            </a:r>
+          </a:p>
+          <a:p>
+            <a:endParaRPr lang="en-US" sz="900" dirty="0">
+              <a:solidFill>
+                <a:schemeClr val="accent2">
+                  <a:lumMod val="50000"/>
+                </a:schemeClr>
+              </a:solidFill>
+            </a:endParaRPr>
+          </a:p>
+          <a:p>
+            <a:r>
+              <a:rPr lang="en-US" sz="900" dirty="0">
+                <a:solidFill>
+                  <a:schemeClr val="accent2">
+                    <a:lumMod val="50000"/>
+                  </a:schemeClr>
+                </a:solidFill>
+              </a:rPr>
+              <a:t>A small hamlet only a day's ride to the east was overrun by a **Hobgoblin** and his band of mercenaries several days ago. Everyone was killed. The party learns of this on their way to Caldwell's Castle.  </a:t>
+            </a:r>
+          </a:p>
+          <a:p>
+            <a:endParaRPr lang="en-US" sz="900" dirty="0">
+              <a:solidFill>
+                <a:schemeClr val="accent2">
+                  <a:lumMod val="50000"/>
+                </a:schemeClr>
+              </a:solidFill>
+            </a:endParaRPr>
+          </a:p>
+          <a:p>
+            <a:r>
+              <a:rPr lang="en-US" sz="900" dirty="0">
+                <a:solidFill>
+                  <a:schemeClr val="accent2">
+                    <a:lumMod val="50000"/>
+                  </a:schemeClr>
+                </a:solidFill>
+              </a:rPr>
+              <a:t>{"</a:t>
+            </a:r>
+            <a:r>
+              <a:rPr lang="en-US" sz="900" dirty="0" err="1">
+                <a:solidFill>
+                  <a:schemeClr val="accent2">
+                    <a:lumMod val="50000"/>
+                  </a:schemeClr>
+                </a:solidFill>
+              </a:rPr>
+              <a:t>name":"Hobgoblin","type</a:t>
+            </a:r>
+            <a:r>
+              <a:rPr lang="en-US" sz="900" dirty="0">
+                <a:solidFill>
+                  <a:schemeClr val="accent2">
+                    <a:lumMod val="50000"/>
+                  </a:schemeClr>
+                </a:solidFill>
+              </a:rPr>
+              <a:t>": "monster", "CR": 5</a:t>
+            </a:r>
+            <a:r>
+              <a:rPr lang="en-US" sz="900" dirty="0">
+                <a:solidFill>
+                  <a:srgbClr val="7A0000"/>
+                </a:solidFill>
+              </a:rPr>
+              <a:t>}</a:t>
+            </a:r>
+          </a:p>
+          <a:p>
+            <a:endParaRPr lang="en-US" sz="900" dirty="0">
+              <a:solidFill>
+                <a:srgbClr val="7A0000"/>
+              </a:solidFill>
+            </a:endParaRPr>
+          </a:p>
+        </p:txBody>
+      </p:sp>
+      <p:sp>
+        <p:nvSpPr>
+          <p:cNvPr id="71" name="Heptagon 70">
+            <a:extLst>
+              <a:ext uri="{FF2B5EF4-FFF2-40B4-BE49-F238E27FC236}">
+                <a16:creationId xmlns:a16="http://schemas.microsoft.com/office/drawing/2014/main" id="{007B7226-1D24-40CA-9219-6E69B6B34552}"/>
+              </a:ext>
+            </a:extLst>
+          </p:cNvPr>
+          <p:cNvSpPr/>
+          <p:nvPr/>
+        </p:nvSpPr>
+        <p:spPr>
+          <a:xfrm>
+            <a:off x="2773390" y="5644673"/>
+            <a:ext cx="238125" cy="236843"/>
+          </a:xfrm>
+          <a:prstGeom prst="heptagon">
+            <a:avLst/>
+          </a:prstGeom>
+          <a:gradFill>
+            <a:gsLst>
+              <a:gs pos="0">
+                <a:srgbClr val="7A0000"/>
+              </a:gs>
+              <a:gs pos="48000">
+                <a:srgbClr val="C00000"/>
+              </a:gs>
+              <a:gs pos="100000">
+                <a:srgbClr val="FF0000"/>
+              </a:gs>
+            </a:gsLst>
+            <a:lin ang="0" scaled="1"/>
+          </a:gradFill>
+          <a:ln>
+            <a:solidFill>
+              <a:srgbClr val="7A0000"/>
+            </a:solidFill>
+          </a:ln>
+        </p:spPr>
+        <p:style>
+          <a:lnRef idx="2">
+            <a:schemeClr val="accent1">
+              <a:shade val="50000"/>
+            </a:schemeClr>
+          </a:lnRef>
+          <a:fillRef idx="1">
+            <a:schemeClr val="accent1"/>
+          </a:fillRef>
+          <a:effectRef idx="0">
+            <a:schemeClr val="accent1"/>
+          </a:effectRef>
+          <a:fontRef idx="minor">
+            <a:schemeClr val="lt1"/>
+          </a:fontRef>
+        </p:style>
+        <p:txBody>
+          <a:bodyPr rtlCol="0" anchor="ctr"/>
+          <a:lstStyle/>
+          <a:p>
+            <a:pPr algn="ctr"/>
+            <a:r>
+              <a:rPr lang="en-US" dirty="0"/>
+              <a:t>1</a:t>
+            </a:r>
+          </a:p>
+        </p:txBody>
+      </p:sp>
+      <p:sp>
+        <p:nvSpPr>
+          <p:cNvPr id="77" name="Heptagon 76">
+            <a:extLst>
+              <a:ext uri="{FF2B5EF4-FFF2-40B4-BE49-F238E27FC236}">
+                <a16:creationId xmlns:a16="http://schemas.microsoft.com/office/drawing/2014/main" id="{31253BA8-A322-413F-81E4-55880260E6EF}"/>
+              </a:ext>
+            </a:extLst>
+          </p:cNvPr>
+          <p:cNvSpPr/>
+          <p:nvPr/>
+        </p:nvSpPr>
+        <p:spPr>
+          <a:xfrm>
+            <a:off x="128339" y="5229196"/>
+            <a:ext cx="238125" cy="236843"/>
+          </a:xfrm>
+          <a:prstGeom prst="heptagon">
+            <a:avLst/>
+          </a:prstGeom>
+          <a:gradFill>
+            <a:gsLst>
+              <a:gs pos="0">
+                <a:srgbClr val="7A0000"/>
+              </a:gs>
+              <a:gs pos="48000">
+                <a:srgbClr val="C00000"/>
+              </a:gs>
+              <a:gs pos="100000">
+                <a:srgbClr val="FF0000"/>
+              </a:gs>
+            </a:gsLst>
+            <a:lin ang="0" scaled="1"/>
+          </a:gradFill>
+          <a:ln>
+            <a:solidFill>
+              <a:srgbClr val="7A0000"/>
+            </a:solidFill>
+          </a:ln>
+        </p:spPr>
+        <p:style>
+          <a:lnRef idx="2">
+            <a:schemeClr val="accent1">
+              <a:shade val="50000"/>
+            </a:schemeClr>
+          </a:lnRef>
+          <a:fillRef idx="1">
+            <a:schemeClr val="accent1"/>
+          </a:fillRef>
+          <a:effectRef idx="0">
+            <a:schemeClr val="accent1"/>
+          </a:effectRef>
+          <a:fontRef idx="minor">
+            <a:schemeClr val="lt1"/>
+          </a:fontRef>
+        </p:style>
+        <p:txBody>
+          <a:bodyPr rtlCol="0" anchor="ctr"/>
+          <a:lstStyle/>
+          <a:p>
+            <a:pPr algn="ctr"/>
+            <a:r>
+              <a:rPr lang="en-US" dirty="0"/>
+              <a:t>2</a:t>
+            </a:r>
+          </a:p>
+        </p:txBody>
+      </p:sp>
+      <p:sp>
+        <p:nvSpPr>
+          <p:cNvPr id="80" name="Heptagon 79">
+            <a:extLst>
+              <a:ext uri="{FF2B5EF4-FFF2-40B4-BE49-F238E27FC236}">
+                <a16:creationId xmlns:a16="http://schemas.microsoft.com/office/drawing/2014/main" id="{C40A108A-E50F-4243-AC5E-5415EABE7F31}"/>
+              </a:ext>
+            </a:extLst>
+          </p:cNvPr>
+          <p:cNvSpPr/>
+          <p:nvPr/>
+        </p:nvSpPr>
+        <p:spPr>
+          <a:xfrm>
+            <a:off x="153089" y="6348530"/>
+            <a:ext cx="238125" cy="236843"/>
+          </a:xfrm>
+          <a:prstGeom prst="heptagon">
+            <a:avLst/>
+          </a:prstGeom>
+          <a:gradFill>
+            <a:gsLst>
+              <a:gs pos="0">
+                <a:srgbClr val="7A0000"/>
+              </a:gs>
+              <a:gs pos="48000">
+                <a:srgbClr val="C00000"/>
+              </a:gs>
+              <a:gs pos="100000">
+                <a:srgbClr val="FF0000"/>
+              </a:gs>
+            </a:gsLst>
+            <a:lin ang="0" scaled="1"/>
+          </a:gradFill>
+          <a:ln>
+            <a:solidFill>
+              <a:srgbClr val="7A0000"/>
+            </a:solidFill>
+          </a:ln>
+        </p:spPr>
+        <p:style>
+          <a:lnRef idx="2">
+            <a:schemeClr val="accent1">
+              <a:shade val="50000"/>
+            </a:schemeClr>
+          </a:lnRef>
+          <a:fillRef idx="1">
+            <a:schemeClr val="accent1"/>
+          </a:fillRef>
+          <a:effectRef idx="0">
+            <a:schemeClr val="accent1"/>
+          </a:effectRef>
+          <a:fontRef idx="minor">
+            <a:schemeClr val="lt1"/>
+          </a:fontRef>
+        </p:style>
+        <p:txBody>
+          <a:bodyPr rtlCol="0" anchor="ctr"/>
+          <a:lstStyle/>
+          <a:p>
+            <a:pPr algn="ctr"/>
+            <a:r>
+              <a:rPr lang="en-US" dirty="0"/>
+              <a:t>4</a:t>
+            </a:r>
+          </a:p>
+        </p:txBody>
+      </p:sp>
+      <p:sp>
+        <p:nvSpPr>
+          <p:cNvPr id="72" name="Right Brace 71">
+            <a:extLst>
+              <a:ext uri="{FF2B5EF4-FFF2-40B4-BE49-F238E27FC236}">
+                <a16:creationId xmlns:a16="http://schemas.microsoft.com/office/drawing/2014/main" id="{8437D7F9-11BC-4CB4-9C1D-E271B1CA35B5}"/>
+              </a:ext>
+            </a:extLst>
+          </p:cNvPr>
+          <p:cNvSpPr/>
+          <p:nvPr/>
+        </p:nvSpPr>
+        <p:spPr>
+          <a:xfrm>
+            <a:off x="2586213" y="5296840"/>
+            <a:ext cx="146862" cy="932510"/>
+          </a:xfrm>
+          <a:prstGeom prst="rightBrace">
+            <a:avLst/>
+          </a:prstGeom>
+          <a:ln w="12700"/>
+        </p:spPr>
+        <p:style>
+          <a:lnRef idx="1">
+            <a:schemeClr val="accent1"/>
+          </a:lnRef>
+          <a:fillRef idx="0">
+            <a:schemeClr val="accent1"/>
+          </a:fillRef>
+          <a:effectRef idx="0">
+            <a:schemeClr val="accent1"/>
+          </a:effectRef>
+          <a:fontRef idx="minor">
+            <a:schemeClr val="tx1"/>
+          </a:fontRef>
+        </p:style>
+        <p:txBody>
+          <a:bodyPr rtlCol="0" anchor="ctr"/>
+          <a:lstStyle/>
+          <a:p>
+            <a:pPr algn="ctr"/>
+            <a:endParaRPr lang="en-US"/>
+          </a:p>
+        </p:txBody>
+      </p:sp>
+      <p:sp>
+        <p:nvSpPr>
+          <p:cNvPr id="73" name="Speech Bubble: Oval 72">
+            <a:extLst>
+              <a:ext uri="{FF2B5EF4-FFF2-40B4-BE49-F238E27FC236}">
+                <a16:creationId xmlns:a16="http://schemas.microsoft.com/office/drawing/2014/main" id="{0979E7C2-2943-49CB-A1B5-4B5F99AB7788}"/>
+              </a:ext>
+            </a:extLst>
+          </p:cNvPr>
+          <p:cNvSpPr/>
+          <p:nvPr/>
+        </p:nvSpPr>
+        <p:spPr>
+          <a:xfrm>
+            <a:off x="1558003" y="5296840"/>
+            <a:ext cx="312523" cy="236843"/>
+          </a:xfrm>
+          <a:prstGeom prst="wedgeEllipseCallout">
+            <a:avLst>
+              <a:gd name="adj1" fmla="val -42167"/>
+              <a:gd name="adj2" fmla="val 128857"/>
+            </a:avLst>
+          </a:prstGeom>
+          <a:gradFill>
+            <a:gsLst>
+              <a:gs pos="0">
+                <a:srgbClr val="7A0000"/>
+              </a:gs>
+              <a:gs pos="48000">
+                <a:srgbClr val="C00000"/>
+              </a:gs>
+              <a:gs pos="100000">
+                <a:srgbClr val="FF0000"/>
+              </a:gs>
+            </a:gsLst>
+            <a:lin ang="0" scaled="1"/>
+          </a:gradFill>
+          <a:ln>
+            <a:solidFill>
+              <a:srgbClr val="7A0000"/>
+            </a:solidFill>
+          </a:ln>
+        </p:spPr>
+        <p:style>
+          <a:lnRef idx="2">
+            <a:schemeClr val="accent1">
+              <a:shade val="50000"/>
+            </a:schemeClr>
+          </a:lnRef>
+          <a:fillRef idx="1">
+            <a:schemeClr val="accent1"/>
+          </a:fillRef>
+          <a:effectRef idx="0">
+            <a:schemeClr val="accent1"/>
+          </a:effectRef>
+          <a:fontRef idx="minor">
+            <a:schemeClr val="lt1"/>
+          </a:fontRef>
+        </p:style>
+        <p:txBody>
+          <a:bodyPr rtlCol="0" anchor="ctr"/>
+          <a:lstStyle/>
+          <a:p>
+            <a:pPr algn="ctr"/>
+            <a:r>
+              <a:rPr lang="en-US" dirty="0"/>
+              <a:t>3</a:t>
+            </a:r>
+          </a:p>
+        </p:txBody>
+      </p:sp>
+      <p:grpSp>
+        <p:nvGrpSpPr>
+          <p:cNvPr id="84" name="Group 83">
+            <a:extLst>
+              <a:ext uri="{FF2B5EF4-FFF2-40B4-BE49-F238E27FC236}">
+                <a16:creationId xmlns:a16="http://schemas.microsoft.com/office/drawing/2014/main" id="{01398A02-DE47-4761-A3A4-04D85C1F0CDD}"/>
+              </a:ext>
+            </a:extLst>
+          </p:cNvPr>
+          <p:cNvGrpSpPr/>
+          <p:nvPr/>
+        </p:nvGrpSpPr>
+        <p:grpSpPr>
+          <a:xfrm>
+            <a:off x="11529702" y="6218149"/>
+            <a:ext cx="509209" cy="497603"/>
+            <a:chOff x="10748211" y="5545294"/>
+            <a:chExt cx="1443789" cy="1427747"/>
+          </a:xfrm>
+        </p:grpSpPr>
+        <p:sp>
+          <p:nvSpPr>
+            <p:cNvPr id="85" name="Right Triangle 84">
+              <a:extLst>
+                <a:ext uri="{FF2B5EF4-FFF2-40B4-BE49-F238E27FC236}">
+                  <a16:creationId xmlns:a16="http://schemas.microsoft.com/office/drawing/2014/main" id="{027678A9-89FF-4241-8627-E7C7A7607338}"/>
+                </a:ext>
+              </a:extLst>
+            </p:cNvPr>
+            <p:cNvSpPr/>
+            <p:nvPr/>
+          </p:nvSpPr>
+          <p:spPr>
+            <a:xfrm rot="16200000">
+              <a:off x="10756232" y="5537273"/>
+              <a:ext cx="1427747" cy="1443789"/>
+            </a:xfrm>
+            <a:prstGeom prst="rtTriangle">
+              <a:avLst/>
+            </a:prstGeom>
+            <a:solidFill>
+              <a:schemeClr val="bg1"/>
+            </a:solidFill>
+          </p:spPr>
+          <p:style>
+            <a:lnRef idx="2">
+              <a:schemeClr val="accent1">
+                <a:shade val="50000"/>
+              </a:schemeClr>
+            </a:lnRef>
+            <a:fillRef idx="1">
+              <a:schemeClr val="accent1"/>
+            </a:fillRef>
+            <a:effectRef idx="0">
+              <a:schemeClr val="accent1"/>
+            </a:effectRef>
+            <a:fontRef idx="minor">
+              <a:schemeClr val="lt1"/>
+            </a:fontRef>
+          </p:style>
+          <p:txBody>
+            <a:bodyPr rtlCol="0" anchor="ctr"/>
+            <a:lstStyle/>
+            <a:p>
+              <a:pPr algn="ctr"/>
+              <a:endParaRPr lang="en-US"/>
+            </a:p>
+          </p:txBody>
+        </p:sp>
+        <p:pic>
+          <p:nvPicPr>
+            <p:cNvPr id="86" name="Picture 85">
+              <a:extLst>
+                <a:ext uri="{FF2B5EF4-FFF2-40B4-BE49-F238E27FC236}">
+                  <a16:creationId xmlns:a16="http://schemas.microsoft.com/office/drawing/2014/main" id="{F3F7EFB0-3061-4196-AEF2-33D0AFC2236C}"/>
+                </a:ext>
+              </a:extLst>
+            </p:cNvPr>
+            <p:cNvPicPr>
+              <a:picLocks noChangeAspect="1"/>
+            </p:cNvPicPr>
+            <p:nvPr/>
+          </p:nvPicPr>
+          <p:blipFill>
+            <a:blip r:embed="rId15">
+              <a:extLst>
+                <a:ext uri="{28A0092B-C50C-407E-A947-70E740481C1C}">
+                  <a14:useLocalDpi xmlns:a14="http://schemas.microsoft.com/office/drawing/2010/main" val="0"/>
+                </a:ext>
+              </a:extLst>
+            </a:blip>
+            <a:stretch>
+              <a:fillRect/>
+            </a:stretch>
+          </p:blipFill>
+          <p:spPr>
+            <a:xfrm>
+              <a:off x="11371346" y="6191250"/>
+              <a:ext cx="820654" cy="781790"/>
+            </a:xfrm>
+            <a:prstGeom prst="rect">
+              <a:avLst/>
+            </a:prstGeom>
+          </p:spPr>
+        </p:pic>
+      </p:grpSp>
     </p:spTree>
     <p:extLst>
       <p:ext uri="{BB962C8B-B14F-4D97-AF65-F5344CB8AC3E}">
         <p14:creationId xmlns:p14="http://schemas.microsoft.com/office/powerpoint/2010/main" val="1102942387"/>
+      </p:ext>
+    </p:extLst>
+  </p:cSld>
+  <p:clrMapOvr>
+    <a:masterClrMapping/>
+  </p:clrMapOvr>
+</p:sld>
+</file>
+
+<file path=ppt/slides/slide6.xml><?xml version="1.0" encoding="utf-8"?>
+<p:sld xmlns:a="http://schemas.openxmlformats.org/drawingml/2006/main" xmlns:r="http://schemas.openxmlformats.org/officeDocument/2006/relationships" xmlns:p="http://schemas.openxmlformats.org/presentationml/2006/main">
+  <p:cSld>
+    <p:spTree>
+      <p:nvGrpSpPr>
+        <p:cNvPr id="1" name=""/>
+        <p:cNvGrpSpPr/>
+        <p:nvPr/>
+      </p:nvGrpSpPr>
+      <p:grpSpPr>
+        <a:xfrm>
+          <a:off x="0" y="0"/>
+          <a:ext cx="0" cy="0"/>
+          <a:chOff x="0" y="0"/>
+          <a:chExt cx="0" cy="0"/>
+        </a:xfrm>
+      </p:grpSpPr>
+    </p:spTree>
+    <p:extLst>
+      <p:ext uri="{BB962C8B-B14F-4D97-AF65-F5344CB8AC3E}">
+        <p14:creationId xmlns:p14="http://schemas.microsoft.com/office/powerpoint/2010/main" val="524503809"/>
       </p:ext>
     </p:extLst>
   </p:cSld>
